--- a/20190602_Ixel.pptx
+++ b/20190602_Ixel.pptx
@@ -131,6 +131,11 @@
       </a:defRPr>
     </a:lvl9pPr>
   </p:defaultTextStyle>
+  <p:extLst>
+    <p:ext uri="{EFAFB233-063F-42B5-8137-9DF3F51BA10A}">
+      <p15:sldGuideLst xmlns:p15="http://schemas.microsoft.com/office/powerpoint/2012/main"/>
+    </p:ext>
+  </p:extLst>
 </p:presentation>
 </file>
 
@@ -1219,7 +1224,7 @@
           <a:p>
             <a:fld id="{D04843B6-82C8-456B-964F-3750256B99EA}" type="datetimeFigureOut">
               <a:rPr lang="ko-KR" altLang="en-US" smtClean="0"/>
-              <a:t>2019-05-30</a:t>
+              <a:t>2019. 6. 1.</a:t>
             </a:fld>
             <a:endParaRPr lang="ko-KR" altLang="en-US"/>
           </a:p>
@@ -1603,8 +1608,8 @@
         </p:nvSpPr>
         <p:spPr>
           <a:xfrm>
-            <a:off x="1143000" y="685800"/>
-            <a:ext cx="4572000" cy="3429000"/>
+            <a:off x="381000" y="685800"/>
+            <a:ext cx="6096000" cy="3429000"/>
           </a:xfrm>
           <a:prstGeom prst="rect">
             <a:avLst/>
@@ -2159,8 +2164,8 @@
         </p:nvSpPr>
         <p:spPr>
           <a:xfrm>
-            <a:off x="1143000" y="685800"/>
-            <a:ext cx="4572000" cy="3429000"/>
+            <a:off x="381000" y="685800"/>
+            <a:ext cx="6096000" cy="3429000"/>
           </a:xfrm>
           <a:prstGeom prst="rect">
             <a:avLst/>
@@ -3803,8 +3808,8 @@
         </p:nvSpPr>
         <p:spPr>
           <a:xfrm>
-            <a:off x="928688" y="750888"/>
-            <a:ext cx="4946650" cy="3709987"/>
+            <a:off x="104775" y="750888"/>
+            <a:ext cx="6594475" cy="3709987"/>
           </a:xfrm>
           <a:ln/>
         </p:spPr>
@@ -4074,8 +4079,8 @@
         </p:nvSpPr>
         <p:spPr>
           <a:xfrm>
-            <a:off x="1143000" y="685800"/>
-            <a:ext cx="4572000" cy="3429000"/>
+            <a:off x="381000" y="685800"/>
+            <a:ext cx="6096000" cy="3429000"/>
           </a:xfrm>
           <a:prstGeom prst="rect">
             <a:avLst/>
@@ -5290,8 +5295,8 @@
         </p:nvSpPr>
         <p:spPr>
           <a:xfrm>
-            <a:off x="1143000" y="685800"/>
-            <a:ext cx="4572000" cy="3429000"/>
+            <a:off x="381000" y="685800"/>
+            <a:ext cx="6096000" cy="3429000"/>
           </a:xfrm>
           <a:prstGeom prst="rect">
             <a:avLst/>
@@ -5531,7 +5536,7 @@
           <a:p>
             <a:fld id="{7F47E56E-D04D-4F9A-A77D-8112034CFDE5}" type="datetimeFigureOut">
               <a:rPr lang="ko-KR" altLang="en-US" smtClean="0"/>
-              <a:t>2019-05-30</a:t>
+              <a:t>2019. 6. 1.</a:t>
             </a:fld>
             <a:endParaRPr lang="ko-KR" altLang="en-US"/>
           </a:p>
@@ -5729,7 +5734,7 @@
           <a:p>
             <a:fld id="{7F47E56E-D04D-4F9A-A77D-8112034CFDE5}" type="datetimeFigureOut">
               <a:rPr lang="ko-KR" altLang="en-US" smtClean="0"/>
-              <a:t>2019-05-30</a:t>
+              <a:t>2019. 6. 1.</a:t>
             </a:fld>
             <a:endParaRPr lang="ko-KR" altLang="en-US"/>
           </a:p>
@@ -5937,7 +5942,7 @@
           <a:p>
             <a:fld id="{7F47E56E-D04D-4F9A-A77D-8112034CFDE5}" type="datetimeFigureOut">
               <a:rPr lang="ko-KR" altLang="en-US" smtClean="0"/>
-              <a:t>2019-05-30</a:t>
+              <a:t>2019. 6. 1.</a:t>
             </a:fld>
             <a:endParaRPr lang="ko-KR" altLang="en-US"/>
           </a:p>
@@ -6316,7 +6321,7 @@
           <a:p>
             <a:fld id="{7F47E56E-D04D-4F9A-A77D-8112034CFDE5}" type="datetimeFigureOut">
               <a:rPr lang="ko-KR" altLang="en-US" smtClean="0"/>
-              <a:t>2019-05-30</a:t>
+              <a:t>2019. 6. 1.</a:t>
             </a:fld>
             <a:endParaRPr lang="ko-KR" altLang="en-US"/>
           </a:p>
@@ -6591,7 +6596,7 @@
           <a:p>
             <a:fld id="{7F47E56E-D04D-4F9A-A77D-8112034CFDE5}" type="datetimeFigureOut">
               <a:rPr lang="ko-KR" altLang="en-US" smtClean="0"/>
-              <a:t>2019-05-30</a:t>
+              <a:t>2019. 6. 1.</a:t>
             </a:fld>
             <a:endParaRPr lang="ko-KR" altLang="en-US"/>
           </a:p>
@@ -6856,7 +6861,7 @@
           <a:p>
             <a:fld id="{7F47E56E-D04D-4F9A-A77D-8112034CFDE5}" type="datetimeFigureOut">
               <a:rPr lang="ko-KR" altLang="en-US" smtClean="0"/>
-              <a:t>2019-05-30</a:t>
+              <a:t>2019. 6. 1.</a:t>
             </a:fld>
             <a:endParaRPr lang="ko-KR" altLang="en-US"/>
           </a:p>
@@ -7268,7 +7273,7 @@
           <a:p>
             <a:fld id="{7F47E56E-D04D-4F9A-A77D-8112034CFDE5}" type="datetimeFigureOut">
               <a:rPr lang="ko-KR" altLang="en-US" smtClean="0"/>
-              <a:t>2019-05-30</a:t>
+              <a:t>2019. 6. 1.</a:t>
             </a:fld>
             <a:endParaRPr lang="ko-KR" altLang="en-US"/>
           </a:p>
@@ -7409,7 +7414,7 @@
           <a:p>
             <a:fld id="{7F47E56E-D04D-4F9A-A77D-8112034CFDE5}" type="datetimeFigureOut">
               <a:rPr lang="ko-KR" altLang="en-US" smtClean="0"/>
-              <a:t>2019-05-30</a:t>
+              <a:t>2019. 6. 1.</a:t>
             </a:fld>
             <a:endParaRPr lang="ko-KR" altLang="en-US"/>
           </a:p>
@@ -7522,7 +7527,7 @@
           <a:p>
             <a:fld id="{7F47E56E-D04D-4F9A-A77D-8112034CFDE5}" type="datetimeFigureOut">
               <a:rPr lang="ko-KR" altLang="en-US" smtClean="0"/>
-              <a:t>2019-05-30</a:t>
+              <a:t>2019. 6. 1.</a:t>
             </a:fld>
             <a:endParaRPr lang="ko-KR" altLang="en-US"/>
           </a:p>
@@ -7833,7 +7838,7 @@
           <a:p>
             <a:fld id="{7F47E56E-D04D-4F9A-A77D-8112034CFDE5}" type="datetimeFigureOut">
               <a:rPr lang="ko-KR" altLang="en-US" smtClean="0"/>
-              <a:t>2019-05-30</a:t>
+              <a:t>2019. 6. 1.</a:t>
             </a:fld>
             <a:endParaRPr lang="ko-KR" altLang="en-US"/>
           </a:p>
@@ -8121,7 +8126,7 @@
           <a:p>
             <a:fld id="{7F47E56E-D04D-4F9A-A77D-8112034CFDE5}" type="datetimeFigureOut">
               <a:rPr lang="ko-KR" altLang="en-US" smtClean="0"/>
-              <a:t>2019-05-30</a:t>
+              <a:t>2019. 6. 1.</a:t>
             </a:fld>
             <a:endParaRPr lang="ko-KR" altLang="en-US"/>
           </a:p>
@@ -8362,7 +8367,7 @@
           <a:p>
             <a:fld id="{7F47E56E-D04D-4F9A-A77D-8112034CFDE5}" type="datetimeFigureOut">
               <a:rPr lang="ko-KR" altLang="en-US" smtClean="0"/>
-              <a:t>2019-05-30</a:t>
+              <a:t>2019. 6. 1.</a:t>
             </a:fld>
             <a:endParaRPr lang="ko-KR" altLang="en-US"/>
           </a:p>
@@ -8820,11 +8825,7 @@
             </a:br>
             <a:r>
               <a:rPr lang="en-US" altLang="ko-KR" sz="2800" b="1" dirty="0"/>
-              <a:t>Benefit of </a:t>
-            </a:r>
-            <a:r>
-              <a:rPr lang="en-US" altLang="ko-KR" sz="2800" b="1" dirty="0" err="1"/>
-              <a:t>Minacipran</a:t>
+              <a:t>Benefit of Milnacipran</a:t>
             </a:r>
             <a:br>
               <a:rPr lang="en-US" altLang="ko-KR" sz="2800" b="1" dirty="0"/>
@@ -8968,14 +8969,14 @@
           <p:nvPr>
             <p:extLst>
               <p:ext uri="{D42A27DB-BD31-4B8C-83A1-F6EECF244321}">
-                <p14:modId xmlns:p14="http://schemas.microsoft.com/office/powerpoint/2010/main" val="568372025"/>
+                <p14:modId xmlns:p14="http://schemas.microsoft.com/office/powerpoint/2010/main" val="3704324925"/>
               </p:ext>
             </p:extLst>
           </p:nvPr>
         </p:nvGraphicFramePr>
         <p:xfrm>
           <a:off x="838200" y="1542098"/>
-          <a:ext cx="10515601" cy="4546848"/>
+          <a:ext cx="10515601" cy="4499731"/>
         </p:xfrm>
         <a:graphic>
           <a:graphicData uri="http://schemas.openxmlformats.org/drawingml/2006/table">
@@ -9037,7 +9038,7 @@
                           <a:latin typeface="맑은 고딕" pitchFamily="50" charset="-127"/>
                           <a:ea typeface="맑은 고딕" pitchFamily="50" charset="-127"/>
                         </a:rPr>
-                        <a:t>적용</a:t>
+                        <a:t>장점</a:t>
                       </a:r>
                     </a:p>
                   </a:txBody>
@@ -9096,14 +9097,11 @@
                     <a:bodyPr/>
                     <a:lstStyle/>
                     <a:p>
-                      <a:pPr latinLnBrk="1"/>
-                      <a:endParaRPr lang="en-US" altLang="ko-KR" sz="1600" dirty="0">
-                        <a:latin typeface="맑은 고딕"/>
-                        <a:ea typeface="맑은 고딕"/>
-                      </a:endParaRPr>
-                    </a:p>
-                    <a:p>
-                      <a:pPr latinLnBrk="1"/>
+                      <a:pPr latinLnBrk="1">
+                        <a:lnSpc>
+                          <a:spcPct val="150000"/>
+                        </a:lnSpc>
+                      </a:pPr>
                       <a:r>
                         <a:rPr lang="ko-KR" altLang="en-US" sz="1600" dirty="0" err="1">
                           <a:latin typeface="맑은 고딕"/>
@@ -9123,28 +9121,7 @@
                           <a:latin typeface="맑은 고딕" pitchFamily="50" charset="-127"/>
                           <a:ea typeface="맑은 고딕" pitchFamily="50" charset="-127"/>
                         </a:rPr>
-                        <a:t> 환자</a:t>
-                      </a:r>
-                      <a:endParaRPr lang="en-US" altLang="ko-KR" sz="1600" dirty="0">
-                        <a:latin typeface="맑은 고딕" pitchFamily="50" charset="-127"/>
-                        <a:ea typeface="맑은 고딕" pitchFamily="50" charset="-127"/>
-                      </a:endParaRPr>
-                    </a:p>
-                    <a:p>
-                      <a:pPr latinLnBrk="1"/>
-                      <a:r>
-                        <a:rPr lang="en-US" altLang="ko-KR" sz="1600" dirty="0">
-                          <a:latin typeface="맑은 고딕" pitchFamily="50" charset="-127"/>
-                          <a:ea typeface="맑은 고딕" pitchFamily="50" charset="-127"/>
-                        </a:rPr>
-                        <a:t>  </a:t>
-                      </a:r>
-                      <a:r>
-                        <a:rPr lang="ko-KR" altLang="en-US" sz="1600" dirty="0">
-                          <a:latin typeface="맑은 고딕" pitchFamily="50" charset="-127"/>
-                          <a:ea typeface="맑은 고딕" pitchFamily="50" charset="-127"/>
-                        </a:rPr>
-                        <a:t> </a:t>
+                        <a:t> 환자 </a:t>
                       </a:r>
                       <a:r>
                         <a:rPr lang="en-US" altLang="ko-KR" sz="1600" dirty="0">
@@ -9161,106 +9138,44 @@
                         <a:t>항콜린성</a:t>
                       </a:r>
                       <a:r>
+                        <a:rPr lang="en-US" altLang="ko-KR" sz="1600" dirty="0">
+                          <a:latin typeface="맑은 고딕" pitchFamily="50" charset="-127"/>
+                          <a:ea typeface="맑은 고딕" pitchFamily="50" charset="-127"/>
+                        </a:rPr>
+                        <a:t>/</a:t>
+                      </a:r>
+                      <a:r>
                         <a:rPr lang="ko-KR" altLang="en-US" sz="1600" dirty="0">
                           <a:latin typeface="맑은 고딕" pitchFamily="50" charset="-127"/>
                           <a:ea typeface="맑은 고딕" pitchFamily="50" charset="-127"/>
                         </a:rPr>
-                        <a:t> 부작용</a:t>
+                        <a:t>심혈관계 부작용이 낮음</a:t>
                       </a:r>
                       <a:r>
                         <a:rPr lang="en-US" altLang="ko-KR" sz="1600" dirty="0">
                           <a:latin typeface="맑은 고딕" pitchFamily="50" charset="-127"/>
                           <a:ea typeface="맑은 고딕" pitchFamily="50" charset="-127"/>
                         </a:rPr>
-                        <a:t>, </a:t>
-                      </a:r>
-                      <a:r>
-                        <a:rPr lang="ko-KR" altLang="en-US" sz="1600" dirty="0" err="1">
-                          <a:latin typeface="맑은 고딕" pitchFamily="50" charset="-127"/>
-                          <a:ea typeface="맑은 고딕" pitchFamily="50" charset="-127"/>
-                        </a:rPr>
-                        <a:t>체위성</a:t>
-                      </a:r>
-                      <a:r>
-                        <a:rPr lang="ko-KR" altLang="en-US" sz="1600" dirty="0">
-                          <a:latin typeface="맑은 고딕" pitchFamily="50" charset="-127"/>
-                          <a:ea typeface="맑은 고딕" pitchFamily="50" charset="-127"/>
-                        </a:rPr>
-                        <a:t> 저혈압</a:t>
-                      </a:r>
-                      <a:r>
-                        <a:rPr lang="en-US" altLang="ko-KR" sz="1600" dirty="0">
-                          <a:latin typeface="맑은 고딕" pitchFamily="50" charset="-127"/>
-                          <a:ea typeface="맑은 고딕" pitchFamily="50" charset="-127"/>
-                        </a:rPr>
-                        <a:t>,</a:t>
+                        <a:t>.</a:t>
                       </a:r>
                     </a:p>
                     <a:p>
-                      <a:pPr latinLnBrk="1"/>
-                      <a:r>
-                        <a:rPr lang="en-US" altLang="ko-KR" sz="1600" dirty="0">
-                          <a:latin typeface="맑은 고딕" pitchFamily="50" charset="-127"/>
-                          <a:ea typeface="맑은 고딕" pitchFamily="50" charset="-127"/>
-                        </a:rPr>
-                        <a:t>    </a:t>
-                      </a:r>
-                      <a:r>
-                        <a:rPr lang="ko-KR" altLang="en-US" sz="1600" dirty="0">
-                          <a:latin typeface="맑은 고딕" pitchFamily="50" charset="-127"/>
-                          <a:ea typeface="맑은 고딕" pitchFamily="50" charset="-127"/>
-                        </a:rPr>
-                        <a:t>심장독성</a:t>
-                      </a:r>
-                      <a:r>
-                        <a:rPr lang="en-US" altLang="ko-KR" sz="1600" dirty="0">
-                          <a:latin typeface="맑은 고딕" pitchFamily="50" charset="-127"/>
-                          <a:ea typeface="맑은 고딕" pitchFamily="50" charset="-127"/>
-                        </a:rPr>
-                        <a:t>, </a:t>
-                      </a:r>
-                      <a:r>
-                        <a:rPr lang="ko-KR" altLang="en-US" sz="1600" dirty="0">
-                          <a:latin typeface="맑은 고딕" pitchFamily="50" charset="-127"/>
-                          <a:ea typeface="맑은 고딕" pitchFamily="50" charset="-127"/>
-                        </a:rPr>
-                        <a:t>심혈관계 부작용이 낮아 </a:t>
-                      </a:r>
-                      <a:endParaRPr lang="en-US" altLang="ko-KR" sz="1600" dirty="0">
-                        <a:latin typeface="맑은 고딕" pitchFamily="50" charset="-127"/>
-                        <a:ea typeface="맑은 고딕" pitchFamily="50" charset="-127"/>
-                      </a:endParaRPr>
-                    </a:p>
-                    <a:p>
-                      <a:pPr latinLnBrk="1"/>
-                      <a:r>
-                        <a:rPr lang="en-US" altLang="ko-KR" sz="1600" dirty="0">
-                          <a:latin typeface="맑은 고딕" pitchFamily="50" charset="-127"/>
-                          <a:ea typeface="맑은 고딕" pitchFamily="50" charset="-127"/>
-                        </a:rPr>
-                        <a:t>    </a:t>
-                      </a:r>
-                      <a:r>
-                        <a:rPr lang="ko-KR" altLang="en-US" sz="1600" dirty="0">
-                          <a:latin typeface="맑은 고딕" pitchFamily="50" charset="-127"/>
-                          <a:ea typeface="맑은 고딕" pitchFamily="50" charset="-127"/>
-                        </a:rPr>
-                        <a:t>적합</a:t>
-                      </a:r>
-                      <a:endParaRPr lang="en-US" altLang="ko-KR" sz="1600" dirty="0">
-                        <a:latin typeface="맑은 고딕" pitchFamily="50" charset="-127"/>
-                        <a:ea typeface="맑은 고딕" pitchFamily="50" charset="-127"/>
-                      </a:endParaRPr>
-                    </a:p>
-                    <a:p>
-                      <a:pPr latinLnBrk="1"/>
+                      <a:pPr latinLnBrk="1">
+                        <a:lnSpc>
+                          <a:spcPct val="150000"/>
+                        </a:lnSpc>
+                      </a:pPr>
                       <a:endParaRPr lang="en-US" altLang="ko-KR" sz="800" dirty="0">
                         <a:latin typeface="맑은 고딕" pitchFamily="50" charset="-127"/>
                         <a:ea typeface="맑은 고딕" pitchFamily="50" charset="-127"/>
                       </a:endParaRPr>
                     </a:p>
                     <a:p>
-                      <a:pPr latinLnBrk="1"/>
+                      <a:pPr latinLnBrk="1">
+                        <a:lnSpc>
+                          <a:spcPct val="150000"/>
+                        </a:lnSpc>
+                      </a:pPr>
                       <a:r>
                         <a:rPr lang="ko-KR" altLang="en-US" sz="1600" dirty="0" err="1">
                           <a:latin typeface="맑은 고딕"/>
@@ -9280,21 +9195,14 @@
                           <a:latin typeface="맑은 고딕" pitchFamily="50" charset="-127"/>
                           <a:ea typeface="맑은 고딕" pitchFamily="50" charset="-127"/>
                         </a:rPr>
-                        <a:t> 진정작용 </a:t>
+                        <a:t> 진정작용</a:t>
                       </a:r>
-                      <a:endParaRPr lang="en-US" altLang="ko-KR" sz="1600" dirty="0">
-                        <a:latin typeface="맑은 고딕" pitchFamily="50" charset="-127"/>
-                        <a:ea typeface="맑은 고딕" pitchFamily="50" charset="-127"/>
-                      </a:endParaRPr>
-                    </a:p>
-                    <a:p>
-                      <a:pPr latinLnBrk="1"/>
                       <a:r>
                         <a:rPr lang="en-US" altLang="ko-KR" sz="1600" dirty="0">
                           <a:latin typeface="맑은 고딕" pitchFamily="50" charset="-127"/>
                           <a:ea typeface="맑은 고딕" pitchFamily="50" charset="-127"/>
                         </a:rPr>
-                        <a:t>   : </a:t>
+                        <a:t>: </a:t>
                       </a:r>
                       <a:r>
                         <a:rPr lang="ko-KR" altLang="en-US" sz="1600" dirty="0">
@@ -9323,14 +9231,22 @@
                       </a:endParaRPr>
                     </a:p>
                     <a:p>
-                      <a:pPr latinLnBrk="1"/>
+                      <a:pPr latinLnBrk="1">
+                        <a:lnSpc>
+                          <a:spcPct val="150000"/>
+                        </a:lnSpc>
+                      </a:pPr>
                       <a:endParaRPr lang="en-US" altLang="ko-KR" sz="800" dirty="0">
                         <a:latin typeface="맑은 고딕" pitchFamily="50" charset="-127"/>
                         <a:ea typeface="맑은 고딕" pitchFamily="50" charset="-127"/>
                       </a:endParaRPr>
                     </a:p>
                     <a:p>
-                      <a:pPr latinLnBrk="1"/>
+                      <a:pPr latinLnBrk="1">
+                        <a:lnSpc>
+                          <a:spcPct val="150000"/>
+                        </a:lnSpc>
+                      </a:pPr>
                       <a:r>
                         <a:rPr lang="ko-KR" altLang="en-US" sz="1600" dirty="0" err="1">
                           <a:latin typeface="맑은 고딕"/>
@@ -9372,14 +9288,22 @@
                       </a:endParaRPr>
                     </a:p>
                     <a:p>
-                      <a:pPr latinLnBrk="1"/>
+                      <a:pPr latinLnBrk="1">
+                        <a:lnSpc>
+                          <a:spcPct val="150000"/>
+                        </a:lnSpc>
+                      </a:pPr>
                       <a:endParaRPr lang="en-US" altLang="ko-KR" sz="800" dirty="0">
                         <a:latin typeface="맑은 고딕" pitchFamily="50" charset="-127"/>
                         <a:ea typeface="맑은 고딕" pitchFamily="50" charset="-127"/>
                       </a:endParaRPr>
                     </a:p>
                     <a:p>
-                      <a:pPr latinLnBrk="1"/>
+                      <a:pPr latinLnBrk="1">
+                        <a:lnSpc>
+                          <a:spcPct val="150000"/>
+                        </a:lnSpc>
+                      </a:pPr>
                       <a:r>
                         <a:rPr lang="ko-KR" altLang="en-US" sz="1600" dirty="0" err="1">
                           <a:latin typeface="맑은 고딕"/>
@@ -9449,14 +9373,22 @@
                       </a:endParaRPr>
                     </a:p>
                     <a:p>
-                      <a:pPr latinLnBrk="1"/>
+                      <a:pPr latinLnBrk="1">
+                        <a:lnSpc>
+                          <a:spcPct val="150000"/>
+                        </a:lnSpc>
+                      </a:pPr>
                       <a:endParaRPr lang="en-US" altLang="ko-KR" sz="800" dirty="0">
                         <a:latin typeface="맑은 고딕" pitchFamily="50" charset="-127"/>
                         <a:ea typeface="맑은 고딕" pitchFamily="50" charset="-127"/>
                       </a:endParaRPr>
                     </a:p>
                     <a:p>
-                      <a:pPr latinLnBrk="1"/>
+                      <a:pPr latinLnBrk="1">
+                        <a:lnSpc>
+                          <a:spcPct val="150000"/>
+                        </a:lnSpc>
+                      </a:pPr>
                       <a:r>
                         <a:rPr lang="ko-KR" altLang="en-US" sz="1600" dirty="0" err="1">
                           <a:latin typeface="맑은 고딕"/>
@@ -9476,28 +9408,14 @@
                           <a:latin typeface="맑은 고딕" pitchFamily="50" charset="-127"/>
                           <a:ea typeface="맑은 고딕" pitchFamily="50" charset="-127"/>
                         </a:rPr>
-                        <a:t> 낮은 발작 빈도</a:t>
+                        <a:t> 낮은 발작 빈도 </a:t>
                       </a:r>
-                      <a:endParaRPr lang="en-US" altLang="ko-KR" sz="1600" dirty="0">
-                        <a:latin typeface="맑은 고딕" pitchFamily="50" charset="-127"/>
-                        <a:ea typeface="맑은 고딕" pitchFamily="50" charset="-127"/>
-                      </a:endParaRPr>
-                    </a:p>
-                    <a:p>
-                      <a:pPr latinLnBrk="1"/>
                       <a:r>
                         <a:rPr lang="en-US" altLang="ko-KR" sz="1600" dirty="0">
                           <a:latin typeface="맑은 고딕" pitchFamily="50" charset="-127"/>
                           <a:ea typeface="맑은 고딕" pitchFamily="50" charset="-127"/>
                         </a:rPr>
-                        <a:t>   (</a:t>
-                      </a:r>
-                      <a:r>
-                        <a:rPr lang="en-US" altLang="ko-KR" sz="1600" dirty="0" err="1">
-                          <a:latin typeface="맑은 고딕" pitchFamily="50" charset="-127"/>
-                          <a:ea typeface="맑은 고딕" pitchFamily="50" charset="-127"/>
-                        </a:rPr>
-                        <a:t>Fluoxetine</a:t>
+                        <a:t>(Fluoxetine</a:t>
                       </a:r>
                       <a:r>
                         <a:rPr lang="en-US" altLang="ko-KR" sz="1600" baseline="0" dirty="0">
@@ -9522,14 +9440,22 @@
                       </a:r>
                     </a:p>
                     <a:p>
-                      <a:pPr latinLnBrk="1"/>
+                      <a:pPr latinLnBrk="1">
+                        <a:lnSpc>
+                          <a:spcPct val="150000"/>
+                        </a:lnSpc>
+                      </a:pPr>
                       <a:endParaRPr lang="en-US" altLang="ko-KR" sz="800" baseline="0" dirty="0">
                         <a:latin typeface="맑은 고딕" pitchFamily="50" charset="-127"/>
                         <a:ea typeface="맑은 고딕" pitchFamily="50" charset="-127"/>
                       </a:endParaRPr>
                     </a:p>
                     <a:p>
-                      <a:pPr latinLnBrk="1"/>
+                      <a:pPr latinLnBrk="1">
+                        <a:lnSpc>
+                          <a:spcPct val="150000"/>
+                        </a:lnSpc>
+                      </a:pPr>
                       <a:r>
                         <a:rPr lang="ko-KR" altLang="en-US" sz="1600" dirty="0" err="1">
                           <a:latin typeface="맑은 고딕"/>
@@ -9557,14 +9483,22 @@
                       </a:endParaRPr>
                     </a:p>
                     <a:p>
-                      <a:pPr latinLnBrk="1"/>
+                      <a:pPr latinLnBrk="1">
+                        <a:lnSpc>
+                          <a:spcPct val="150000"/>
+                        </a:lnSpc>
+                      </a:pPr>
                       <a:endParaRPr lang="en-US" altLang="ko-KR" sz="800" baseline="0" dirty="0">
                         <a:latin typeface="맑은 고딕" pitchFamily="50" charset="-127"/>
                         <a:ea typeface="맑은 고딕" pitchFamily="50" charset="-127"/>
                       </a:endParaRPr>
                     </a:p>
                     <a:p>
-                      <a:pPr latinLnBrk="1"/>
+                      <a:pPr latinLnBrk="1">
+                        <a:lnSpc>
+                          <a:spcPct val="150000"/>
+                        </a:lnSpc>
+                      </a:pPr>
                       <a:r>
                         <a:rPr lang="ko-KR" altLang="en-US" sz="1600" dirty="0" err="1">
                           <a:latin typeface="맑은 고딕"/>
@@ -9613,14 +9547,11 @@
                     <a:bodyPr/>
                     <a:lstStyle/>
                     <a:p>
-                      <a:pPr latinLnBrk="1"/>
-                      <a:endParaRPr lang="en-US" altLang="ko-KR" sz="1600" dirty="0">
-                        <a:latin typeface="맑은 고딕"/>
-                        <a:ea typeface="맑은 고딕"/>
-                      </a:endParaRPr>
-                    </a:p>
-                    <a:p>
-                      <a:pPr latinLnBrk="1"/>
+                      <a:pPr latinLnBrk="1">
+                        <a:lnSpc>
+                          <a:spcPct val="150000"/>
+                        </a:lnSpc>
+                      </a:pPr>
                       <a:r>
                         <a:rPr lang="ko-KR" altLang="en-US" sz="1600" dirty="0" err="1">
                           <a:latin typeface="맑은 고딕"/>
@@ -9640,21 +9571,14 @@
                           <a:latin typeface="맑은 고딕" pitchFamily="50" charset="-127"/>
                           <a:ea typeface="맑은 고딕" pitchFamily="50" charset="-127"/>
                         </a:rPr>
-                        <a:t> 증후군 </a:t>
+                        <a:t> 증후군</a:t>
                       </a:r>
-                      <a:endParaRPr lang="en-US" altLang="ko-KR" sz="1600" dirty="0">
-                        <a:latin typeface="맑은 고딕" pitchFamily="50" charset="-127"/>
-                        <a:ea typeface="맑은 고딕" pitchFamily="50" charset="-127"/>
-                      </a:endParaRPr>
-                    </a:p>
-                    <a:p>
-                      <a:pPr latinLnBrk="1"/>
                       <a:r>
                         <a:rPr lang="en-US" altLang="ko-KR" sz="1600" dirty="0">
                           <a:latin typeface="맑은 고딕" pitchFamily="50" charset="-127"/>
                           <a:ea typeface="맑은 고딕" pitchFamily="50" charset="-127"/>
                         </a:rPr>
-                        <a:t>   : </a:t>
+                        <a:t>: </a:t>
                       </a:r>
                       <a:r>
                         <a:rPr lang="ko-KR" altLang="en-US" sz="1600" dirty="0">
@@ -9726,16 +9650,6 @@
                         </a:rPr>
                         <a:t>, </a:t>
                       </a:r>
-                    </a:p>
-                    <a:p>
-                      <a:pPr latinLnBrk="1"/>
-                      <a:r>
-                        <a:rPr lang="en-US" altLang="ko-KR" sz="1600" dirty="0">
-                          <a:latin typeface="맑은 고딕" pitchFamily="50" charset="-127"/>
-                          <a:ea typeface="맑은 고딕" pitchFamily="50" charset="-127"/>
-                        </a:rPr>
-                        <a:t>    </a:t>
-                      </a:r>
                       <a:r>
                         <a:rPr lang="ko-KR" altLang="en-US" sz="1600" dirty="0">
                           <a:latin typeface="맑은 고딕" pitchFamily="50" charset="-127"/>
@@ -9749,21 +9663,33 @@
                       </a:endParaRPr>
                     </a:p>
                     <a:p>
-                      <a:pPr latinLnBrk="1"/>
+                      <a:pPr latinLnBrk="1">
+                        <a:lnSpc>
+                          <a:spcPct val="150000"/>
+                        </a:lnSpc>
+                      </a:pPr>
                       <a:endParaRPr lang="en-US" altLang="ko-KR" sz="800" dirty="0">
                         <a:latin typeface="맑은 고딕" pitchFamily="50" charset="-127"/>
                         <a:ea typeface="맑은 고딕" pitchFamily="50" charset="-127"/>
                       </a:endParaRPr>
                     </a:p>
                     <a:p>
-                      <a:pPr latinLnBrk="1"/>
+                      <a:pPr latinLnBrk="1">
+                        <a:lnSpc>
+                          <a:spcPct val="150000"/>
+                        </a:lnSpc>
+                      </a:pPr>
                       <a:endParaRPr lang="en-US" altLang="ko-KR" sz="800" dirty="0">
                         <a:latin typeface="맑은 고딕" pitchFamily="50" charset="-127"/>
                         <a:ea typeface="맑은 고딕" pitchFamily="50" charset="-127"/>
                       </a:endParaRPr>
                     </a:p>
                     <a:p>
-                      <a:pPr latinLnBrk="1"/>
+                      <a:pPr latinLnBrk="1">
+                        <a:lnSpc>
+                          <a:spcPct val="150000"/>
+                        </a:lnSpc>
+                      </a:pPr>
                       <a:r>
                         <a:rPr lang="ko-KR" altLang="en-US" sz="1600" dirty="0" err="1">
                           <a:latin typeface="맑은 고딕"/>
@@ -9776,28 +9702,14 @@
                           <a:latin typeface="맑은 고딕" pitchFamily="50" charset="-127"/>
                           <a:ea typeface="맑은 고딕" pitchFamily="50" charset="-127"/>
                         </a:rPr>
-                        <a:t>상부위장관</a:t>
+                        <a:t>출혈</a:t>
                       </a:r>
-                      <a:r>
-                        <a:rPr lang="ko-KR" altLang="en-US" sz="1600" dirty="0">
-                          <a:latin typeface="맑은 고딕" pitchFamily="50" charset="-127"/>
-                          <a:ea typeface="맑은 고딕" pitchFamily="50" charset="-127"/>
-                        </a:rPr>
-                        <a:t> 출혈 </a:t>
-                      </a:r>
-                      <a:endParaRPr lang="en-US" altLang="ko-KR" sz="1600" dirty="0">
-                        <a:latin typeface="맑은 고딕" pitchFamily="50" charset="-127"/>
-                        <a:ea typeface="맑은 고딕" pitchFamily="50" charset="-127"/>
-                      </a:endParaRPr>
-                    </a:p>
-                    <a:p>
-                      <a:pPr latinLnBrk="1"/>
                       <a:r>
                         <a:rPr lang="en-US" altLang="ko-KR" sz="1600" dirty="0">
                           <a:latin typeface="맑은 고딕" pitchFamily="50" charset="-127"/>
                           <a:ea typeface="맑은 고딕" pitchFamily="50" charset="-127"/>
                         </a:rPr>
-                        <a:t>   : </a:t>
+                        <a:t>: </a:t>
                       </a:r>
                       <a:r>
                         <a:rPr lang="ko-KR" altLang="en-US" sz="1600" dirty="0" err="1">
@@ -9819,42 +9731,11 @@
                       </a:endParaRPr>
                     </a:p>
                     <a:p>
-                      <a:pPr latinLnBrk="1"/>
-                      <a:r>
-                        <a:rPr lang="en-US" altLang="ko-KR" sz="1600" dirty="0">
-                          <a:latin typeface="맑은 고딕" pitchFamily="50" charset="-127"/>
-                          <a:ea typeface="맑은 고딕" pitchFamily="50" charset="-127"/>
-                        </a:rPr>
-                        <a:t>    </a:t>
-                      </a:r>
-                      <a:r>
-                        <a:rPr lang="ko-KR" altLang="en-US" sz="1600" dirty="0">
-                          <a:latin typeface="맑은 고딕" pitchFamily="50" charset="-127"/>
-                          <a:ea typeface="맑은 고딕" pitchFamily="50" charset="-127"/>
-                        </a:rPr>
-                        <a:t>항응고제</a:t>
-                      </a:r>
-                      <a:r>
-                        <a:rPr lang="en-US" altLang="ko-KR" sz="1600" dirty="0">
-                          <a:latin typeface="맑은 고딕" pitchFamily="50" charset="-127"/>
-                          <a:ea typeface="맑은 고딕" pitchFamily="50" charset="-127"/>
-                        </a:rPr>
-                        <a:t>, NSAIDs</a:t>
-                      </a:r>
-                      <a:r>
-                        <a:rPr lang="ko-KR" altLang="en-US" sz="1600" dirty="0">
-                          <a:latin typeface="맑은 고딕" pitchFamily="50" charset="-127"/>
-                          <a:ea typeface="맑은 고딕" pitchFamily="50" charset="-127"/>
-                        </a:rPr>
-                        <a:t>와의 병용 주의</a:t>
-                      </a:r>
-                      <a:endParaRPr lang="en-US" altLang="ko-KR" sz="1600" dirty="0">
-                        <a:latin typeface="맑은 고딕" pitchFamily="50" charset="-127"/>
-                        <a:ea typeface="맑은 고딕" pitchFamily="50" charset="-127"/>
-                      </a:endParaRPr>
-                    </a:p>
-                    <a:p>
-                      <a:pPr latinLnBrk="1"/>
+                      <a:pPr latinLnBrk="1">
+                        <a:lnSpc>
+                          <a:spcPct val="150000"/>
+                        </a:lnSpc>
+                      </a:pPr>
                       <a:endParaRPr lang="en-US" altLang="ko-KR" sz="800" dirty="0">
                         <a:latin typeface="맑은 고딕" pitchFamily="50" charset="-127"/>
                         <a:ea typeface="맑은 고딕" pitchFamily="50" charset="-127"/>
@@ -9863,7 +9744,7 @@
                     <a:p>
                       <a:pPr marL="0" marR="0" lvl="0" indent="0" algn="l" defTabSz="914400" rtl="0" eaLnBrk="1" fontAlgn="auto" latinLnBrk="1" hangingPunct="1">
                         <a:lnSpc>
-                          <a:spcPct val="100000"/>
+                          <a:spcPct val="150000"/>
                         </a:lnSpc>
                         <a:spcBef>
                           <a:spcPts val="0"/>
@@ -9910,7 +9791,7 @@
                     <a:p>
                       <a:pPr marL="0" marR="0" lvl="0" indent="0" algn="l" defTabSz="914400" rtl="0" eaLnBrk="1" fontAlgn="auto" latinLnBrk="1" hangingPunct="1">
                         <a:lnSpc>
-                          <a:spcPct val="100000"/>
+                          <a:spcPct val="150000"/>
                         </a:lnSpc>
                         <a:spcBef>
                           <a:spcPts val="0"/>
@@ -9931,7 +9812,11 @@
                       </a:endParaRPr>
                     </a:p>
                     <a:p>
-                      <a:pPr latinLnBrk="1"/>
+                      <a:pPr latinLnBrk="1">
+                        <a:lnSpc>
+                          <a:spcPct val="150000"/>
+                        </a:lnSpc>
+                      </a:pPr>
                       <a:r>
                         <a:rPr lang="ko-KR" altLang="en-US" sz="1600" dirty="0" err="1">
                           <a:latin typeface="맑은 고딕"/>
@@ -9959,7 +9844,11 @@
                       </a:endParaRPr>
                     </a:p>
                     <a:p>
-                      <a:pPr latinLnBrk="1"/>
+                      <a:pPr latinLnBrk="1">
+                        <a:lnSpc>
+                          <a:spcPct val="150000"/>
+                        </a:lnSpc>
+                      </a:pPr>
                       <a:r>
                         <a:rPr lang="en-US" altLang="ko-KR" sz="1600" baseline="0" dirty="0">
                           <a:latin typeface="맑은 고딕" pitchFamily="50" charset="-127"/>
@@ -9997,42 +9886,22 @@
                       </a:r>
                     </a:p>
                     <a:p>
-                      <a:pPr latinLnBrk="1"/>
-                      <a:r>
-                        <a:rPr lang="en-US" altLang="ko-KR" sz="1600" baseline="0" dirty="0">
-                          <a:latin typeface="맑은 고딕" pitchFamily="50" charset="-127"/>
-                          <a:ea typeface="맑은 고딕" pitchFamily="50" charset="-127"/>
-                        </a:rPr>
-                        <a:t>   </a:t>
-                      </a:r>
-                      <a:r>
-                        <a:rPr lang="en-US" altLang="ko-KR" sz="1600" baseline="0" dirty="0">
-                          <a:latin typeface="맑은 고딕"/>
-                          <a:ea typeface="맑은 고딕"/>
-                        </a:rPr>
-                        <a:t>→</a:t>
-                      </a:r>
-                      <a:r>
-                        <a:rPr lang="ko-KR" altLang="en-US" sz="1600" baseline="0" dirty="0">
-                          <a:latin typeface="맑은 고딕" pitchFamily="50" charset="-127"/>
-                          <a:ea typeface="맑은 고딕" pitchFamily="50" charset="-127"/>
-                        </a:rPr>
-                        <a:t>재투약시 완화</a:t>
-                      </a:r>
-                      <a:endParaRPr lang="en-US" altLang="ko-KR" sz="1600" baseline="0" dirty="0">
-                        <a:latin typeface="맑은 고딕" pitchFamily="50" charset="-127"/>
-                        <a:ea typeface="맑은 고딕" pitchFamily="50" charset="-127"/>
-                      </a:endParaRPr>
-                    </a:p>
-                    <a:p>
-                      <a:pPr latinLnBrk="1"/>
+                      <a:pPr latinLnBrk="1">
+                        <a:lnSpc>
+                          <a:spcPct val="150000"/>
+                        </a:lnSpc>
+                      </a:pPr>
                       <a:endParaRPr lang="en-US" altLang="ko-KR" sz="800" baseline="0" dirty="0">
                         <a:latin typeface="맑은 고딕" pitchFamily="50" charset="-127"/>
                         <a:ea typeface="맑은 고딕" pitchFamily="50" charset="-127"/>
                       </a:endParaRPr>
                     </a:p>
                     <a:p>
-                      <a:pPr latinLnBrk="1"/>
+                      <a:pPr latinLnBrk="1">
+                        <a:lnSpc>
+                          <a:spcPct val="150000"/>
+                        </a:lnSpc>
+                      </a:pPr>
                       <a:r>
                         <a:rPr lang="ko-KR" altLang="en-US" sz="1600" dirty="0" err="1">
                           <a:latin typeface="맑은 고딕"/>
@@ -10061,21 +9930,15 @@
                         </a:rPr>
                         <a:t>: Fluoxetine</a:t>
                       </a:r>
-                    </a:p>
-                    <a:p>
-                      <a:pPr latinLnBrk="1"/>
-                      <a:r>
-                        <a:rPr lang="en-US" altLang="ko-KR" sz="800" baseline="0" dirty="0">
-                          <a:latin typeface="맑은 고딕" pitchFamily="50" charset="-127"/>
-                          <a:ea typeface="맑은 고딕" pitchFamily="50" charset="-127"/>
-                        </a:rPr>
-                        <a:t> </a:t>
-                      </a:r>
+                      <a:endParaRPr lang="en-US" altLang="ko-KR" sz="800" baseline="0" dirty="0">
+                        <a:latin typeface="맑은 고딕" pitchFamily="50" charset="-127"/>
+                        <a:ea typeface="맑은 고딕" pitchFamily="50" charset="-127"/>
+                      </a:endParaRPr>
                     </a:p>
                     <a:p>
                       <a:pPr marL="0" marR="0" indent="0" algn="l" defTabSz="914400" rtl="0" eaLnBrk="1" fontAlgn="auto" latinLnBrk="1" hangingPunct="1">
                         <a:lnSpc>
-                          <a:spcPct val="100000"/>
+                          <a:spcPct val="150000"/>
                         </a:lnSpc>
                         <a:spcBef>
                           <a:spcPts val="0"/>
@@ -10418,14 +10281,14 @@
           <p:nvPr>
             <p:extLst>
               <p:ext uri="{D42A27DB-BD31-4B8C-83A1-F6EECF244321}">
-                <p14:modId xmlns:p14="http://schemas.microsoft.com/office/powerpoint/2010/main" val="528541742"/>
+                <p14:modId xmlns:p14="http://schemas.microsoft.com/office/powerpoint/2010/main" val="3844740678"/>
               </p:ext>
             </p:extLst>
           </p:nvPr>
         </p:nvGraphicFramePr>
         <p:xfrm>
           <a:off x="838200" y="1690688"/>
-          <a:ext cx="10515601" cy="4032448"/>
+          <a:ext cx="10515601" cy="3005852"/>
         </p:xfrm>
         <a:graphic>
           <a:graphicData uri="http://schemas.openxmlformats.org/drawingml/2006/table">
@@ -10456,7 +10319,7 @@
                   </a:extLst>
                 </a:gridCol>
               </a:tblGrid>
-              <a:tr h="432048">
+              <a:tr h="320468">
                 <a:tc>
                   <a:txBody>
                     <a:bodyPr/>
@@ -10480,14 +10343,14 @@
                     <a:p>
                       <a:pPr algn="ctr" latinLnBrk="1"/>
                       <a:r>
-                        <a:rPr lang="ko-KR" altLang="en-US" sz="1600" b="1">
+                        <a:rPr lang="ko-KR" altLang="en-US" sz="1600" b="1" dirty="0">
                           <a:solidFill>
                             <a:schemeClr val="tx1"/>
                           </a:solidFill>
                           <a:latin typeface="맑은 고딕" pitchFamily="50" charset="-127"/>
                           <a:ea typeface="맑은 고딕" pitchFamily="50" charset="-127"/>
                         </a:rPr>
-                        <a:t>적용</a:t>
+                        <a:t>장점</a:t>
                       </a:r>
                     </a:p>
                   </a:txBody>
@@ -10519,7 +10382,7 @@
                   </a:ext>
                 </a:extLst>
               </a:tr>
-              <a:tr h="3600400">
+              <a:tr h="2670572">
                 <a:tc>
                   <a:txBody>
                     <a:bodyPr/>
@@ -10546,14 +10409,11 @@
                     <a:bodyPr/>
                     <a:lstStyle/>
                     <a:p>
-                      <a:pPr latinLnBrk="1"/>
-                      <a:endParaRPr lang="en-US" altLang="ko-KR" sz="1600" dirty="0">
-                        <a:latin typeface="맑은 고딕"/>
-                        <a:ea typeface="맑은 고딕"/>
-                      </a:endParaRPr>
-                    </a:p>
-                    <a:p>
-                      <a:pPr latinLnBrk="1"/>
+                      <a:pPr latinLnBrk="1">
+                        <a:lnSpc>
+                          <a:spcPct val="150000"/>
+                        </a:lnSpc>
+                      </a:pPr>
                       <a:r>
                         <a:rPr lang="ko-KR" altLang="en-US" sz="1600" dirty="0" err="1">
                           <a:latin typeface="맑은 고딕"/>
@@ -10608,7 +10468,7 @@
                           <a:latin typeface="맑은 고딕" pitchFamily="50" charset="-127"/>
                           <a:ea typeface="맑은 고딕" pitchFamily="50" charset="-127"/>
                         </a:rPr>
-                        <a:t>저혈압 </a:t>
+                        <a:t>저혈압</a:t>
                       </a:r>
                       <a:r>
                         <a:rPr lang="ko-KR" altLang="en-US" sz="1600" dirty="0">
@@ -10623,14 +10483,22 @@
                       </a:endParaRPr>
                     </a:p>
                     <a:p>
-                      <a:pPr latinLnBrk="1"/>
+                      <a:pPr latinLnBrk="1">
+                        <a:lnSpc>
+                          <a:spcPct val="150000"/>
+                        </a:lnSpc>
+                      </a:pPr>
                       <a:endParaRPr lang="en-US" altLang="ko-KR" sz="1600" dirty="0">
                         <a:latin typeface="맑은 고딕"/>
                         <a:ea typeface="맑은 고딕"/>
                       </a:endParaRPr>
                     </a:p>
                     <a:p>
-                      <a:pPr latinLnBrk="1"/>
+                      <a:pPr latinLnBrk="1">
+                        <a:lnSpc>
+                          <a:spcPct val="150000"/>
+                        </a:lnSpc>
+                      </a:pPr>
                       <a:r>
                         <a:rPr lang="ko-KR" altLang="en-US" sz="1600" dirty="0" err="1">
                           <a:latin typeface="맑은 고딕"/>
@@ -10658,14 +10526,22 @@
                       </a:endParaRPr>
                     </a:p>
                     <a:p>
-                      <a:pPr latinLnBrk="1"/>
+                      <a:pPr latinLnBrk="1">
+                        <a:lnSpc>
+                          <a:spcPct val="150000"/>
+                        </a:lnSpc>
+                      </a:pPr>
                       <a:endParaRPr lang="en-US" altLang="ko-KR" sz="1600" dirty="0">
                         <a:latin typeface="맑은 고딕"/>
                         <a:ea typeface="맑은 고딕"/>
                       </a:endParaRPr>
                     </a:p>
                     <a:p>
-                      <a:pPr latinLnBrk="1"/>
+                      <a:pPr latinLnBrk="1">
+                        <a:lnSpc>
+                          <a:spcPct val="150000"/>
+                        </a:lnSpc>
+                      </a:pPr>
                       <a:r>
                         <a:rPr lang="ko-KR" altLang="en-US" sz="1600" dirty="0" err="1">
                           <a:latin typeface="맑은 고딕"/>
@@ -10703,7 +10579,11 @@
                       </a:r>
                     </a:p>
                     <a:p>
-                      <a:pPr latinLnBrk="1"/>
+                      <a:pPr latinLnBrk="1">
+                        <a:lnSpc>
+                          <a:spcPct val="150000"/>
+                        </a:lnSpc>
+                      </a:pPr>
                       <a:endParaRPr lang="en-US" altLang="ko-KR" sz="1600" dirty="0">
                         <a:latin typeface="맑은 고딕"/>
                         <a:ea typeface="맑은 고딕"/>
@@ -10717,14 +10597,11 @@
                     <a:bodyPr/>
                     <a:lstStyle/>
                     <a:p>
-                      <a:pPr latinLnBrk="1"/>
-                      <a:endParaRPr lang="en-US" altLang="ko-KR" sz="1600" dirty="0">
-                        <a:latin typeface="맑은 고딕"/>
-                        <a:ea typeface="맑은 고딕"/>
-                      </a:endParaRPr>
-                    </a:p>
-                    <a:p>
-                      <a:pPr latinLnBrk="1"/>
+                      <a:pPr latinLnBrk="1">
+                        <a:lnSpc>
+                          <a:spcPct val="150000"/>
+                        </a:lnSpc>
+                      </a:pPr>
                       <a:r>
                         <a:rPr lang="ko-KR" altLang="en-US" sz="1600" dirty="0" err="1">
                           <a:latin typeface="맑은 고딕"/>
@@ -10759,7 +10636,11 @@
                       </a:endParaRPr>
                     </a:p>
                     <a:p>
-                      <a:pPr latinLnBrk="1"/>
+                      <a:pPr latinLnBrk="1">
+                        <a:lnSpc>
+                          <a:spcPct val="150000"/>
+                        </a:lnSpc>
+                      </a:pPr>
                       <a:r>
                         <a:rPr lang="en-US" altLang="ko-KR" sz="1600" dirty="0">
                           <a:latin typeface="맑은 고딕" pitchFamily="50" charset="-127"/>
@@ -10769,14 +10650,22 @@
                       </a:r>
                     </a:p>
                     <a:p>
-                      <a:pPr latinLnBrk="1"/>
+                      <a:pPr latinLnBrk="1">
+                        <a:lnSpc>
+                          <a:spcPct val="150000"/>
+                        </a:lnSpc>
+                      </a:pPr>
                       <a:endParaRPr lang="en-US" altLang="ko-KR" sz="1600" dirty="0">
                         <a:latin typeface="맑은 고딕" pitchFamily="50" charset="-127"/>
                         <a:ea typeface="맑은 고딕" pitchFamily="50" charset="-127"/>
                       </a:endParaRPr>
                     </a:p>
                     <a:p>
-                      <a:pPr latinLnBrk="1"/>
+                      <a:pPr latinLnBrk="1">
+                        <a:lnSpc>
+                          <a:spcPct val="150000"/>
+                        </a:lnSpc>
+                      </a:pPr>
                       <a:r>
                         <a:rPr lang="ko-KR" altLang="en-US" sz="1600" dirty="0" err="1">
                           <a:latin typeface="맑은 고딕"/>
@@ -10804,14 +10693,22 @@
                       </a:endParaRPr>
                     </a:p>
                     <a:p>
-                      <a:pPr latinLnBrk="1"/>
+                      <a:pPr latinLnBrk="1">
+                        <a:lnSpc>
+                          <a:spcPct val="150000"/>
+                        </a:lnSpc>
+                      </a:pPr>
                       <a:endParaRPr lang="en-US" altLang="ko-KR" sz="1600" dirty="0">
                         <a:latin typeface="맑은 고딕" pitchFamily="50" charset="-127"/>
                         <a:ea typeface="맑은 고딕" pitchFamily="50" charset="-127"/>
                       </a:endParaRPr>
                     </a:p>
                     <a:p>
-                      <a:pPr latinLnBrk="1"/>
+                      <a:pPr latinLnBrk="1">
+                        <a:lnSpc>
+                          <a:spcPct val="150000"/>
+                        </a:lnSpc>
+                      </a:pPr>
                       <a:r>
                         <a:rPr lang="ko-KR" altLang="en-US" sz="1600" dirty="0" err="1">
                           <a:latin typeface="맑은 고딕"/>
@@ -10880,50 +10777,6 @@
                         <a:ea typeface="맑은 고딕" pitchFamily="50" charset="-127"/>
                       </a:endParaRPr>
                     </a:p>
-                    <a:p>
-                      <a:pPr latinLnBrk="1"/>
-                      <a:endParaRPr lang="en-US" altLang="ko-KR" sz="1600" dirty="0">
-                        <a:latin typeface="맑은 고딕" pitchFamily="50" charset="-127"/>
-                        <a:ea typeface="맑은 고딕" pitchFamily="50" charset="-127"/>
-                      </a:endParaRPr>
-                    </a:p>
-                    <a:p>
-                      <a:pPr marL="0" marR="0" indent="0" algn="l" defTabSz="914400" rtl="0" eaLnBrk="1" fontAlgn="auto" latinLnBrk="1" hangingPunct="1">
-                        <a:lnSpc>
-                          <a:spcPct val="100000"/>
-                        </a:lnSpc>
-                        <a:spcBef>
-                          <a:spcPts val="0"/>
-                        </a:spcBef>
-                        <a:spcAft>
-                          <a:spcPts val="0"/>
-                        </a:spcAft>
-                        <a:buClrTx/>
-                        <a:buSzTx/>
-                        <a:buFontTx/>
-                        <a:buNone/>
-                        <a:tabLst/>
-                        <a:defRPr/>
-                      </a:pPr>
-                      <a:r>
-                        <a:rPr lang="ko-KR" altLang="en-US" sz="1600" dirty="0" err="1">
-                          <a:latin typeface="맑은 고딕"/>
-                          <a:ea typeface="맑은 고딕"/>
-                        </a:rPr>
-                        <a:t>ㆍ기타</a:t>
-                      </a:r>
-                      <a:r>
-                        <a:rPr lang="ko-KR" altLang="en-US" sz="1600" dirty="0">
-                          <a:latin typeface="맑은 고딕"/>
-                          <a:ea typeface="맑은 고딕"/>
-                        </a:rPr>
-                        <a:t> 충분한 관련자료가 미흡함</a:t>
-                      </a:r>
-                      <a:endParaRPr lang="en-US" altLang="ko-KR" sz="1600" dirty="0">
-                        <a:latin typeface="맑은 고딕"/>
-                        <a:ea typeface="맑은 고딕"/>
-                      </a:endParaRPr>
-                    </a:p>
                   </a:txBody>
                   <a:tcPr/>
                 </a:tc>
@@ -10951,7 +10804,7 @@
         </p:nvSpPr>
         <p:spPr>
           <a:xfrm>
-            <a:off x="838200" y="6165304"/>
+            <a:off x="838199" y="6022103"/>
             <a:ext cx="10515600" cy="707886"/>
           </a:xfrm>
           <a:prstGeom prst="rect">
@@ -11374,114 +11227,6 @@
       </p:sp>
       <p:sp>
         <p:nvSpPr>
-          <p:cNvPr id="6" name="TextBox 5"/>
-          <p:cNvSpPr txBox="1"/>
-          <p:nvPr/>
-        </p:nvSpPr>
-        <p:spPr>
-          <a:xfrm>
-            <a:off x="2063552" y="764704"/>
-            <a:ext cx="7200800" cy="369332"/>
-          </a:xfrm>
-          <a:prstGeom prst="rect">
-            <a:avLst/>
-          </a:prstGeom>
-          <a:noFill/>
-        </p:spPr>
-        <p:txBody>
-          <a:bodyPr wrap="square" rtlCol="0">
-            <a:spAutoFit/>
-          </a:bodyPr>
-          <a:lstStyle/>
-          <a:p>
-            <a:pPr marL="285750" indent="-285750">
-              <a:buFont typeface="Wingdings" panose="05000000000000000000" pitchFamily="2" charset="2"/>
-              <a:buChar char="v"/>
-            </a:pPr>
-            <a:r>
-              <a:rPr lang="en-US" altLang="ko-KR" b="1" dirty="0">
-                <a:solidFill>
-                  <a:srgbClr val="FF0000"/>
-                </a:solidFill>
-                <a:latin typeface="맑은 고딕" pitchFamily="50" charset="-127"/>
-                <a:ea typeface="맑은 고딕" pitchFamily="50" charset="-127"/>
-              </a:rPr>
-              <a:t>S</a:t>
-            </a:r>
-            <a:r>
-              <a:rPr lang="en-US" altLang="ko-KR" b="1" dirty="0">
-                <a:latin typeface="맑은 고딕" pitchFamily="50" charset="-127"/>
-                <a:ea typeface="맑은 고딕" pitchFamily="50" charset="-127"/>
-              </a:rPr>
-              <a:t>elective Serotonin-</a:t>
-            </a:r>
-            <a:r>
-              <a:rPr lang="en-US" altLang="ko-KR" b="1" dirty="0" err="1">
-                <a:solidFill>
-                  <a:srgbClr val="FF0000"/>
-                </a:solidFill>
-                <a:latin typeface="맑은 고딕" pitchFamily="50" charset="-127"/>
-                <a:ea typeface="맑은 고딕" pitchFamily="50" charset="-127"/>
-              </a:rPr>
-              <a:t>N</a:t>
-            </a:r>
-            <a:r>
-              <a:rPr lang="en-US" altLang="ko-KR" b="1" dirty="0" err="1">
-                <a:latin typeface="맑은 고딕" pitchFamily="50" charset="-127"/>
-                <a:ea typeface="맑은 고딕" pitchFamily="50" charset="-127"/>
-              </a:rPr>
-              <a:t>orephinephrine</a:t>
-            </a:r>
-            <a:r>
-              <a:rPr lang="en-US" altLang="ko-KR" b="1" dirty="0">
-                <a:latin typeface="맑은 고딕" pitchFamily="50" charset="-127"/>
-                <a:ea typeface="맑은 고딕" pitchFamily="50" charset="-127"/>
-              </a:rPr>
-              <a:t> </a:t>
-            </a:r>
-            <a:r>
-              <a:rPr lang="en-US" altLang="ko-KR" b="1" dirty="0">
-                <a:solidFill>
-                  <a:srgbClr val="FF0000"/>
-                </a:solidFill>
-                <a:latin typeface="맑은 고딕" pitchFamily="50" charset="-127"/>
-                <a:ea typeface="맑은 고딕" pitchFamily="50" charset="-127"/>
-              </a:rPr>
-              <a:t>R</a:t>
-            </a:r>
-            <a:r>
-              <a:rPr lang="en-US" altLang="ko-KR" b="1" dirty="0">
-                <a:latin typeface="맑은 고딕" pitchFamily="50" charset="-127"/>
-                <a:ea typeface="맑은 고딕" pitchFamily="50" charset="-127"/>
-              </a:rPr>
-              <a:t>euptake </a:t>
-            </a:r>
-            <a:r>
-              <a:rPr lang="en-US" altLang="ko-KR" b="1" dirty="0">
-                <a:solidFill>
-                  <a:srgbClr val="FF0000"/>
-                </a:solidFill>
-                <a:latin typeface="맑은 고딕" pitchFamily="50" charset="-127"/>
-                <a:ea typeface="맑은 고딕" pitchFamily="50" charset="-127"/>
-              </a:rPr>
-              <a:t>I</a:t>
-            </a:r>
-            <a:r>
-              <a:rPr lang="en-US" altLang="ko-KR" b="1" dirty="0">
-                <a:latin typeface="맑은 고딕" pitchFamily="50" charset="-127"/>
-                <a:ea typeface="맑은 고딕" pitchFamily="50" charset="-127"/>
-              </a:rPr>
-              <a:t>nhibitor</a:t>
-            </a:r>
-            <a:endParaRPr lang="ko-KR" altLang="en-US" b="1" dirty="0">
-              <a:latin typeface="맑은 고딕" pitchFamily="50" charset="-127"/>
-              <a:ea typeface="맑은 고딕" pitchFamily="50" charset="-127"/>
-            </a:endParaRPr>
-          </a:p>
-        </p:txBody>
-      </p:sp>
-      <p:sp>
-        <p:nvSpPr>
           <p:cNvPr id="7" name="슬라이드 번호 개체 틀 19"/>
           <p:cNvSpPr txBox="1">
             <a:spLocks/>
@@ -11580,8 +11325,8 @@
         </p:nvSpPr>
         <p:spPr>
           <a:xfrm>
-            <a:off x="1524000" y="116632"/>
-            <a:ext cx="9150840" cy="612000"/>
+            <a:off x="335280" y="372232"/>
+            <a:ext cx="11521440" cy="612000"/>
           </a:xfrm>
           <a:prstGeom prst="homePlate">
             <a:avLst/>
@@ -11603,21 +11348,21 @@
                 <a:latin typeface="맑은 고딕" panose="020B0503020000020004" pitchFamily="50" charset="-127"/>
                 <a:ea typeface="맑은 고딕" panose="020B0503020000020004" pitchFamily="50" charset="-127"/>
               </a:rPr>
-              <a:t>  SNRI </a:t>
+              <a:t>  SNRI</a:t>
             </a:r>
             <a:r>
               <a:rPr lang="ko-KR" altLang="en-US" sz="2800" b="1" dirty="0">
                 <a:latin typeface="맑은 고딕" panose="020B0503020000020004" pitchFamily="50" charset="-127"/>
                 <a:ea typeface="맑은 고딕" panose="020B0503020000020004" pitchFamily="50" charset="-127"/>
               </a:rPr>
-              <a:t>약리기전</a:t>
+              <a:t> </a:t>
             </a:r>
             <a:r>
               <a:rPr lang="en-US" altLang="ko-KR" sz="2800" b="1" dirty="0">
                 <a:latin typeface="맑은 고딕" panose="020B0503020000020004" pitchFamily="50" charset="-127"/>
                 <a:ea typeface="맑은 고딕" panose="020B0503020000020004" pitchFamily="50" charset="-127"/>
               </a:rPr>
-              <a:t> </a:t>
+              <a:t>(Selective Serotonin-Norepinephrine Reuptake Inhibitor) </a:t>
             </a:r>
             <a:endParaRPr lang="en-US" sz="2200" b="1" dirty="0">
               <a:latin typeface="맑은 고딕" panose="020B0503020000020004" pitchFamily="50" charset="-127"/>
@@ -11658,785 +11403,281 @@
       </p:grpSpPr>
       <p:sp>
         <p:nvSpPr>
-          <p:cNvPr id="267268" name="TextBox 34"/>
-          <p:cNvSpPr txBox="1">
-            <a:spLocks noChangeArrowheads="1"/>
+          <p:cNvPr id="2" name="제목 1">
+            <a:extLst>
+              <a:ext uri="{FF2B5EF4-FFF2-40B4-BE49-F238E27FC236}">
+                <a16:creationId xmlns:a16="http://schemas.microsoft.com/office/drawing/2014/main" id="{21B744F2-57D2-CF44-9DA1-7F646A72AD14}"/>
+              </a:ext>
+            </a:extLst>
+          </p:cNvPr>
+          <p:cNvSpPr>
+            <a:spLocks noGrp="1"/>
           </p:cNvSpPr>
-          <p:nvPr/>
+          <p:nvPr>
+            <p:ph type="title"/>
+          </p:nvPr>
         </p:nvSpPr>
-        <p:spPr bwMode="auto">
-          <a:xfrm>
-            <a:off x="2040613" y="1124744"/>
-            <a:ext cx="8358188" cy="5201424"/>
-          </a:xfrm>
-          <a:prstGeom prst="rect">
-            <a:avLst/>
-          </a:prstGeom>
-          <a:noFill/>
-          <a:ln w="9525">
-            <a:noFill/>
-            <a:miter lim="800000"/>
-            <a:headEnd/>
-            <a:tailEnd/>
-          </a:ln>
-        </p:spPr>
+        <p:spPr/>
         <p:txBody>
-          <a:bodyPr>
-            <a:spAutoFit/>
-          </a:bodyPr>
+          <a:bodyPr/>
           <a:lstStyle/>
           <a:p>
-            <a:pPr>
-              <a:buFont typeface="Wingdings" pitchFamily="2" charset="2"/>
-              <a:buChar char="u"/>
-            </a:pPr>
-            <a:r>
-              <a:rPr lang="ko-KR" altLang="en-US" b="1" i="1" dirty="0">
-                <a:solidFill>
-                  <a:srgbClr val="0070C0"/>
-                </a:solidFill>
-                <a:latin typeface="맑은 고딕" pitchFamily="50" charset="-127"/>
-                <a:ea typeface="맑은 고딕" pitchFamily="50" charset="-127"/>
-              </a:rPr>
-              <a:t> 작용 기전</a:t>
-            </a:r>
-            <a:endParaRPr lang="en-US" altLang="ko-KR" b="1" i="1" dirty="0">
-              <a:solidFill>
-                <a:srgbClr val="0070C0"/>
-              </a:solidFill>
-              <a:latin typeface="맑은 고딕" pitchFamily="50" charset="-127"/>
-              <a:ea typeface="맑은 고딕" pitchFamily="50" charset="-127"/>
-            </a:endParaRPr>
-          </a:p>
-          <a:p>
-            <a:pPr lvl="1">
-              <a:buFont typeface="Arial" pitchFamily="34" charset="0"/>
-              <a:buChar char="•"/>
-            </a:pPr>
-            <a:r>
-              <a:rPr lang="ko-KR" altLang="en-US" sz="1600" dirty="0" err="1">
-                <a:solidFill>
-                  <a:prstClr val="black"/>
-                </a:solidFill>
-                <a:latin typeface="맑은 고딕" pitchFamily="50" charset="-127"/>
-                <a:ea typeface="맑은 고딕" pitchFamily="50" charset="-127"/>
-              </a:rPr>
-              <a:t>노르에피네피린과</a:t>
-            </a:r>
-            <a:r>
-              <a:rPr lang="ko-KR" altLang="en-US" sz="1600" dirty="0">
-                <a:solidFill>
-                  <a:prstClr val="black"/>
-                </a:solidFill>
-                <a:latin typeface="맑은 고딕" pitchFamily="50" charset="-127"/>
-                <a:ea typeface="맑은 고딕" pitchFamily="50" charset="-127"/>
-              </a:rPr>
-              <a:t> 세로토닌 재흡수 억제 작용</a:t>
-            </a:r>
-            <a:endParaRPr lang="en-US" altLang="ko-KR" sz="1600" dirty="0">
-              <a:solidFill>
-                <a:prstClr val="black"/>
-              </a:solidFill>
-              <a:latin typeface="맑은 고딕" pitchFamily="50" charset="-127"/>
-              <a:ea typeface="맑은 고딕" pitchFamily="50" charset="-127"/>
-            </a:endParaRPr>
-          </a:p>
-          <a:p>
-            <a:pPr lvl="1">
-              <a:buFont typeface="Arial" pitchFamily="34" charset="0"/>
-              <a:buChar char="•"/>
-            </a:pPr>
-            <a:r>
-              <a:rPr lang="en-US" altLang="ko-KR" sz="1600" dirty="0">
-                <a:solidFill>
-                  <a:prstClr val="black"/>
-                </a:solidFill>
-                <a:latin typeface="맑은 고딕" pitchFamily="50" charset="-127"/>
-                <a:ea typeface="맑은 고딕" pitchFamily="50" charset="-127"/>
-              </a:rPr>
-              <a:t> SNRI</a:t>
-            </a:r>
-            <a:r>
-              <a:rPr lang="ko-KR" altLang="en-US" sz="1600" dirty="0">
-                <a:solidFill>
-                  <a:prstClr val="black"/>
-                </a:solidFill>
-                <a:latin typeface="맑은 고딕" pitchFamily="50" charset="-127"/>
-                <a:ea typeface="맑은 고딕" pitchFamily="50" charset="-127"/>
-              </a:rPr>
-              <a:t>중 가장 </a:t>
-            </a:r>
-            <a:r>
-              <a:rPr lang="ko-KR" altLang="en-US" sz="1600" dirty="0" err="1">
-                <a:solidFill>
-                  <a:prstClr val="black"/>
-                </a:solidFill>
-                <a:latin typeface="맑은 고딕" pitchFamily="50" charset="-127"/>
-                <a:ea typeface="맑은 고딕" pitchFamily="50" charset="-127"/>
-              </a:rPr>
-              <a:t>노르에피네프린</a:t>
-            </a:r>
-            <a:r>
-              <a:rPr lang="ko-KR" altLang="en-US" sz="1600" dirty="0">
-                <a:solidFill>
-                  <a:prstClr val="black"/>
-                </a:solidFill>
-                <a:latin typeface="맑은 고딕" pitchFamily="50" charset="-127"/>
-                <a:ea typeface="맑은 고딕" pitchFamily="50" charset="-127"/>
-              </a:rPr>
-              <a:t> 재흡수 억제 작용이 크다</a:t>
-            </a:r>
-            <a:endParaRPr lang="en-US" altLang="ko-KR" sz="1600" dirty="0">
-              <a:solidFill>
-                <a:prstClr val="black"/>
-              </a:solidFill>
-              <a:latin typeface="맑은 고딕" pitchFamily="50" charset="-127"/>
-              <a:ea typeface="맑은 고딕" pitchFamily="50" charset="-127"/>
-            </a:endParaRPr>
-          </a:p>
-          <a:p>
-            <a:pPr lvl="1">
-              <a:buFont typeface="Arial" pitchFamily="34" charset="0"/>
-              <a:buChar char="•"/>
-            </a:pPr>
-            <a:endParaRPr lang="en-US" altLang="ko-KR" sz="800" dirty="0">
-              <a:solidFill>
-                <a:prstClr val="black"/>
-              </a:solidFill>
-              <a:latin typeface="맑은 고딕" pitchFamily="50" charset="-127"/>
-              <a:ea typeface="맑은 고딕" pitchFamily="50" charset="-127"/>
-            </a:endParaRPr>
-          </a:p>
-          <a:p>
-            <a:pPr>
-              <a:buFont typeface="Wingdings" pitchFamily="2" charset="2"/>
-              <a:buChar char="u"/>
-            </a:pPr>
-            <a:r>
-              <a:rPr lang="en-US" altLang="ko-KR" b="1" i="1" dirty="0">
-                <a:solidFill>
-                  <a:srgbClr val="0070C0"/>
-                </a:solidFill>
-                <a:latin typeface="맑은 고딕" pitchFamily="50" charset="-127"/>
-                <a:ea typeface="맑은 고딕" pitchFamily="50" charset="-127"/>
-              </a:rPr>
-              <a:t> Dosage</a:t>
-            </a:r>
-          </a:p>
-          <a:p>
-            <a:pPr lvl="1">
-              <a:buFont typeface="Arial" pitchFamily="34" charset="0"/>
-              <a:buChar char="•"/>
-            </a:pPr>
-            <a:r>
-              <a:rPr lang="ko-KR" altLang="en-US" sz="1600" dirty="0" err="1">
-                <a:solidFill>
-                  <a:prstClr val="black"/>
-                </a:solidFill>
-                <a:latin typeface="맑은 고딕" pitchFamily="50" charset="-127"/>
-                <a:ea typeface="맑은 고딕" pitchFamily="50" charset="-127"/>
-              </a:rPr>
-              <a:t>상용량</a:t>
-            </a:r>
-            <a:r>
-              <a:rPr lang="ko-KR" altLang="en-US" sz="1600" dirty="0">
-                <a:solidFill>
-                  <a:prstClr val="black"/>
-                </a:solidFill>
-                <a:latin typeface="맑은 고딕" pitchFamily="50" charset="-127"/>
-                <a:ea typeface="맑은 고딕" pitchFamily="50" charset="-127"/>
-              </a:rPr>
-              <a:t>  </a:t>
-            </a:r>
-            <a:r>
-              <a:rPr lang="en-US" altLang="ko-KR" sz="1600" dirty="0">
-                <a:solidFill>
-                  <a:prstClr val="black"/>
-                </a:solidFill>
-                <a:latin typeface="맑은 고딕" pitchFamily="50" charset="-127"/>
-                <a:ea typeface="맑은 고딕" pitchFamily="50" charset="-127"/>
-              </a:rPr>
-              <a:t>: </a:t>
-            </a:r>
-            <a:r>
-              <a:rPr lang="en-US" altLang="ko-KR" sz="1600" b="1" dirty="0">
-                <a:solidFill>
-                  <a:srgbClr val="FF0000"/>
-                </a:solidFill>
-                <a:latin typeface="맑은 고딕" pitchFamily="50" charset="-127"/>
-                <a:ea typeface="맑은 고딕" pitchFamily="50" charset="-127"/>
-              </a:rPr>
-              <a:t>12.5</a:t>
-            </a:r>
-            <a:r>
-              <a:rPr lang="en-US" altLang="ko-KR" sz="1600" dirty="0">
-                <a:solidFill>
-                  <a:prstClr val="black"/>
-                </a:solidFill>
-                <a:latin typeface="맑은 고딕" pitchFamily="50" charset="-127"/>
-                <a:ea typeface="맑은 고딕" pitchFamily="50" charset="-127"/>
-              </a:rPr>
-              <a:t>~100mg/day</a:t>
-            </a:r>
-          </a:p>
-          <a:p>
-            <a:pPr lvl="1">
-              <a:buFont typeface="Arial" pitchFamily="34" charset="0"/>
-              <a:buChar char="•"/>
-            </a:pPr>
-            <a:r>
-              <a:rPr lang="ko-KR" altLang="en-US" sz="1600" dirty="0">
-                <a:solidFill>
-                  <a:prstClr val="black"/>
-                </a:solidFill>
-                <a:latin typeface="맑은 고딕" pitchFamily="50" charset="-127"/>
-                <a:ea typeface="맑은 고딕" pitchFamily="50" charset="-127"/>
-              </a:rPr>
-              <a:t>시작용량</a:t>
-            </a:r>
-            <a:r>
-              <a:rPr lang="en-US" altLang="ko-KR" sz="1600" dirty="0">
-                <a:solidFill>
-                  <a:prstClr val="black"/>
-                </a:solidFill>
-                <a:latin typeface="맑은 고딕" pitchFamily="50" charset="-127"/>
-                <a:ea typeface="맑은 고딕" pitchFamily="50" charset="-127"/>
-              </a:rPr>
-              <a:t>: 25mg/day</a:t>
-            </a:r>
-          </a:p>
-          <a:p>
-            <a:pPr lvl="1">
-              <a:buFont typeface="Arial" pitchFamily="34" charset="0"/>
-              <a:buChar char="•"/>
-            </a:pPr>
-            <a:endParaRPr lang="en-US" altLang="ko-KR" sz="800" dirty="0">
-              <a:solidFill>
-                <a:prstClr val="black"/>
-              </a:solidFill>
-              <a:latin typeface="맑은 고딕" pitchFamily="50" charset="-127"/>
-              <a:ea typeface="맑은 고딕" pitchFamily="50" charset="-127"/>
-            </a:endParaRPr>
-          </a:p>
-          <a:p>
-            <a:pPr>
-              <a:buFont typeface="Wingdings" pitchFamily="2" charset="2"/>
-              <a:buChar char="u"/>
-            </a:pPr>
-            <a:r>
-              <a:rPr lang="ko-KR" altLang="en-US" b="1" i="1" dirty="0">
-                <a:solidFill>
-                  <a:srgbClr val="0070C0"/>
-                </a:solidFill>
-                <a:latin typeface="맑은 고딕" pitchFamily="50" charset="-127"/>
-                <a:ea typeface="맑은 고딕" pitchFamily="50" charset="-127"/>
-              </a:rPr>
-              <a:t> 주요 제품 </a:t>
-            </a:r>
-            <a:r>
-              <a:rPr lang="en-US" altLang="ko-KR" b="1" i="1" dirty="0">
-                <a:solidFill>
-                  <a:srgbClr val="0070C0"/>
-                </a:solidFill>
-                <a:latin typeface="맑은 고딕" pitchFamily="50" charset="-127"/>
-                <a:ea typeface="맑은 고딕" pitchFamily="50" charset="-127"/>
-              </a:rPr>
-              <a:t>: </a:t>
-            </a:r>
-            <a:r>
-              <a:rPr lang="ko-KR" altLang="en-US" sz="1600" b="1" i="1" dirty="0" err="1">
-                <a:solidFill>
-                  <a:prstClr val="black"/>
-                </a:solidFill>
-                <a:latin typeface="맑은 고딕" pitchFamily="50" charset="-127"/>
-                <a:ea typeface="맑은 고딕" pitchFamily="50" charset="-127"/>
-              </a:rPr>
-              <a:t>익셀</a:t>
-            </a:r>
-            <a:r>
-              <a:rPr lang="ko-KR" altLang="en-US" sz="1600" b="1" i="1" dirty="0">
-                <a:solidFill>
-                  <a:prstClr val="black"/>
-                </a:solidFill>
-                <a:latin typeface="맑은 고딕" pitchFamily="50" charset="-127"/>
-                <a:ea typeface="맑은 고딕" pitchFamily="50" charset="-127"/>
-              </a:rPr>
-              <a:t> </a:t>
-            </a:r>
-            <a:r>
-              <a:rPr lang="en-US" altLang="ko-KR" sz="1600" b="1" i="1" dirty="0">
-                <a:solidFill>
-                  <a:prstClr val="black"/>
-                </a:solidFill>
-                <a:latin typeface="맑은 고딕" pitchFamily="50" charset="-127"/>
-                <a:ea typeface="맑은 고딕" pitchFamily="50" charset="-127"/>
-              </a:rPr>
-              <a:t>(</a:t>
-            </a:r>
-            <a:r>
-              <a:rPr lang="ko-KR" altLang="en-US" sz="1600" b="1" i="1" dirty="0" err="1">
-                <a:solidFill>
-                  <a:prstClr val="black"/>
-                </a:solidFill>
-                <a:latin typeface="맑은 고딕" pitchFamily="50" charset="-127"/>
-                <a:ea typeface="맑은 고딕" pitchFamily="50" charset="-127"/>
-              </a:rPr>
-              <a:t>부광</a:t>
-            </a:r>
-            <a:r>
-              <a:rPr lang="en-US" altLang="ko-KR" sz="1600" b="1" i="1" dirty="0">
-                <a:solidFill>
-                  <a:prstClr val="black"/>
-                </a:solidFill>
-                <a:latin typeface="맑은 고딕" pitchFamily="50" charset="-127"/>
-                <a:ea typeface="맑은 고딕" pitchFamily="50" charset="-127"/>
-              </a:rPr>
-              <a:t>)</a:t>
-            </a:r>
-            <a:endParaRPr lang="en-US" altLang="ko-KR" sz="1600" dirty="0">
-              <a:solidFill>
-                <a:prstClr val="black"/>
-              </a:solidFill>
-              <a:latin typeface="맑은 고딕" pitchFamily="50" charset="-127"/>
-              <a:ea typeface="맑은 고딕" pitchFamily="50" charset="-127"/>
-            </a:endParaRPr>
-          </a:p>
-          <a:p>
-            <a:endParaRPr lang="en-US" altLang="ko-KR" sz="800" dirty="0">
-              <a:solidFill>
-                <a:prstClr val="black"/>
-              </a:solidFill>
-              <a:latin typeface="맑은 고딕" pitchFamily="50" charset="-127"/>
-              <a:ea typeface="맑은 고딕" pitchFamily="50" charset="-127"/>
-            </a:endParaRPr>
-          </a:p>
-          <a:p>
-            <a:pPr>
-              <a:buFont typeface="Wingdings" pitchFamily="2" charset="2"/>
-              <a:buChar char="u"/>
-            </a:pPr>
-            <a:r>
-              <a:rPr lang="ko-KR" altLang="en-US" b="1" i="1" dirty="0">
-                <a:solidFill>
-                  <a:srgbClr val="0070C0"/>
-                </a:solidFill>
-                <a:latin typeface="맑은 고딕" pitchFamily="50" charset="-127"/>
-                <a:ea typeface="맑은 고딕" pitchFamily="50" charset="-127"/>
-              </a:rPr>
-              <a:t> </a:t>
-            </a:r>
-            <a:r>
-              <a:rPr lang="ko-KR" altLang="en-US" b="1" i="1" dirty="0">
-                <a:solidFill>
-                  <a:srgbClr val="0070C0"/>
-                </a:solidFill>
-              </a:rPr>
-              <a:t>장점</a:t>
-            </a:r>
-            <a:endParaRPr lang="en-US" altLang="ko-KR" b="1" i="1" dirty="0">
-              <a:solidFill>
-                <a:srgbClr val="0070C0"/>
-              </a:solidFill>
-            </a:endParaRPr>
-          </a:p>
-          <a:p>
-            <a:pPr lvl="1">
-              <a:buFont typeface="Arial" pitchFamily="34" charset="0"/>
-              <a:buChar char="•"/>
-            </a:pPr>
-            <a:r>
-              <a:rPr lang="ko-KR" altLang="en-US" sz="1600" dirty="0">
-                <a:solidFill>
-                  <a:prstClr val="black"/>
-                </a:solidFill>
-              </a:rPr>
-              <a:t>신체 증상과 통증 증상의 치료에 효과적 </a:t>
-            </a:r>
-            <a:r>
-              <a:rPr lang="en-US" altLang="ko-KR" sz="1600" dirty="0">
-                <a:solidFill>
-                  <a:prstClr val="black"/>
-                </a:solidFill>
-              </a:rPr>
-              <a:t>(</a:t>
-            </a:r>
-            <a:r>
-              <a:rPr lang="ko-KR" altLang="en-US" sz="1600" dirty="0">
-                <a:solidFill>
-                  <a:prstClr val="black"/>
-                </a:solidFill>
-              </a:rPr>
-              <a:t>신경병성 통증</a:t>
-            </a:r>
-            <a:r>
-              <a:rPr lang="en-US" altLang="ko-KR" sz="1600" dirty="0">
-                <a:solidFill>
-                  <a:prstClr val="black"/>
-                </a:solidFill>
-              </a:rPr>
-              <a:t>, </a:t>
-            </a:r>
-            <a:r>
-              <a:rPr lang="ko-KR" altLang="en-US" sz="1600" dirty="0">
-                <a:solidFill>
-                  <a:prstClr val="black"/>
-                </a:solidFill>
-              </a:rPr>
-              <a:t>만성적인 등의 통증</a:t>
-            </a:r>
-            <a:r>
-              <a:rPr lang="en-US" altLang="ko-KR" sz="1600" dirty="0">
-                <a:solidFill>
-                  <a:prstClr val="black"/>
-                </a:solidFill>
-              </a:rPr>
-              <a:t>)</a:t>
-            </a:r>
-          </a:p>
-          <a:p>
-            <a:pPr lvl="1">
-              <a:buFont typeface="Arial" pitchFamily="34" charset="0"/>
-              <a:buChar char="•"/>
-            </a:pPr>
-            <a:r>
-              <a:rPr lang="ko-KR" altLang="en-US" sz="1600" dirty="0">
-                <a:solidFill>
-                  <a:prstClr val="black"/>
-                </a:solidFill>
-              </a:rPr>
-              <a:t>치료저항성</a:t>
-            </a:r>
-            <a:r>
-              <a:rPr lang="en-US" altLang="ko-KR" sz="1600" dirty="0">
-                <a:solidFill>
-                  <a:prstClr val="black"/>
-                </a:solidFill>
-              </a:rPr>
-              <a:t>, </a:t>
-            </a:r>
-            <a:r>
-              <a:rPr lang="ko-KR" altLang="en-US" sz="1600" dirty="0">
-                <a:solidFill>
-                  <a:prstClr val="black"/>
-                </a:solidFill>
-              </a:rPr>
-              <a:t>중증의 우울환자에 효과적</a:t>
-            </a:r>
-            <a:endParaRPr lang="en-US" altLang="ko-KR" sz="1600" dirty="0">
-              <a:solidFill>
-                <a:prstClr val="black"/>
-              </a:solidFill>
-              <a:latin typeface="맑은 고딕" pitchFamily="50" charset="-127"/>
-              <a:ea typeface="맑은 고딕" pitchFamily="50" charset="-127"/>
-            </a:endParaRPr>
-          </a:p>
-          <a:p>
-            <a:pPr lvl="1">
-              <a:buFont typeface="Arial" pitchFamily="34" charset="0"/>
-              <a:buChar char="•"/>
-            </a:pPr>
-            <a:endParaRPr lang="en-US" altLang="ko-KR" sz="800" dirty="0">
-              <a:solidFill>
-                <a:prstClr val="black"/>
-              </a:solidFill>
-              <a:latin typeface="맑은 고딕" pitchFamily="50" charset="-127"/>
-              <a:ea typeface="맑은 고딕" pitchFamily="50" charset="-127"/>
-            </a:endParaRPr>
-          </a:p>
-          <a:p>
-            <a:pPr>
-              <a:buFont typeface="Wingdings" pitchFamily="2" charset="2"/>
-              <a:buChar char="u"/>
-            </a:pPr>
-            <a:r>
-              <a:rPr lang="ko-KR" altLang="en-US" b="1" i="1" dirty="0">
-                <a:solidFill>
-                  <a:srgbClr val="0070C0"/>
-                </a:solidFill>
-                <a:latin typeface="맑은 고딕" pitchFamily="50" charset="-127"/>
-                <a:ea typeface="맑은 고딕" pitchFamily="50" charset="-127"/>
-              </a:rPr>
-              <a:t> 장점</a:t>
-            </a:r>
-            <a:endParaRPr lang="en-US" altLang="ko-KR" b="1" i="1" dirty="0">
-              <a:solidFill>
-                <a:srgbClr val="0070C0"/>
-              </a:solidFill>
-              <a:latin typeface="맑은 고딕" pitchFamily="50" charset="-127"/>
-              <a:ea typeface="맑은 고딕" pitchFamily="50" charset="-127"/>
-            </a:endParaRPr>
-          </a:p>
-          <a:p>
-            <a:pPr lvl="1">
-              <a:buFont typeface="Arial" pitchFamily="34" charset="0"/>
-              <a:buChar char="•"/>
-            </a:pPr>
-            <a:r>
-              <a:rPr lang="ko-KR" altLang="en-US" sz="1600" dirty="0">
-                <a:solidFill>
-                  <a:prstClr val="black"/>
-                </a:solidFill>
-                <a:latin typeface="맑은 고딕" pitchFamily="50" charset="-127"/>
-                <a:ea typeface="맑은 고딕" pitchFamily="50" charset="-127"/>
-              </a:rPr>
-              <a:t>약물 상호작용이 적음</a:t>
-            </a:r>
-            <a:endParaRPr lang="en-US" altLang="ko-KR" sz="1600" dirty="0">
-              <a:solidFill>
-                <a:prstClr val="black"/>
-              </a:solidFill>
-              <a:latin typeface="맑은 고딕" pitchFamily="50" charset="-127"/>
-              <a:ea typeface="맑은 고딕" pitchFamily="50" charset="-127"/>
-            </a:endParaRPr>
-          </a:p>
-          <a:p>
-            <a:pPr lvl="1">
-              <a:buFont typeface="Arial" pitchFamily="34" charset="0"/>
-              <a:buChar char="•"/>
-            </a:pPr>
-            <a:r>
-              <a:rPr lang="ko-KR" altLang="en-US" sz="1600" dirty="0">
-                <a:solidFill>
-                  <a:prstClr val="black"/>
-                </a:solidFill>
-                <a:latin typeface="맑은 고딕" pitchFamily="50" charset="-127"/>
-                <a:ea typeface="맑은 고딕" pitchFamily="50" charset="-127"/>
-              </a:rPr>
-              <a:t>통증이 동반된 경우에 통증에도 효과적</a:t>
-            </a:r>
-            <a:endParaRPr lang="en-US" altLang="ko-KR" sz="1600" dirty="0">
-              <a:solidFill>
-                <a:prstClr val="black"/>
-              </a:solidFill>
-              <a:latin typeface="맑은 고딕" pitchFamily="50" charset="-127"/>
-              <a:ea typeface="맑은 고딕" pitchFamily="50" charset="-127"/>
-            </a:endParaRPr>
-          </a:p>
-          <a:p>
-            <a:pPr lvl="1">
-              <a:buFont typeface="Arial" pitchFamily="34" charset="0"/>
-              <a:buChar char="•"/>
-            </a:pPr>
-            <a:r>
-              <a:rPr lang="ko-KR" altLang="en-US" sz="1600" dirty="0">
-                <a:solidFill>
-                  <a:prstClr val="black"/>
-                </a:solidFill>
-                <a:latin typeface="맑은 고딕" pitchFamily="50" charset="-127"/>
-                <a:ea typeface="맑은 고딕" pitchFamily="50" charset="-127"/>
-              </a:rPr>
-              <a:t>수면장애에도 효과적</a:t>
-            </a:r>
-            <a:endParaRPr lang="en-US" altLang="ko-KR" sz="1600" dirty="0">
-              <a:solidFill>
-                <a:prstClr val="black"/>
-              </a:solidFill>
-              <a:latin typeface="맑은 고딕" pitchFamily="50" charset="-127"/>
-              <a:ea typeface="맑은 고딕" pitchFamily="50" charset="-127"/>
-            </a:endParaRPr>
-          </a:p>
-          <a:p>
-            <a:pPr lvl="1">
-              <a:buFont typeface="Arial" pitchFamily="34" charset="0"/>
-              <a:buChar char="•"/>
-            </a:pPr>
-            <a:r>
-              <a:rPr lang="ko-KR" altLang="en-US" sz="1600" dirty="0">
-                <a:solidFill>
-                  <a:prstClr val="black"/>
-                </a:solidFill>
-                <a:latin typeface="맑은 고딕" pitchFamily="50" charset="-127"/>
-                <a:ea typeface="맑은 고딕" pitchFamily="50" charset="-127"/>
-              </a:rPr>
-              <a:t>성기능장애 없음</a:t>
-            </a:r>
-            <a:endParaRPr lang="en-US" altLang="ko-KR" sz="800" dirty="0">
-              <a:solidFill>
-                <a:prstClr val="black"/>
-              </a:solidFill>
-              <a:latin typeface="맑은 고딕" pitchFamily="50" charset="-127"/>
-              <a:ea typeface="맑은 고딕" pitchFamily="50" charset="-127"/>
-            </a:endParaRPr>
-          </a:p>
-          <a:p>
-            <a:pPr>
-              <a:buFont typeface="Wingdings" pitchFamily="2" charset="2"/>
-              <a:buChar char="u"/>
-            </a:pPr>
-            <a:r>
-              <a:rPr lang="ko-KR" altLang="en-US" b="1" i="1" dirty="0">
-                <a:solidFill>
-                  <a:srgbClr val="0070C0"/>
-                </a:solidFill>
-                <a:latin typeface="맑은 고딕" pitchFamily="50" charset="-127"/>
-                <a:ea typeface="맑은 고딕" pitchFamily="50" charset="-127"/>
-              </a:rPr>
-              <a:t> 단점</a:t>
-            </a:r>
-            <a:endParaRPr lang="en-US" altLang="ko-KR" b="1" i="1" dirty="0">
-              <a:solidFill>
-                <a:srgbClr val="0070C0"/>
-              </a:solidFill>
-              <a:latin typeface="맑은 고딕" pitchFamily="50" charset="-127"/>
-              <a:ea typeface="맑은 고딕" pitchFamily="50" charset="-127"/>
-            </a:endParaRPr>
-          </a:p>
-          <a:p>
-            <a:pPr lvl="1">
-              <a:buFont typeface="Arial" pitchFamily="34" charset="0"/>
-              <a:buChar char="•"/>
-            </a:pPr>
-            <a:r>
-              <a:rPr lang="ko-KR" altLang="en-US" sz="1600" dirty="0">
-                <a:solidFill>
-                  <a:prstClr val="black"/>
-                </a:solidFill>
-                <a:latin typeface="맑은 고딕" pitchFamily="50" charset="-127"/>
-                <a:ea typeface="맑은 고딕" pitchFamily="50" charset="-127"/>
-              </a:rPr>
-              <a:t>드물게 </a:t>
-            </a:r>
-            <a:r>
-              <a:rPr lang="ko-KR" altLang="en-US" sz="1600" dirty="0" err="1">
-                <a:solidFill>
-                  <a:prstClr val="black"/>
-                </a:solidFill>
-                <a:latin typeface="맑은 고딕" pitchFamily="50" charset="-127"/>
-                <a:ea typeface="맑은 고딕" pitchFamily="50" charset="-127"/>
-              </a:rPr>
-              <a:t>요축적</a:t>
-            </a:r>
-            <a:r>
-              <a:rPr lang="en-US" altLang="ko-KR" sz="1600" dirty="0">
-                <a:solidFill>
-                  <a:prstClr val="black"/>
-                </a:solidFill>
-                <a:latin typeface="맑은 고딕" pitchFamily="50" charset="-127"/>
-                <a:ea typeface="맑은 고딕" pitchFamily="50" charset="-127"/>
-              </a:rPr>
-              <a:t>, </a:t>
-            </a:r>
-            <a:r>
-              <a:rPr lang="ko-KR" altLang="en-US" sz="1600" dirty="0">
-                <a:solidFill>
-                  <a:prstClr val="black"/>
-                </a:solidFill>
-                <a:latin typeface="맑은 고딕" pitchFamily="50" charset="-127"/>
-                <a:ea typeface="맑은 고딕" pitchFamily="50" charset="-127"/>
-              </a:rPr>
-              <a:t>간수치 증가</a:t>
-            </a:r>
-            <a:r>
-              <a:rPr lang="en-US" altLang="ko-KR" sz="1600" dirty="0">
-                <a:solidFill>
-                  <a:prstClr val="black"/>
-                </a:solidFill>
-                <a:latin typeface="맑은 고딕" pitchFamily="50" charset="-127"/>
-                <a:ea typeface="맑은 고딕" pitchFamily="50" charset="-127"/>
-              </a:rPr>
-              <a:t>, </a:t>
-            </a:r>
-            <a:r>
-              <a:rPr lang="ko-KR" altLang="en-US" sz="1600" dirty="0" err="1">
-                <a:solidFill>
-                  <a:prstClr val="black"/>
-                </a:solidFill>
-                <a:latin typeface="맑은 고딕" pitchFamily="50" charset="-127"/>
-                <a:ea typeface="맑은 고딕" pitchFamily="50" charset="-127"/>
-              </a:rPr>
-              <a:t>저나트륨증</a:t>
-            </a:r>
-            <a:endParaRPr lang="en-US" altLang="ko-KR" sz="1600" dirty="0">
-              <a:solidFill>
-                <a:prstClr val="black"/>
-              </a:solidFill>
-              <a:latin typeface="맑은 고딕" pitchFamily="50" charset="-127"/>
-              <a:ea typeface="맑은 고딕" pitchFamily="50" charset="-127"/>
-            </a:endParaRPr>
-          </a:p>
-          <a:p>
-            <a:pPr lvl="1">
-              <a:buFont typeface="Arial" pitchFamily="34" charset="0"/>
-              <a:buChar char="•"/>
-            </a:pPr>
-            <a:r>
-              <a:rPr lang="ko-KR" altLang="en-US" sz="1600" dirty="0">
-                <a:solidFill>
-                  <a:prstClr val="black"/>
-                </a:solidFill>
-                <a:latin typeface="맑은 고딕" pitchFamily="50" charset="-127"/>
-                <a:ea typeface="맑은 고딕" pitchFamily="50" charset="-127"/>
-              </a:rPr>
-              <a:t>소화기계 장애</a:t>
-            </a:r>
-            <a:endParaRPr lang="en-US" altLang="ko-KR" sz="1600" dirty="0">
-              <a:solidFill>
-                <a:prstClr val="black"/>
-              </a:solidFill>
-              <a:latin typeface="맑은 고딕" pitchFamily="50" charset="-127"/>
-              <a:ea typeface="맑은 고딕" pitchFamily="50" charset="-127"/>
-            </a:endParaRPr>
+            <a:r>
+              <a:rPr lang="en-US" altLang="ko-KR" b="1" dirty="0">
+                <a:latin typeface="맑은 고딕" panose="020B0503020000020004" pitchFamily="50" charset="-127"/>
+                <a:ea typeface="맑은 고딕" panose="020B0503020000020004" pitchFamily="50" charset="-127"/>
+              </a:rPr>
+              <a:t>Milnacipran</a:t>
+            </a:r>
+            <a:endParaRPr kumimoji="1" lang="ko-KR" altLang="en-US" dirty="0"/>
           </a:p>
         </p:txBody>
       </p:sp>
       <p:sp>
         <p:nvSpPr>
-          <p:cNvPr id="6" name="CustomShape 1"/>
-          <p:cNvSpPr/>
-          <p:nvPr/>
+          <p:cNvPr id="3" name="내용 개체 틀 2">
+            <a:extLst>
+              <a:ext uri="{FF2B5EF4-FFF2-40B4-BE49-F238E27FC236}">
+                <a16:creationId xmlns:a16="http://schemas.microsoft.com/office/drawing/2014/main" id="{53AA65DA-1450-314D-91D3-0B30D937EE39}"/>
+              </a:ext>
+            </a:extLst>
+          </p:cNvPr>
+          <p:cNvSpPr>
+            <a:spLocks noGrp="1"/>
+          </p:cNvSpPr>
+          <p:nvPr>
+            <p:ph idx="1"/>
+          </p:nvPr>
         </p:nvSpPr>
         <p:spPr>
           <a:xfrm>
-            <a:off x="1524000" y="116632"/>
-            <a:ext cx="9150840" cy="612000"/>
+            <a:off x="838200" y="1694993"/>
+            <a:ext cx="10515600" cy="4351338"/>
           </a:xfrm>
-          <a:prstGeom prst="homePlate">
-            <a:avLst/>
-          </a:prstGeom>
-          <a:noFill/>
-          <a:ln>
-            <a:noFill/>
-          </a:ln>
-          <a:effectLst/>
         </p:spPr>
         <p:txBody>
-          <a:bodyPr lIns="91425" tIns="91425" rIns="91425" bIns="91425" anchor="ctr" anchorCtr="0">
+          <a:bodyPr>
             <a:noAutofit/>
           </a:bodyPr>
           <a:lstStyle/>
           <a:p>
-            <a:r>
-              <a:rPr lang="en-US" altLang="ko-KR" sz="2800" b="1" dirty="0">
-                <a:latin typeface="맑은 고딕" panose="020B0503020000020004" pitchFamily="50" charset="-127"/>
-                <a:ea typeface="맑은 고딕" panose="020B0503020000020004" pitchFamily="50" charset="-127"/>
-              </a:rPr>
-              <a:t>  SNRI</a:t>
-            </a:r>
-            <a:r>
-              <a:rPr lang="ko-KR" altLang="en-US" sz="2800" b="1" dirty="0">
-                <a:latin typeface="맑은 고딕" panose="020B0503020000020004" pitchFamily="50" charset="-127"/>
-                <a:ea typeface="맑은 고딕" panose="020B0503020000020004" pitchFamily="50" charset="-127"/>
-              </a:rPr>
-              <a:t>의 특징</a:t>
-            </a:r>
-            <a:r>
-              <a:rPr lang="en-US" altLang="ko-KR" sz="2800" b="1" dirty="0">
-                <a:latin typeface="맑은 고딕" panose="020B0503020000020004" pitchFamily="50" charset="-127"/>
-                <a:ea typeface="맑은 고딕" panose="020B0503020000020004" pitchFamily="50" charset="-127"/>
-              </a:rPr>
-              <a:t> : </a:t>
-            </a:r>
-            <a:r>
-              <a:rPr lang="en-US" altLang="ko-KR" sz="2800" b="1" dirty="0" err="1">
-                <a:latin typeface="맑은 고딕" panose="020B0503020000020004" pitchFamily="50" charset="-127"/>
-                <a:ea typeface="맑은 고딕" panose="020B0503020000020004" pitchFamily="50" charset="-127"/>
-              </a:rPr>
-              <a:t>Milnacipran</a:t>
-            </a:r>
-            <a:endParaRPr lang="en-US" sz="2200" b="1" dirty="0">
-              <a:latin typeface="맑은 고딕" panose="020B0503020000020004" pitchFamily="50" charset="-127"/>
-              <a:ea typeface="맑은 고딕" panose="020B0503020000020004" pitchFamily="50" charset="-127"/>
+            <a:pPr>
+              <a:lnSpc>
+                <a:spcPct val="150000"/>
+              </a:lnSpc>
+            </a:pPr>
+            <a:r>
+              <a:rPr lang="ko-KR" altLang="en-US" sz="2000" dirty="0">
+                <a:latin typeface="맑은 고딕" pitchFamily="50" charset="-127"/>
+                <a:ea typeface="맑은 고딕" pitchFamily="50" charset="-127"/>
+              </a:rPr>
+              <a:t>용량  </a:t>
+            </a:r>
+            <a:r>
+              <a:rPr lang="en-US" altLang="ko-KR" sz="2000" dirty="0">
+                <a:latin typeface="맑은 고딕" pitchFamily="50" charset="-127"/>
+                <a:ea typeface="맑은 고딕" pitchFamily="50" charset="-127"/>
+              </a:rPr>
+              <a:t>: 12.5~100mg/day</a:t>
+            </a:r>
+          </a:p>
+          <a:p>
+            <a:pPr>
+              <a:lnSpc>
+                <a:spcPct val="150000"/>
+              </a:lnSpc>
+            </a:pPr>
+            <a:r>
+              <a:rPr lang="ko-KR" altLang="en-US" sz="2000" i="1" dirty="0"/>
+              <a:t>장점</a:t>
+            </a:r>
+            <a:endParaRPr lang="en-US" altLang="ko-KR" sz="2000" i="1" dirty="0"/>
+          </a:p>
+          <a:p>
+            <a:pPr lvl="1">
+              <a:lnSpc>
+                <a:spcPct val="150000"/>
+              </a:lnSpc>
+            </a:pPr>
+            <a:r>
+              <a:rPr lang="ko-KR" altLang="en-US" sz="2000" dirty="0"/>
+              <a:t>신체 증상과 통증 증상의 치료에 효과적 </a:t>
+            </a:r>
+            <a:r>
+              <a:rPr lang="en-US" altLang="ko-KR" sz="2000" dirty="0"/>
+              <a:t>(</a:t>
+            </a:r>
+            <a:r>
+              <a:rPr lang="ko-KR" altLang="en-US" sz="2000" dirty="0" err="1"/>
+              <a:t>신경병성</a:t>
+            </a:r>
+            <a:r>
+              <a:rPr lang="ko-KR" altLang="en-US" sz="2000" dirty="0"/>
+              <a:t> 통증</a:t>
+            </a:r>
+            <a:r>
+              <a:rPr lang="en-US" altLang="ko-KR" sz="2000" dirty="0"/>
+              <a:t>, </a:t>
+            </a:r>
+            <a:r>
+              <a:rPr lang="ko-KR" altLang="en-US" sz="2000" dirty="0"/>
+              <a:t>만성적인 등의 통증</a:t>
+            </a:r>
+            <a:r>
+              <a:rPr lang="en-US" altLang="ko-KR" sz="2000" dirty="0"/>
+              <a:t>)</a:t>
+            </a:r>
+          </a:p>
+          <a:p>
+            <a:pPr lvl="1">
+              <a:lnSpc>
+                <a:spcPct val="150000"/>
+              </a:lnSpc>
+            </a:pPr>
+            <a:r>
+              <a:rPr lang="ko-KR" altLang="en-US" sz="2000" dirty="0">
+                <a:latin typeface="맑은 고딕" pitchFamily="50" charset="-127"/>
+                <a:ea typeface="맑은 고딕" pitchFamily="50" charset="-127"/>
+              </a:rPr>
+              <a:t>약물 상호작용이 적음</a:t>
+            </a:r>
+            <a:endParaRPr lang="en-US" altLang="ko-KR" sz="2000" dirty="0">
+              <a:latin typeface="맑은 고딕" pitchFamily="50" charset="-127"/>
+              <a:ea typeface="맑은 고딕" pitchFamily="50" charset="-127"/>
             </a:endParaRPr>
+          </a:p>
+          <a:p>
+            <a:pPr lvl="1">
+              <a:lnSpc>
+                <a:spcPct val="150000"/>
+              </a:lnSpc>
+            </a:pPr>
+            <a:r>
+              <a:rPr lang="ko-KR" altLang="en-US" sz="2000" dirty="0">
+                <a:latin typeface="맑은 고딕" pitchFamily="50" charset="-127"/>
+                <a:ea typeface="맑은 고딕" pitchFamily="50" charset="-127"/>
+              </a:rPr>
+              <a:t>통증에도 효과적</a:t>
+            </a:r>
+            <a:endParaRPr lang="en-US" altLang="ko-KR" sz="2000" dirty="0">
+              <a:latin typeface="맑은 고딕" pitchFamily="50" charset="-127"/>
+              <a:ea typeface="맑은 고딕" pitchFamily="50" charset="-127"/>
+            </a:endParaRPr>
+          </a:p>
+          <a:p>
+            <a:pPr lvl="1">
+              <a:lnSpc>
+                <a:spcPct val="150000"/>
+              </a:lnSpc>
+            </a:pPr>
+            <a:r>
+              <a:rPr lang="ko-KR" altLang="en-US" sz="2000" dirty="0">
+                <a:latin typeface="맑은 고딕" pitchFamily="50" charset="-127"/>
+                <a:ea typeface="맑은 고딕" pitchFamily="50" charset="-127"/>
+              </a:rPr>
+              <a:t>성기능장애 없음</a:t>
+            </a:r>
+            <a:endParaRPr lang="en-US" altLang="ko-KR" sz="2000" dirty="0">
+              <a:latin typeface="맑은 고딕" pitchFamily="50" charset="-127"/>
+              <a:ea typeface="맑은 고딕" pitchFamily="50" charset="-127"/>
+            </a:endParaRPr>
+          </a:p>
+          <a:p>
+            <a:pPr>
+              <a:lnSpc>
+                <a:spcPct val="150000"/>
+              </a:lnSpc>
+            </a:pPr>
+            <a:r>
+              <a:rPr lang="ko-KR" altLang="en-US" sz="2000" i="1" dirty="0">
+                <a:latin typeface="맑은 고딕" pitchFamily="50" charset="-127"/>
+                <a:ea typeface="맑은 고딕" pitchFamily="50" charset="-127"/>
+              </a:rPr>
+              <a:t>단점</a:t>
+            </a:r>
+            <a:endParaRPr lang="en-US" altLang="ko-KR" sz="2000" i="1" dirty="0">
+              <a:latin typeface="맑은 고딕" pitchFamily="50" charset="-127"/>
+              <a:ea typeface="맑은 고딕" pitchFamily="50" charset="-127"/>
+            </a:endParaRPr>
+          </a:p>
+          <a:p>
+            <a:pPr lvl="1">
+              <a:lnSpc>
+                <a:spcPct val="150000"/>
+              </a:lnSpc>
+            </a:pPr>
+            <a:r>
+              <a:rPr lang="ko-KR" altLang="en-US" sz="2000" dirty="0">
+                <a:latin typeface="맑은 고딕" pitchFamily="50" charset="-127"/>
+                <a:ea typeface="맑은 고딕" pitchFamily="50" charset="-127"/>
+              </a:rPr>
+              <a:t>드물게 </a:t>
+            </a:r>
+            <a:r>
+              <a:rPr lang="ko-KR" altLang="en-US" sz="2000" dirty="0" err="1">
+                <a:latin typeface="맑은 고딕" pitchFamily="50" charset="-127"/>
+                <a:ea typeface="맑은 고딕" pitchFamily="50" charset="-127"/>
+              </a:rPr>
+              <a:t>요축적</a:t>
+            </a:r>
+            <a:r>
+              <a:rPr lang="en-US" altLang="ko-KR" sz="2000" dirty="0">
+                <a:latin typeface="맑은 고딕" pitchFamily="50" charset="-127"/>
+                <a:ea typeface="맑은 고딕" pitchFamily="50" charset="-127"/>
+              </a:rPr>
+              <a:t>, </a:t>
+            </a:r>
+            <a:r>
+              <a:rPr lang="ko-KR" altLang="en-US" sz="2000" dirty="0">
+                <a:latin typeface="맑은 고딕" pitchFamily="50" charset="-127"/>
+                <a:ea typeface="맑은 고딕" pitchFamily="50" charset="-127"/>
+              </a:rPr>
+              <a:t>간수치 증가</a:t>
+            </a:r>
+            <a:r>
+              <a:rPr lang="en-US" altLang="ko-KR" sz="2000" dirty="0">
+                <a:latin typeface="맑은 고딕" pitchFamily="50" charset="-127"/>
+                <a:ea typeface="맑은 고딕" pitchFamily="50" charset="-127"/>
+              </a:rPr>
+              <a:t>, </a:t>
+            </a:r>
+            <a:r>
+              <a:rPr lang="ko-KR" altLang="en-US" sz="2000" dirty="0" err="1">
+                <a:latin typeface="맑은 고딕" pitchFamily="50" charset="-127"/>
+                <a:ea typeface="맑은 고딕" pitchFamily="50" charset="-127"/>
+              </a:rPr>
+              <a:t>저나트륨증</a:t>
+            </a:r>
+            <a:endParaRPr lang="en-US" altLang="ko-KR" sz="2000" dirty="0">
+              <a:latin typeface="맑은 고딕" pitchFamily="50" charset="-127"/>
+              <a:ea typeface="맑은 고딕" pitchFamily="50" charset="-127"/>
+            </a:endParaRPr>
+          </a:p>
+          <a:p>
+            <a:pPr lvl="1">
+              <a:lnSpc>
+                <a:spcPct val="150000"/>
+              </a:lnSpc>
+            </a:pPr>
+            <a:r>
+              <a:rPr lang="ko-KR" altLang="en-US" sz="2000" dirty="0">
+                <a:latin typeface="맑은 고딕" pitchFamily="50" charset="-127"/>
+                <a:ea typeface="맑은 고딕" pitchFamily="50" charset="-127"/>
+              </a:rPr>
+              <a:t>소화기계 장애</a:t>
+            </a:r>
+            <a:endParaRPr lang="en-US" altLang="ko-KR" sz="2000" dirty="0">
+              <a:latin typeface="맑은 고딕" pitchFamily="50" charset="-127"/>
+              <a:ea typeface="맑은 고딕" pitchFamily="50" charset="-127"/>
+            </a:endParaRPr>
+          </a:p>
+          <a:p>
+            <a:pPr>
+              <a:lnSpc>
+                <a:spcPct val="150000"/>
+              </a:lnSpc>
+            </a:pPr>
+            <a:endParaRPr kumimoji="1" lang="ko-KR" altLang="en-US" sz="2000" dirty="0"/>
           </a:p>
         </p:txBody>
       </p:sp>
@@ -12593,9 +11834,7 @@
         <p:nvGraphicFramePr>
           <p:cNvPr id="33" name="차트 32"/>
           <p:cNvGraphicFramePr/>
-          <p:nvPr>
-            <p:extLst/>
-          </p:nvPr>
+          <p:nvPr/>
         </p:nvGraphicFramePr>
         <p:xfrm>
           <a:off x="6582081" y="2548829"/>
@@ -12611,9 +11850,7 @@
         <p:nvGraphicFramePr>
           <p:cNvPr id="34" name="차트 33"/>
           <p:cNvGraphicFramePr/>
-          <p:nvPr>
-            <p:extLst/>
-          </p:nvPr>
+          <p:nvPr/>
         </p:nvGraphicFramePr>
         <p:xfrm>
           <a:off x="3207330" y="2517737"/>
@@ -12629,9 +11866,7 @@
         <p:nvGraphicFramePr>
           <p:cNvPr id="35" name="차트 34"/>
           <p:cNvGraphicFramePr/>
-          <p:nvPr>
-            <p:extLst/>
-          </p:nvPr>
+          <p:nvPr/>
         </p:nvGraphicFramePr>
         <p:xfrm>
           <a:off x="8256241" y="2593218"/>
@@ -12843,9 +12078,7 @@
         <p:nvGraphicFramePr>
           <p:cNvPr id="41" name="차트 40"/>
           <p:cNvGraphicFramePr/>
-          <p:nvPr>
-            <p:extLst/>
-          </p:nvPr>
+          <p:nvPr/>
         </p:nvGraphicFramePr>
         <p:xfrm>
           <a:off x="4712104" y="2474604"/>
@@ -13097,62 +12330,6 @@
                 <a:sym typeface="Arial"/>
               </a:rPr>
               <a:t> Practice (2002) 6:255.</a:t>
-            </a:r>
-          </a:p>
-        </p:txBody>
-      </p:sp>
-      <p:sp>
-        <p:nvSpPr>
-          <p:cNvPr id="3" name="Shape 1334"/>
-          <p:cNvSpPr txBox="1"/>
-          <p:nvPr/>
-        </p:nvSpPr>
-        <p:spPr>
-          <a:xfrm>
-            <a:off x="2012726" y="1236600"/>
-            <a:ext cx="8748712" cy="427037"/>
-          </a:xfrm>
-          <a:prstGeom prst="rect">
-            <a:avLst/>
-          </a:prstGeom>
-          <a:noFill/>
-          <a:ln>
-            <a:noFill/>
-          </a:ln>
-          <a:effectLst/>
-        </p:spPr>
-        <p:txBody>
-          <a:bodyPr lIns="91425" tIns="45700" rIns="91425" bIns="45700" anchor="t" anchorCtr="0">
-            <a:noAutofit/>
-          </a:bodyPr>
-          <a:lstStyle/>
-          <a:p>
-            <a:pPr marL="342900" indent="-342900" latinLnBrk="0">
-              <a:buClr>
-                <a:prstClr val="black"/>
-              </a:buClr>
-              <a:buSzPct val="100000"/>
-              <a:buFont typeface="Wingdings" panose="05000000000000000000" pitchFamily="2" charset="2"/>
-              <a:buChar char="§"/>
-              <a:defRPr/>
-            </a:pPr>
-            <a:r>
-              <a:rPr lang="en-US" sz="2400" kern="0" dirty="0">
-                <a:latin typeface="맑은 고딕"/>
-                <a:ea typeface="Arial"/>
-                <a:cs typeface="Arial"/>
-                <a:sym typeface="Arial"/>
-              </a:rPr>
-              <a:t>Chronic orthopedics pain </a:t>
-            </a:r>
-            <a:r>
-              <a:rPr lang="en-US" kern="0" dirty="0">
-                <a:latin typeface="맑은 고딕"/>
-                <a:ea typeface="Arial"/>
-                <a:cs typeface="Arial"/>
-                <a:sym typeface="Arial"/>
-              </a:rPr>
-              <a:t>(phantom pain, degenerative spondylosis) </a:t>
             </a:r>
           </a:p>
         </p:txBody>
@@ -14964,57 +14141,51 @@
       </p:grpSp>
       <p:sp>
         <p:nvSpPr>
-          <p:cNvPr id="52" name="CustomShape 1"/>
-          <p:cNvSpPr/>
-          <p:nvPr/>
+          <p:cNvPr id="53" name="제목 52">
+            <a:extLst>
+              <a:ext uri="{FF2B5EF4-FFF2-40B4-BE49-F238E27FC236}">
+                <a16:creationId xmlns:a16="http://schemas.microsoft.com/office/drawing/2014/main" id="{6EFFCB1E-C29B-1F4B-AB83-135828EE1A99}"/>
+              </a:ext>
+            </a:extLst>
+          </p:cNvPr>
+          <p:cNvSpPr>
+            <a:spLocks noGrp="1"/>
+          </p:cNvSpPr>
+          <p:nvPr>
+            <p:ph type="title"/>
+          </p:nvPr>
         </p:nvSpPr>
-        <p:spPr>
-          <a:xfrm>
-            <a:off x="1676477" y="360036"/>
-            <a:ext cx="9150840" cy="612000"/>
-          </a:xfrm>
-          <a:prstGeom prst="homePlate">
-            <a:avLst/>
-          </a:prstGeom>
-          <a:noFill/>
-          <a:ln>
-            <a:noFill/>
-          </a:ln>
-          <a:effectLst/>
-        </p:spPr>
+        <p:spPr/>
         <p:txBody>
-          <a:bodyPr lIns="91425" tIns="91425" rIns="91425" bIns="91425" anchor="ctr" anchorCtr="0">
-            <a:noAutofit/>
+          <a:bodyPr>
+            <a:normAutofit fontScale="90000"/>
           </a:bodyPr>
           <a:lstStyle/>
           <a:p>
             <a:r>
-              <a:rPr lang="en-US" altLang="ko-KR" sz="2800" b="1" dirty="0">
-                <a:solidFill>
-                  <a:srgbClr val="C00000"/>
-                </a:solidFill>
-                <a:latin typeface="맑은 고딕" panose="020B0503020000020004" pitchFamily="50" charset="-127"/>
-                <a:ea typeface="맑은 고딕" panose="020B0503020000020004" pitchFamily="50" charset="-127"/>
-              </a:rPr>
-              <a:t>  Chronic pain treatment with </a:t>
-            </a:r>
-            <a:r>
-              <a:rPr lang="en-US" altLang="ko-KR" sz="2800" b="1" dirty="0" err="1">
-                <a:solidFill>
-                  <a:srgbClr val="C00000"/>
-                </a:solidFill>
-                <a:latin typeface="맑은 고딕" panose="020B0503020000020004" pitchFamily="50" charset="-127"/>
-                <a:ea typeface="맑은 고딕" panose="020B0503020000020004" pitchFamily="50" charset="-127"/>
-              </a:rPr>
-              <a:t>Milnacipran</a:t>
-            </a:r>
-            <a:endParaRPr lang="en-US" altLang="ko-KR" sz="2800" b="1" dirty="0">
-              <a:solidFill>
-                <a:srgbClr val="C00000"/>
-              </a:solidFill>
-              <a:latin typeface="맑은 고딕" panose="020B0503020000020004" pitchFamily="50" charset="-127"/>
-              <a:ea typeface="맑은 고딕" panose="020B0503020000020004" pitchFamily="50" charset="-127"/>
-            </a:endParaRPr>
+              <a:rPr lang="en-US" altLang="ko-KR" sz="4900" kern="0" dirty="0">
+                <a:ea typeface="Arial"/>
+                <a:cs typeface="Arial"/>
+                <a:sym typeface="Arial"/>
+              </a:rPr>
+              <a:t>Chronic pain </a:t>
+            </a:r>
+            <a:br>
+              <a:rPr lang="en-US" altLang="ko-KR" sz="5400" kern="0" dirty="0">
+                <a:ea typeface="Arial"/>
+                <a:cs typeface="Arial"/>
+                <a:sym typeface="Arial"/>
+              </a:rPr>
+            </a:br>
+            <a:r>
+              <a:rPr lang="en-US" altLang="ko-KR" kern="0" dirty="0">
+                <a:ea typeface="Arial"/>
+                <a:cs typeface="Arial"/>
+                <a:sym typeface="Arial"/>
+              </a:rPr>
+              <a:t>(phantom pain, degenerative spondylosis) </a:t>
+            </a:r>
+            <a:endParaRPr kumimoji="1" lang="ko-KR" altLang="en-US" dirty="0"/>
           </a:p>
         </p:txBody>
       </p:sp>
@@ -15048,104 +14219,6 @@
           <a:chExt cx="0" cy="0"/>
         </a:xfrm>
       </p:grpSpPr>
-      <p:sp>
-        <p:nvSpPr>
-          <p:cNvPr id="7" name="Shape 30"/>
-          <p:cNvSpPr/>
-          <p:nvPr/>
-        </p:nvSpPr>
-        <p:spPr>
-          <a:xfrm>
-            <a:off x="1518050" y="184773"/>
-            <a:ext cx="9151200" cy="612000"/>
-          </a:xfrm>
-          <a:prstGeom prst="rect">
-            <a:avLst/>
-          </a:prstGeom>
-          <a:noFill/>
-          <a:ln>
-            <a:noFill/>
-          </a:ln>
-          <a:effectLst/>
-        </p:spPr>
-        <p:txBody>
-          <a:bodyPr lIns="91425" tIns="91425" rIns="91425" bIns="91425" anchor="ctr" anchorCtr="0">
-            <a:noAutofit/>
-          </a:bodyPr>
-          <a:lstStyle/>
-          <a:p>
-            <a:r>
-              <a:rPr lang="en-US" sz="2800" b="1" dirty="0">
-                <a:solidFill>
-                  <a:srgbClr val="C00000"/>
-                </a:solidFill>
-                <a:latin typeface="맑은 고딕" panose="020B0503020000020004" pitchFamily="50" charset="-127"/>
-                <a:ea typeface="맑은 고딕" panose="020B0503020000020004" pitchFamily="50" charset="-127"/>
-              </a:rPr>
-              <a:t>  </a:t>
-            </a:r>
-            <a:r>
-              <a:rPr lang="en-US" altLang="ko-KR" sz="2800" b="1" dirty="0">
-                <a:solidFill>
-                  <a:srgbClr val="C00000"/>
-                </a:solidFill>
-                <a:latin typeface="맑은 고딕"/>
-                <a:ea typeface="맑은 고딕"/>
-              </a:rPr>
-              <a:t>Secondary outcomes and safety</a:t>
-            </a:r>
-          </a:p>
-        </p:txBody>
-      </p:sp>
-      <p:sp>
-        <p:nvSpPr>
-          <p:cNvPr id="9" name="직사각형 8"/>
-          <p:cNvSpPr/>
-          <p:nvPr/>
-        </p:nvSpPr>
-        <p:spPr>
-          <a:xfrm>
-            <a:off x="1919537" y="1115453"/>
-            <a:ext cx="7680949" cy="527709"/>
-          </a:xfrm>
-          <a:prstGeom prst="rect">
-            <a:avLst/>
-          </a:prstGeom>
-        </p:spPr>
-        <p:txBody>
-          <a:bodyPr wrap="square">
-            <a:spAutoFit/>
-          </a:bodyPr>
-          <a:lstStyle/>
-          <a:p>
-            <a:pPr>
-              <a:lnSpc>
-                <a:spcPct val="130000"/>
-              </a:lnSpc>
-            </a:pPr>
-            <a:r>
-              <a:rPr lang="fr-FR" altLang="fr-FR" sz="2400" b="1" dirty="0">
-                <a:solidFill>
-                  <a:prstClr val="black"/>
-                </a:solidFill>
-                <a:latin typeface="Calibri"/>
-                <a:ea typeface="ＭＳ Ｐゴシック" charset="-128"/>
-              </a:rPr>
-              <a:t>▪  </a:t>
-            </a:r>
-            <a:r>
-              <a:rPr lang="fr-FR" altLang="fr-FR" sz="2400" b="1" dirty="0">
-                <a:solidFill>
-                  <a:prstClr val="black"/>
-                </a:solidFill>
-                <a:latin typeface="맑은 고딕"/>
-                <a:ea typeface="ＭＳ Ｐゴシック" charset="-128"/>
-              </a:rPr>
-              <a:t>Improved Fatigue</a:t>
-            </a:r>
-          </a:p>
-        </p:txBody>
-      </p:sp>
       <p:pic>
         <p:nvPicPr>
           <p:cNvPr id="8" name="Picture 2"/>
@@ -15186,7 +14259,7 @@
         </p:nvSpPr>
         <p:spPr>
           <a:xfrm>
-            <a:off x="7025640" y="6609091"/>
+            <a:off x="7025640" y="6434917"/>
             <a:ext cx="3642360" cy="246221"/>
           </a:xfrm>
           <a:prstGeom prst="rect">
@@ -15329,15 +14402,17 @@
           </a:p>
           <a:p>
             <a:r>
-              <a:rPr lang="en-US" altLang="ko-KR" sz="1400" dirty="0" err="1">
+              <a:rPr lang="en-US" altLang="ko-KR" sz="1400" dirty="0">
                 <a:solidFill>
                   <a:prstClr val="black"/>
                 </a:solidFill>
                 <a:latin typeface="맑은 고딕"/>
                 <a:ea typeface="맑은 고딕"/>
               </a:rPr>
-              <a:t>Milcipran</a:t>
-            </a:r>
+              <a:t>Milnacipran 100 mg/d (n=224)</a:t>
+            </a:r>
+          </a:p>
+          <a:p>
             <a:r>
               <a:rPr lang="en-US" altLang="ko-KR" sz="1400" dirty="0">
                 <a:solidFill>
@@ -15346,29 +14421,7 @@
                 <a:latin typeface="맑은 고딕"/>
                 <a:ea typeface="맑은 고딕"/>
               </a:rPr>
-              <a:t> 100 mg/d (n=224)</a:t>
-            </a:r>
-          </a:p>
-          <a:p>
-            <a:r>
-              <a:rPr lang="en-US" altLang="ko-KR" sz="1400" dirty="0" err="1">
-                <a:solidFill>
-                  <a:prstClr val="black"/>
-                </a:solidFill>
-                <a:latin typeface="맑은 고딕"/>
-                <a:ea typeface="맑은 고딕"/>
-              </a:rPr>
-              <a:t>Milcipran</a:t>
-            </a:r>
-            <a:r>
-              <a:rPr lang="en-US" altLang="ko-KR" sz="1400" dirty="0">
-                <a:solidFill>
-                  <a:prstClr val="black"/>
-                </a:solidFill>
-                <a:latin typeface="맑은 고딕"/>
-                <a:ea typeface="맑은 고딕"/>
-              </a:rPr>
-              <a:t> 200 mg/d (n=441)</a:t>
+              <a:t>Milnacipran 200 mg/d (n=441)</a:t>
             </a:r>
           </a:p>
           <a:p>
@@ -15398,6 +14451,35 @@
               <a:latin typeface="맑은 고딕"/>
               <a:ea typeface="맑은 고딕"/>
             </a:endParaRPr>
+          </a:p>
+        </p:txBody>
+      </p:sp>
+      <p:sp>
+        <p:nvSpPr>
+          <p:cNvPr id="2" name="제목 1">
+            <a:extLst>
+              <a:ext uri="{FF2B5EF4-FFF2-40B4-BE49-F238E27FC236}">
+                <a16:creationId xmlns:a16="http://schemas.microsoft.com/office/drawing/2014/main" id="{6EC6FB30-3C48-044C-83DE-8906D585A4C4}"/>
+              </a:ext>
+            </a:extLst>
+          </p:cNvPr>
+          <p:cNvSpPr>
+            <a:spLocks noGrp="1"/>
+          </p:cNvSpPr>
+          <p:nvPr>
+            <p:ph type="title"/>
+          </p:nvPr>
+        </p:nvSpPr>
+        <p:spPr/>
+        <p:txBody>
+          <a:bodyPr/>
+          <a:lstStyle/>
+          <a:p>
+            <a:r>
+              <a:rPr kumimoji="1" lang="en-US" altLang="ko-KR" dirty="0"/>
+              <a:t>Improved fatigue</a:t>
+            </a:r>
+            <a:endParaRPr kumimoji="1" lang="ko-KR" altLang="en-US" dirty="0"/>
           </a:p>
         </p:txBody>
       </p:sp>
@@ -15431,65 +14513,6 @@
           <a:chExt cx="0" cy="0"/>
         </a:xfrm>
       </p:grpSpPr>
-      <p:sp>
-        <p:nvSpPr>
-          <p:cNvPr id="6" name="CustomShape 5"/>
-          <p:cNvSpPr/>
-          <p:nvPr/>
-        </p:nvSpPr>
-        <p:spPr>
-          <a:xfrm>
-            <a:off x="1517880" y="183148"/>
-            <a:ext cx="9150840" cy="612000"/>
-          </a:xfrm>
-          <a:prstGeom prst="rect">
-            <a:avLst/>
-          </a:prstGeom>
-          <a:noFill/>
-          <a:ln>
-            <a:noFill/>
-          </a:ln>
-          <a:effectLst/>
-        </p:spPr>
-        <p:txBody>
-          <a:bodyPr lIns="91425" tIns="91425" rIns="91425" bIns="91425" anchor="ctr" anchorCtr="0">
-            <a:noAutofit/>
-          </a:bodyPr>
-          <a:lstStyle/>
-          <a:p>
-            <a:r>
-              <a:rPr lang="en-US" sz="2800" b="1" dirty="0">
-                <a:solidFill>
-                  <a:srgbClr val="C00000"/>
-                </a:solidFill>
-                <a:latin typeface="맑은 고딕" panose="020B0503020000020004" pitchFamily="50" charset="-127"/>
-                <a:ea typeface="맑은 고딕" panose="020B0503020000020004" pitchFamily="50" charset="-127"/>
-              </a:rPr>
-              <a:t>  </a:t>
-            </a:r>
-            <a:r>
-              <a:rPr lang="en-US" sz="2800" b="1" dirty="0" err="1">
-                <a:solidFill>
-                  <a:srgbClr val="C00000"/>
-                </a:solidFill>
-                <a:latin typeface="맑은 고딕" panose="020B0503020000020004" pitchFamily="50" charset="-127"/>
-                <a:ea typeface="맑은 고딕" panose="020B0503020000020004" pitchFamily="50" charset="-127"/>
-              </a:rPr>
-              <a:t>Milnacipran</a:t>
-            </a:r>
-            <a:r>
-              <a:rPr lang="en-US" sz="2800" b="1" dirty="0">
-                <a:solidFill>
-                  <a:srgbClr val="C00000"/>
-                </a:solidFill>
-                <a:latin typeface="맑은 고딕" panose="020B0503020000020004" pitchFamily="50" charset="-127"/>
-                <a:ea typeface="맑은 고딕" panose="020B0503020000020004" pitchFamily="50" charset="-127"/>
-              </a:rPr>
-              <a:t> improves sleep quality</a:t>
-            </a:r>
-          </a:p>
-        </p:txBody>
-      </p:sp>
       <p:sp>
         <p:nvSpPr>
           <p:cNvPr id="7" name="CustomShape 6"/>
@@ -15682,6 +14705,38 @@
           </a:extLst>
         </p:spPr>
       </p:pic>
+      <p:sp>
+        <p:nvSpPr>
+          <p:cNvPr id="2" name="제목 1">
+            <a:extLst>
+              <a:ext uri="{FF2B5EF4-FFF2-40B4-BE49-F238E27FC236}">
+                <a16:creationId xmlns:a16="http://schemas.microsoft.com/office/drawing/2014/main" id="{E576969C-5DCF-404F-8545-E7ABB32BA235}"/>
+              </a:ext>
+            </a:extLst>
+          </p:cNvPr>
+          <p:cNvSpPr>
+            <a:spLocks noGrp="1"/>
+          </p:cNvSpPr>
+          <p:nvPr>
+            <p:ph type="title"/>
+          </p:nvPr>
+        </p:nvSpPr>
+        <p:spPr/>
+        <p:txBody>
+          <a:bodyPr/>
+          <a:lstStyle/>
+          <a:p>
+            <a:r>
+              <a:rPr lang="en-US" altLang="ko-KR" dirty="0">
+                <a:latin typeface="맑은 고딕" panose="020B0503020000020004" pitchFamily="50" charset="-127"/>
+                <a:ea typeface="맑은 고딕" panose="020B0503020000020004" pitchFamily="50" charset="-127"/>
+              </a:rPr>
+              <a:t> Improved sleep quality</a:t>
+            </a:r>
+            <a:endParaRPr kumimoji="1" lang="ko-KR" altLang="en-US" dirty="0"/>
+          </a:p>
+        </p:txBody>
+      </p:sp>
     </p:spTree>
     <p:extLst>
       <p:ext uri="{BB962C8B-B14F-4D97-AF65-F5344CB8AC3E}">
@@ -15932,8 +14987,8 @@
         </p:blipFill>
         <p:spPr bwMode="auto">
           <a:xfrm>
-            <a:off x="2165845" y="1556792"/>
-            <a:ext cx="7817110" cy="4266342"/>
+            <a:off x="1347132" y="838494"/>
+            <a:ext cx="9493036" cy="5181012"/>
           </a:xfrm>
           <a:prstGeom prst="rect">
             <a:avLst/>
@@ -15995,65 +15050,6 @@
       </p:grpSpPr>
       <p:sp>
         <p:nvSpPr>
-          <p:cNvPr id="3" name="CustomShape 5"/>
-          <p:cNvSpPr/>
-          <p:nvPr/>
-        </p:nvSpPr>
-        <p:spPr>
-          <a:xfrm>
-            <a:off x="1517880" y="183877"/>
-            <a:ext cx="9150840" cy="612000"/>
-          </a:xfrm>
-          <a:prstGeom prst="rect">
-            <a:avLst/>
-          </a:prstGeom>
-          <a:noFill/>
-          <a:ln>
-            <a:noFill/>
-          </a:ln>
-          <a:effectLst/>
-        </p:spPr>
-        <p:txBody>
-          <a:bodyPr lIns="91425" tIns="91425" rIns="91425" bIns="91425" anchor="ctr" anchorCtr="0">
-            <a:noAutofit/>
-          </a:bodyPr>
-          <a:lstStyle/>
-          <a:p>
-            <a:r>
-              <a:rPr lang="en-US" sz="2600" b="1" dirty="0">
-                <a:solidFill>
-                  <a:srgbClr val="C00000"/>
-                </a:solidFill>
-                <a:latin typeface="맑은 고딕" panose="020B0503020000020004" pitchFamily="50" charset="-127"/>
-                <a:ea typeface="맑은 고딕" panose="020B0503020000020004" pitchFamily="50" charset="-127"/>
-              </a:rPr>
-              <a:t>  </a:t>
-            </a:r>
-            <a:r>
-              <a:rPr lang="en-US" sz="2600" b="1" dirty="0" err="1">
-                <a:solidFill>
-                  <a:srgbClr val="C00000"/>
-                </a:solidFill>
-                <a:latin typeface="맑은 고딕" panose="020B0503020000020004" pitchFamily="50" charset="-127"/>
-                <a:ea typeface="맑은 고딕" panose="020B0503020000020004" pitchFamily="50" charset="-127"/>
-              </a:rPr>
-              <a:t>Milnacipran</a:t>
-            </a:r>
-            <a:r>
-              <a:rPr lang="en-US" sz="2600" b="1" dirty="0">
-                <a:solidFill>
-                  <a:srgbClr val="C00000"/>
-                </a:solidFill>
-                <a:latin typeface="맑은 고딕" panose="020B0503020000020004" pitchFamily="50" charset="-127"/>
-                <a:ea typeface="맑은 고딕" panose="020B0503020000020004" pitchFamily="50" charset="-127"/>
-              </a:rPr>
-              <a:t> reduced risk of sexual dysfunction</a:t>
-            </a:r>
-          </a:p>
-        </p:txBody>
-      </p:sp>
-      <p:sp>
-        <p:nvSpPr>
           <p:cNvPr id="5" name="CustomShape 7"/>
           <p:cNvSpPr/>
           <p:nvPr/>
@@ -16185,12 +15181,16 @@
             <a:graphicFrameLocks noGrp="1"/>
           </p:cNvGraphicFramePr>
           <p:nvPr>
-            <p:extLst/>
+            <p:extLst>
+              <p:ext uri="{D42A27DB-BD31-4B8C-83A1-F6EECF244321}">
+                <p14:modId xmlns:p14="http://schemas.microsoft.com/office/powerpoint/2010/main" val="136678496"/>
+              </p:ext>
+            </p:extLst>
           </p:nvPr>
         </p:nvGraphicFramePr>
         <p:xfrm>
-          <a:off x="2639617" y="1649967"/>
-          <a:ext cx="6849451" cy="3549700"/>
+          <a:off x="1840817" y="1690688"/>
+          <a:ext cx="7638498" cy="4152119"/>
         </p:xfrm>
         <a:graphic>
           <a:graphicData uri="http://schemas.openxmlformats.org/drawingml/2006/table">
@@ -16199,28 +15199,28 @@
                 <a:tableStyleId>{5C22544A-7EE6-4342-B048-85BDC9FD1C3A}</a:tableStyleId>
               </a:tblPr>
               <a:tblGrid>
-                <a:gridCol w="864096">
+                <a:gridCol w="963639">
                   <a:extLst>
                     <a:ext uri="{9D8B030D-6E8A-4147-A177-3AD203B41FA5}">
                       <a16:colId xmlns:a16="http://schemas.microsoft.com/office/drawing/2014/main" val="20000"/>
                     </a:ext>
                   </a:extLst>
                 </a:gridCol>
-                <a:gridCol w="1656184">
+                <a:gridCol w="1846974">
                   <a:extLst>
                     <a:ext uri="{9D8B030D-6E8A-4147-A177-3AD203B41FA5}">
                       <a16:colId xmlns:a16="http://schemas.microsoft.com/office/drawing/2014/main" val="20001"/>
                     </a:ext>
                   </a:extLst>
                 </a:gridCol>
-                <a:gridCol w="1656184">
+                <a:gridCol w="1846974">
                   <a:extLst>
                     <a:ext uri="{9D8B030D-6E8A-4147-A177-3AD203B41FA5}">
                       <a16:colId xmlns:a16="http://schemas.microsoft.com/office/drawing/2014/main" val="20002"/>
                     </a:ext>
                   </a:extLst>
                 </a:gridCol>
-                <a:gridCol w="2672987">
+                <a:gridCol w="2980911">
                   <a:extLst>
                     <a:ext uri="{9D8B030D-6E8A-4147-A177-3AD203B41FA5}">
                       <a16:colId xmlns:a16="http://schemas.microsoft.com/office/drawing/2014/main" val="20003"/>
@@ -16228,7 +15228,7 @@
                   </a:extLst>
                 </a:gridCol>
               </a:tblGrid>
-              <a:tr h="706515">
+              <a:tr h="841732">
                 <a:tc>
                   <a:txBody>
                     <a:bodyPr/>
@@ -16469,7 +15469,7 @@
                   </a:ext>
                 </a:extLst>
               </a:tr>
-              <a:tr h="403402">
+              <a:tr h="471880">
                 <a:tc>
                   <a:txBody>
                     <a:bodyPr/>
@@ -16768,7 +15768,7 @@
                   </a:ext>
                 </a:extLst>
               </a:tr>
-              <a:tr h="403402">
+              <a:tr h="1996849">
                 <a:tc>
                   <a:txBody>
                     <a:bodyPr/>
@@ -17120,7 +16120,7 @@
                   </a:ext>
                 </a:extLst>
               </a:tr>
-              <a:tr h="629970">
+              <a:tr h="841658">
                 <a:tc>
                   <a:txBody>
                     <a:bodyPr/>
@@ -17413,40 +16413,35 @@
       </p:graphicFrame>
       <p:sp>
         <p:nvSpPr>
-          <p:cNvPr id="7" name="CustomShape 6"/>
-          <p:cNvSpPr/>
-          <p:nvPr/>
+          <p:cNvPr id="2" name="제목 1">
+            <a:extLst>
+              <a:ext uri="{FF2B5EF4-FFF2-40B4-BE49-F238E27FC236}">
+                <a16:creationId xmlns:a16="http://schemas.microsoft.com/office/drawing/2014/main" id="{3A09D444-FBF4-3440-8B5C-1A928BC49745}"/>
+              </a:ext>
+            </a:extLst>
+          </p:cNvPr>
+          <p:cNvSpPr>
+            <a:spLocks noGrp="1"/>
+          </p:cNvSpPr>
+          <p:nvPr>
+            <p:ph type="title"/>
+          </p:nvPr>
         </p:nvSpPr>
-        <p:spPr>
-          <a:xfrm>
-            <a:off x="5158835" y="2400835"/>
-            <a:ext cx="4320480" cy="2916000"/>
-          </a:xfrm>
-          <a:prstGeom prst="rect">
-            <a:avLst/>
-          </a:prstGeom>
-          <a:noFill/>
-          <a:ln w="38160">
-            <a:solidFill>
-              <a:srgbClr val="FF0000"/>
-            </a:solidFill>
-            <a:round/>
-          </a:ln>
-        </p:spPr>
-        <p:style>
-          <a:lnRef idx="2">
-            <a:schemeClr val="accent1">
-              <a:shade val="50000"/>
-            </a:schemeClr>
-          </a:lnRef>
-          <a:fillRef idx="1">
-            <a:schemeClr val="accent1"/>
-          </a:fillRef>
-          <a:effectRef idx="0">
-            <a:schemeClr val="accent1"/>
-          </a:effectRef>
-          <a:fontRef idx="minor"/>
-        </p:style>
+        <p:spPr/>
+        <p:txBody>
+          <a:bodyPr/>
+          <a:lstStyle/>
+          <a:p>
+            <a:r>
+              <a:rPr lang="en-US" altLang="ko-KR" dirty="0">
+                <a:latin typeface="맑은 고딕" panose="020B0503020000020004" pitchFamily="50" charset="-127"/>
+                <a:ea typeface="맑은 고딕" panose="020B0503020000020004" pitchFamily="50" charset="-127"/>
+              </a:rPr>
+              <a:t> Reduced risk of sexual dysfunction</a:t>
+            </a:r>
+            <a:endParaRPr kumimoji="1" lang="ko-KR" altLang="en-US" dirty="0"/>
+          </a:p>
+        </p:txBody>
       </p:sp>
     </p:spTree>
     <p:extLst>
@@ -17597,65 +16592,6 @@
       </p:grpSpPr>
       <p:sp>
         <p:nvSpPr>
-          <p:cNvPr id="6" name="CustomShape 5"/>
-          <p:cNvSpPr/>
-          <p:nvPr/>
-        </p:nvSpPr>
-        <p:spPr>
-          <a:xfrm>
-            <a:off x="1517880" y="183148"/>
-            <a:ext cx="9150840" cy="612000"/>
-          </a:xfrm>
-          <a:prstGeom prst="rect">
-            <a:avLst/>
-          </a:prstGeom>
-          <a:noFill/>
-          <a:ln>
-            <a:noFill/>
-          </a:ln>
-          <a:effectLst/>
-        </p:spPr>
-        <p:txBody>
-          <a:bodyPr lIns="91425" tIns="91425" rIns="91425" bIns="91425" anchor="ctr" anchorCtr="0">
-            <a:noAutofit/>
-          </a:bodyPr>
-          <a:lstStyle/>
-          <a:p>
-            <a:r>
-              <a:rPr lang="en-US" sz="2800" b="1" dirty="0">
-                <a:solidFill>
-                  <a:srgbClr val="C00000"/>
-                </a:solidFill>
-                <a:latin typeface="맑은 고딕" panose="020B0503020000020004" pitchFamily="50" charset="-127"/>
-                <a:ea typeface="맑은 고딕" panose="020B0503020000020004" pitchFamily="50" charset="-127"/>
-              </a:rPr>
-              <a:t>  </a:t>
-            </a:r>
-            <a:r>
-              <a:rPr lang="en-US" sz="2800" b="1" dirty="0" err="1">
-                <a:solidFill>
-                  <a:srgbClr val="C00000"/>
-                </a:solidFill>
-                <a:latin typeface="맑은 고딕" panose="020B0503020000020004" pitchFamily="50" charset="-127"/>
-                <a:ea typeface="맑은 고딕" panose="020B0503020000020004" pitchFamily="50" charset="-127"/>
-              </a:rPr>
-              <a:t>Milnacipran</a:t>
-            </a:r>
-            <a:r>
-              <a:rPr lang="en-US" sz="2800" b="1" dirty="0">
-                <a:solidFill>
-                  <a:srgbClr val="C00000"/>
-                </a:solidFill>
-                <a:latin typeface="맑은 고딕" panose="020B0503020000020004" pitchFamily="50" charset="-127"/>
-                <a:ea typeface="맑은 고딕" panose="020B0503020000020004" pitchFamily="50" charset="-127"/>
-              </a:rPr>
-              <a:t> improves sexual dysfunction</a:t>
-            </a:r>
-          </a:p>
-        </p:txBody>
-      </p:sp>
-      <p:sp>
-        <p:nvSpPr>
           <p:cNvPr id="7" name="CustomShape 6"/>
           <p:cNvSpPr/>
           <p:nvPr/>
@@ -18055,9 +16991,7 @@
             <p:nvGraphicFramePr>
               <p:cNvPr id="15" name="차트 14"/>
               <p:cNvGraphicFramePr/>
-              <p:nvPr>
-                <p:extLst/>
-              </p:nvPr>
+              <p:nvPr/>
             </p:nvGraphicFramePr>
             <p:xfrm>
               <a:off x="1985468" y="1214284"/>
@@ -19345,7 +18279,7 @@
         </p:nvSpPr>
         <p:spPr bwMode="auto">
           <a:xfrm>
-            <a:off x="1877469" y="0"/>
+            <a:off x="1832062" y="277801"/>
             <a:ext cx="8229600" cy="692696"/>
           </a:xfrm>
           <a:prstGeom prst="rect">
@@ -19372,17 +18306,17 @@
               </a:spcAft>
             </a:pPr>
             <a:r>
-              <a:rPr kumimoji="1" lang="ko-KR" altLang="en-US" sz="2800" b="1" dirty="0">
+              <a:rPr kumimoji="1" lang="ko-KR" altLang="en-US" sz="4400" b="1" dirty="0">
                 <a:solidFill>
                   <a:srgbClr val="000000"/>
                 </a:solidFill>
                 <a:latin typeface="맑은 고딕" pitchFamily="50" charset="-127"/>
                 <a:ea typeface="맑은 고딕" pitchFamily="50" charset="-127"/>
               </a:rPr>
-              <a:t>신경계 질환에서의 항우울제</a:t>
-            </a:r>
-            <a:r>
-              <a:rPr kumimoji="1" lang="en-US" altLang="ko-KR" sz="2800" b="1" dirty="0">
+              <a:t>항우울제</a:t>
+            </a:r>
+            <a:r>
+              <a:rPr kumimoji="1" lang="en-US" altLang="ko-KR" sz="4400" b="1" dirty="0">
                 <a:solidFill>
                   <a:srgbClr val="000000"/>
                 </a:solidFill>
@@ -19392,27 +18326,27 @@
               <a:t> </a:t>
             </a:r>
             <a:r>
-              <a:rPr kumimoji="1" lang="ko-KR" altLang="en-US" sz="2800" b="1" dirty="0">
+              <a:rPr kumimoji="1" lang="ko-KR" altLang="en-US" sz="4400" b="1" dirty="0" err="1">
                 <a:solidFill>
                   <a:srgbClr val="000000"/>
                 </a:solidFill>
                 <a:latin typeface="맑은 고딕" pitchFamily="50" charset="-127"/>
                 <a:ea typeface="맑은 고딕" pitchFamily="50" charset="-127"/>
               </a:rPr>
-              <a:t>치료 </a:t>
-            </a:r>
-            <a:r>
-              <a:rPr kumimoji="1" lang="en-US" altLang="ko-KR" sz="2800" b="1" dirty="0">
+              <a:t>치료시</a:t>
+            </a:r>
+            <a:r>
+              <a:rPr kumimoji="1" lang="en-US" altLang="ko-KR" sz="4400" b="1" dirty="0">
                 <a:solidFill>
                   <a:srgbClr val="000000"/>
                 </a:solidFill>
                 <a:latin typeface="맑은 고딕" pitchFamily="50" charset="-127"/>
                 <a:ea typeface="맑은 고딕" pitchFamily="50" charset="-127"/>
               </a:rPr>
-              <a:t>: </a:t>
-            </a:r>
-            <a:r>
-              <a:rPr kumimoji="1" lang="ko-KR" altLang="en-US" sz="2800" b="1" dirty="0">
+              <a:t> </a:t>
+            </a:r>
+            <a:r>
+              <a:rPr kumimoji="1" lang="ko-KR" altLang="en-US" sz="4400" b="1" dirty="0">
                 <a:solidFill>
                   <a:srgbClr val="000000"/>
                 </a:solidFill>
@@ -19421,54 +18355,6 @@
               </a:rPr>
               <a:t>이상반응</a:t>
             </a:r>
-          </a:p>
-        </p:txBody>
-      </p:sp>
-      <p:sp>
-        <p:nvSpPr>
-          <p:cNvPr id="12291" name="Rectangle 3"/>
-          <p:cNvSpPr>
-            <a:spLocks noChangeArrowheads="1"/>
-          </p:cNvSpPr>
-          <p:nvPr/>
-        </p:nvSpPr>
-        <p:spPr bwMode="auto">
-          <a:xfrm>
-            <a:off x="1847850" y="981075"/>
-            <a:ext cx="7188319" cy="71438"/>
-          </a:xfrm>
-          <a:prstGeom prst="rect">
-            <a:avLst/>
-          </a:prstGeom>
-          <a:solidFill>
-            <a:srgbClr val="000080">
-              <a:alpha val="20000"/>
-            </a:srgbClr>
-          </a:solidFill>
-          <a:ln w="9525">
-            <a:noFill/>
-            <a:miter lim="800000"/>
-            <a:headEnd/>
-            <a:tailEnd/>
-          </a:ln>
-        </p:spPr>
-        <p:txBody>
-          <a:bodyPr wrap="none" anchor="ctr"/>
-          <a:lstStyle/>
-          <a:p>
-            <a:pPr fontAlgn="base">
-              <a:spcBef>
-                <a:spcPct val="0"/>
-              </a:spcBef>
-              <a:spcAft>
-                <a:spcPct val="0"/>
-              </a:spcAft>
-            </a:pPr>
-            <a:endParaRPr kumimoji="1" lang="ko-KR" altLang="en-US" dirty="0">
-              <a:solidFill>
-                <a:srgbClr val="000000"/>
-              </a:solidFill>
-            </a:endParaRPr>
           </a:p>
         </p:txBody>
       </p:sp>
@@ -19479,61 +18365,65 @@
             <a:graphicFrameLocks noGrp="1"/>
           </p:cNvGraphicFramePr>
           <p:nvPr>
-            <p:extLst/>
+            <p:extLst>
+              <p:ext uri="{D42A27DB-BD31-4B8C-83A1-F6EECF244321}">
+                <p14:modId xmlns:p14="http://schemas.microsoft.com/office/powerpoint/2010/main" val="1450606390"/>
+              </p:ext>
+            </p:extLst>
           </p:nvPr>
         </p:nvGraphicFramePr>
         <p:xfrm>
-          <a:off x="1832065" y="726450"/>
-          <a:ext cx="8320411" cy="5368673"/>
+          <a:off x="903515" y="1179603"/>
+          <a:ext cx="10417629" cy="4862295"/>
         </p:xfrm>
         <a:graphic>
           <a:graphicData uri="http://schemas.openxmlformats.org/drawingml/2006/table">
             <a:tbl>
               <a:tblPr/>
               <a:tblGrid>
-                <a:gridCol w="1589411">
+                <a:gridCol w="1990033">
                   <a:extLst>
                     <a:ext uri="{9D8B030D-6E8A-4147-A177-3AD203B41FA5}">
                       <a16:colId xmlns:a16="http://schemas.microsoft.com/office/drawing/2014/main" val="20000"/>
                     </a:ext>
                   </a:extLst>
                 </a:gridCol>
-                <a:gridCol w="1122362">
+                <a:gridCol w="1405261">
                   <a:extLst>
                     <a:ext uri="{9D8B030D-6E8A-4147-A177-3AD203B41FA5}">
                       <a16:colId xmlns:a16="http://schemas.microsoft.com/office/drawing/2014/main" val="20001"/>
                     </a:ext>
                   </a:extLst>
                 </a:gridCol>
-                <a:gridCol w="1122363">
+                <a:gridCol w="1405263">
                   <a:extLst>
                     <a:ext uri="{9D8B030D-6E8A-4147-A177-3AD203B41FA5}">
                       <a16:colId xmlns:a16="http://schemas.microsoft.com/office/drawing/2014/main" val="20002"/>
                     </a:ext>
                   </a:extLst>
                 </a:gridCol>
-                <a:gridCol w="1120775">
+                <a:gridCol w="1403274">
                   <a:extLst>
                     <a:ext uri="{9D8B030D-6E8A-4147-A177-3AD203B41FA5}">
                       <a16:colId xmlns:a16="http://schemas.microsoft.com/office/drawing/2014/main" val="20003"/>
                     </a:ext>
                   </a:extLst>
                 </a:gridCol>
-                <a:gridCol w="1122362">
+                <a:gridCol w="1405261">
                   <a:extLst>
                     <a:ext uri="{9D8B030D-6E8A-4147-A177-3AD203B41FA5}">
                       <a16:colId xmlns:a16="http://schemas.microsoft.com/office/drawing/2014/main" val="20004"/>
                     </a:ext>
                   </a:extLst>
                 </a:gridCol>
-                <a:gridCol w="1120775">
+                <a:gridCol w="1403274">
                   <a:extLst>
                     <a:ext uri="{9D8B030D-6E8A-4147-A177-3AD203B41FA5}">
                       <a16:colId xmlns:a16="http://schemas.microsoft.com/office/drawing/2014/main" val="20005"/>
                     </a:ext>
                   </a:extLst>
                 </a:gridCol>
-                <a:gridCol w="1122363">
+                <a:gridCol w="1405263">
                   <a:extLst>
                     <a:ext uri="{9D8B030D-6E8A-4147-A177-3AD203B41FA5}">
                       <a16:colId xmlns:a16="http://schemas.microsoft.com/office/drawing/2014/main" val="20006"/>
@@ -19541,7 +18431,7 @@
                   </a:extLst>
                 </a:gridCol>
               </a:tblGrid>
-              <a:tr h="635000">
+              <a:tr h="609192">
                 <a:tc>
                   <a:txBody>
                     <a:bodyPr/>
@@ -20704,7 +19594,7 @@
                   </a:ext>
                 </a:extLst>
               </a:tr>
-              <a:tr h="701675">
+              <a:tr h="673157">
                 <a:tc>
                   <a:txBody>
                     <a:bodyPr/>
@@ -20994,7 +19884,7 @@
                         <a:tabLst/>
                       </a:pPr>
                       <a:r>
-                        <a:rPr kumimoji="1" lang="en-US" altLang="ko-KR" sz="1600" b="0" i="0" u="none" strike="noStrike" cap="none" normalizeH="0" baseline="0">
+                        <a:rPr kumimoji="1" lang="en-US" altLang="ko-KR" sz="1600" b="0" i="0" u="none" strike="noStrike" cap="none" normalizeH="0" baseline="0" dirty="0">
                           <a:ln>
                             <a:noFill/>
                           </a:ln>
@@ -21153,7 +20043,7 @@
                         <a:tabLst/>
                       </a:pPr>
                       <a:r>
-                        <a:rPr kumimoji="1" lang="en-US" altLang="ko-KR" sz="1600" b="0" i="0" u="none" strike="noStrike" cap="none" normalizeH="0" baseline="0">
+                        <a:rPr kumimoji="1" lang="en-US" altLang="ko-KR" sz="1600" b="0" i="0" u="none" strike="noStrike" cap="none" normalizeH="0" baseline="0" dirty="0">
                           <a:ln>
                             <a:noFill/>
                           </a:ln>
@@ -21856,7 +20746,7 @@
                   </a:ext>
                 </a:extLst>
               </a:tr>
-              <a:tr h="569913">
+              <a:tr h="546750">
                 <a:tc>
                   <a:txBody>
                     <a:bodyPr/>
@@ -22976,7 +21866,7 @@
                   </a:ext>
                 </a:extLst>
               </a:tr>
-              <a:tr h="569913">
+              <a:tr h="546750">
                 <a:tc>
                   <a:txBody>
                     <a:bodyPr/>
@@ -23552,7 +22442,7 @@
                         <a:tabLst/>
                       </a:pPr>
                       <a:r>
-                        <a:rPr kumimoji="1" lang="en-US" altLang="ko-KR" sz="1600" b="0" i="0" u="none" strike="noStrike" cap="none" normalizeH="0" baseline="0">
+                        <a:rPr kumimoji="1" lang="en-US" altLang="ko-KR" sz="1600" b="0" i="0" u="none" strike="noStrike" cap="none" normalizeH="0" baseline="0" dirty="0">
                           <a:ln>
                             <a:noFill/>
                           </a:ln>
@@ -24096,7 +22986,7 @@
                   </a:ext>
                 </a:extLst>
               </a:tr>
-              <a:tr h="569913">
+              <a:tr h="546750">
                 <a:tc>
                   <a:txBody>
                     <a:bodyPr/>
@@ -24831,7 +23721,7 @@
                         <a:tabLst/>
                       </a:pPr>
                       <a:r>
-                        <a:rPr kumimoji="1" lang="en-US" altLang="ko-KR" sz="1600" b="0" i="0" u="none" strike="noStrike" cap="none" normalizeH="0" baseline="0">
+                        <a:rPr kumimoji="1" lang="en-US" altLang="ko-KR" sz="1600" b="0" i="0" u="none" strike="noStrike" cap="none" normalizeH="0" baseline="0" dirty="0">
                           <a:ln>
                             <a:noFill/>
                           </a:ln>
@@ -25216,7 +24106,7 @@
                   </a:ext>
                 </a:extLst>
               </a:tr>
-              <a:tr h="700088">
+              <a:tr h="639922">
                 <a:tc>
                   <a:txBody>
                     <a:bodyPr/>
@@ -26368,7 +25258,7 @@
                   </a:ext>
                 </a:extLst>
               </a:tr>
-              <a:tr h="0">
+              <a:tr h="626617">
                 <a:tc>
                   <a:txBody>
                     <a:bodyPr/>
@@ -26402,7 +25292,7 @@
                           <a:latin typeface="맑은 고딕" pitchFamily="50" charset="-127"/>
                           <a:ea typeface="맑은 고딕" pitchFamily="50" charset="-127"/>
                         </a:rPr>
-                        <a:t>   </a:t>
+                        <a:t>  </a:t>
                       </a:r>
                       <a:r>
                         <a:rPr kumimoji="1" lang="en-US" altLang="ko-KR" sz="1600" b="1" i="0" u="none" strike="noStrike" cap="none" normalizeH="0" baseline="0" dirty="0" err="1">
@@ -26416,7 +25306,7 @@
                           <a:latin typeface="맑은 고딕" pitchFamily="50" charset="-127"/>
                           <a:ea typeface="맑은 고딕" pitchFamily="50" charset="-127"/>
                         </a:rPr>
-                        <a:t>Milaciplan</a:t>
+                        <a:t>Milnaciplan</a:t>
                       </a:r>
                       <a:endParaRPr kumimoji="1" lang="en-US" altLang="ko-KR" sz="1600" b="1" i="0" u="none" strike="noStrike" cap="none" normalizeH="0" baseline="0" dirty="0">
                         <a:ln>
@@ -26514,35 +25404,6 @@
                         <a:t>-</a:t>
                       </a:r>
                     </a:p>
-                    <a:p>
-                      <a:pPr marL="0" marR="0" lvl="0" indent="0" algn="ctr" defTabSz="914400" rtl="0" eaLnBrk="1" fontAlgn="base" latinLnBrk="1" hangingPunct="1">
-                        <a:lnSpc>
-                          <a:spcPct val="100000"/>
-                        </a:lnSpc>
-                        <a:spcBef>
-                          <a:spcPct val="20000"/>
-                        </a:spcBef>
-                        <a:spcAft>
-                          <a:spcPct val="0"/>
-                        </a:spcAft>
-                        <a:buClrTx/>
-                        <a:buSzTx/>
-                        <a:buFontTx/>
-                        <a:buNone/>
-                        <a:tabLst/>
-                      </a:pPr>
-                      <a:endParaRPr kumimoji="1" lang="en-US" altLang="ko-KR" sz="1600" b="0" i="0" u="none" strike="noStrike" cap="none" normalizeH="0" baseline="0" dirty="0">
-                        <a:ln>
-                          <a:noFill/>
-                        </a:ln>
-                        <a:solidFill>
-                          <a:srgbClr val="C00000"/>
-                        </a:solidFill>
-                        <a:effectLst/>
-                        <a:latin typeface="맑은 고딕" pitchFamily="50" charset="-127"/>
-                        <a:ea typeface="맑은 고딕" pitchFamily="50" charset="-127"/>
-                      </a:endParaRPr>
-                    </a:p>
                   </a:txBody>
                   <a:tcPr anchor="ctr" horzOverflow="overflow">
                     <a:lnL w="12700" cap="flat" cmpd="sng" algn="ctr">
@@ -26612,36 +25473,6 @@
                         <a:tabLst/>
                         <a:defRPr/>
                       </a:pPr>
-                      <a:endParaRPr kumimoji="1" lang="en-US" altLang="ko-KR" sz="1600" b="0" i="0" u="none" strike="noStrike" cap="none" normalizeH="0" baseline="0" dirty="0">
-                        <a:ln>
-                          <a:noFill/>
-                        </a:ln>
-                        <a:solidFill>
-                          <a:srgbClr val="C00000"/>
-                        </a:solidFill>
-                        <a:effectLst/>
-                        <a:latin typeface="맑은 고딕" pitchFamily="50" charset="-127"/>
-                        <a:ea typeface="맑은 고딕" pitchFamily="50" charset="-127"/>
-                      </a:endParaRPr>
-                    </a:p>
-                    <a:p>
-                      <a:pPr marL="0" marR="0" lvl="0" indent="0" algn="ctr" defTabSz="914400" rtl="0" eaLnBrk="1" fontAlgn="base" latinLnBrk="1" hangingPunct="1">
-                        <a:lnSpc>
-                          <a:spcPct val="100000"/>
-                        </a:lnSpc>
-                        <a:spcBef>
-                          <a:spcPct val="20000"/>
-                        </a:spcBef>
-                        <a:spcAft>
-                          <a:spcPct val="0"/>
-                        </a:spcAft>
-                        <a:buClrTx/>
-                        <a:buSzTx/>
-                        <a:buFontTx/>
-                        <a:buNone/>
-                        <a:tabLst/>
-                        <a:defRPr/>
-                      </a:pPr>
                       <a:r>
                         <a:rPr kumimoji="1" lang="en-US" altLang="ko-KR" sz="1600" b="0" i="0" u="none" strike="noStrike" cap="none" normalizeH="0" baseline="0" dirty="0">
                           <a:ln>
@@ -26656,35 +25487,6 @@
                         </a:rPr>
                         <a:t>-</a:t>
                       </a:r>
-                    </a:p>
-                    <a:p>
-                      <a:pPr marL="0" marR="0" lvl="0" indent="0" algn="ctr" defTabSz="914400" rtl="0" eaLnBrk="1" fontAlgn="base" latinLnBrk="1" hangingPunct="1">
-                        <a:lnSpc>
-                          <a:spcPct val="100000"/>
-                        </a:lnSpc>
-                        <a:spcBef>
-                          <a:spcPct val="20000"/>
-                        </a:spcBef>
-                        <a:spcAft>
-                          <a:spcPct val="0"/>
-                        </a:spcAft>
-                        <a:buClrTx/>
-                        <a:buSzTx/>
-                        <a:buFontTx/>
-                        <a:buNone/>
-                        <a:tabLst/>
-                      </a:pPr>
-                      <a:endParaRPr kumimoji="1" lang="en-US" altLang="ko-KR" sz="1600" b="0" i="0" u="none" strike="noStrike" cap="none" normalizeH="0" baseline="0" dirty="0">
-                        <a:ln>
-                          <a:noFill/>
-                        </a:ln>
-                        <a:solidFill>
-                          <a:srgbClr val="C00000"/>
-                        </a:solidFill>
-                        <a:effectLst/>
-                        <a:latin typeface="맑은 고딕" pitchFamily="50" charset="-127"/>
-                        <a:ea typeface="맑은 고딕" pitchFamily="50" charset="-127"/>
-                      </a:endParaRPr>
                     </a:p>
                   </a:txBody>
                   <a:tcPr anchor="ctr" horzOverflow="overflow">
@@ -26853,6 +25655,57 @@
                         <a:t>+/-</a:t>
                       </a:r>
                     </a:p>
+                  </a:txBody>
+                  <a:tcPr anchor="ctr" horzOverflow="overflow">
+                    <a:lnL w="12700" cap="flat" cmpd="sng" algn="ctr">
+                      <a:solidFill>
+                        <a:sysClr val="windowText" lastClr="000000"/>
+                      </a:solidFill>
+                      <a:prstDash val="solid"/>
+                      <a:round/>
+                      <a:headEnd type="none" w="med" len="med"/>
+                      <a:tailEnd type="none" w="med" len="med"/>
+                    </a:lnL>
+                    <a:lnR w="12700" cap="flat" cmpd="sng" algn="ctr">
+                      <a:solidFill>
+                        <a:sysClr val="windowText" lastClr="000000"/>
+                      </a:solidFill>
+                      <a:prstDash val="solid"/>
+                      <a:round/>
+                      <a:headEnd type="none" w="med" len="med"/>
+                      <a:tailEnd type="none" w="med" len="med"/>
+                    </a:lnR>
+                    <a:lnT w="12700" cap="flat" cmpd="sng" algn="ctr">
+                      <a:solidFill>
+                        <a:sysClr val="windowText" lastClr="000000"/>
+                      </a:solidFill>
+                      <a:prstDash val="solid"/>
+                      <a:round/>
+                      <a:headEnd type="none" w="med" len="med"/>
+                      <a:tailEnd type="none" w="med" len="med"/>
+                    </a:lnT>
+                    <a:lnB w="12700" cap="flat" cmpd="sng" algn="ctr">
+                      <a:solidFill>
+                        <a:sysClr val="windowText" lastClr="000000"/>
+                      </a:solidFill>
+                      <a:prstDash val="solid"/>
+                      <a:round/>
+                      <a:headEnd type="none" w="med" len="med"/>
+                      <a:tailEnd type="none" w="med" len="med"/>
+                    </a:lnB>
+                    <a:lnTlToBr>
+                      <a:noFill/>
+                    </a:lnTlToBr>
+                    <a:lnBlToTr>
+                      <a:noFill/>
+                    </a:lnBlToTr>
+                    <a:noFill/>
+                  </a:tcPr>
+                </a:tc>
+                <a:tc>
+                  <a:txBody>
+                    <a:bodyPr/>
+                    <a:lstStyle/>
                     <a:p>
                       <a:pPr marL="0" marR="0" lvl="0" indent="0" algn="ctr" defTabSz="914400" rtl="0" eaLnBrk="1" fontAlgn="base" latinLnBrk="1" hangingPunct="1">
                         <a:lnSpc>
@@ -26869,18 +25722,22 @@
                         <a:buFontTx/>
                         <a:buNone/>
                         <a:tabLst/>
+                        <a:defRPr/>
                       </a:pPr>
-                      <a:endParaRPr kumimoji="1" lang="en-US" altLang="ko-KR" sz="1600" b="0" i="0" u="none" strike="noStrike" cap="none" normalizeH="0" baseline="0" dirty="0">
-                        <a:ln>
-                          <a:noFill/>
-                        </a:ln>
-                        <a:solidFill>
-                          <a:srgbClr val="C00000"/>
-                        </a:solidFill>
-                        <a:effectLst/>
-                        <a:latin typeface="맑은 고딕" pitchFamily="50" charset="-127"/>
-                        <a:ea typeface="맑은 고딕" pitchFamily="50" charset="-127"/>
-                      </a:endParaRPr>
+                      <a:r>
+                        <a:rPr kumimoji="1" lang="en-US" altLang="ko-KR" sz="1600" b="0" i="0" u="none" strike="noStrike" cap="none" normalizeH="0" baseline="0" dirty="0">
+                          <a:ln>
+                            <a:noFill/>
+                          </a:ln>
+                          <a:solidFill>
+                            <a:srgbClr val="C00000"/>
+                          </a:solidFill>
+                          <a:effectLst/>
+                          <a:latin typeface="맑은 고딕" pitchFamily="50" charset="-127"/>
+                          <a:ea typeface="맑은 고딕" pitchFamily="50" charset="-127"/>
+                        </a:rPr>
+                        <a:t>-</a:t>
+                      </a:r>
                     </a:p>
                   </a:txBody>
                   <a:tcPr anchor="ctr" horzOverflow="overflow">
@@ -26966,148 +25823,6 @@
                         <a:t>-</a:t>
                       </a:r>
                     </a:p>
-                    <a:p>
-                      <a:pPr marL="0" marR="0" lvl="0" indent="0" algn="ctr" defTabSz="914400" rtl="0" eaLnBrk="1" fontAlgn="base" latinLnBrk="1" hangingPunct="1">
-                        <a:lnSpc>
-                          <a:spcPct val="100000"/>
-                        </a:lnSpc>
-                        <a:spcBef>
-                          <a:spcPct val="20000"/>
-                        </a:spcBef>
-                        <a:spcAft>
-                          <a:spcPct val="0"/>
-                        </a:spcAft>
-                        <a:buClrTx/>
-                        <a:buSzTx/>
-                        <a:buFontTx/>
-                        <a:buNone/>
-                        <a:tabLst/>
-                      </a:pPr>
-                      <a:endParaRPr kumimoji="1" lang="en-US" altLang="ko-KR" sz="1600" b="0" i="0" u="none" strike="noStrike" cap="none" normalizeH="0" baseline="0" dirty="0">
-                        <a:ln>
-                          <a:noFill/>
-                        </a:ln>
-                        <a:solidFill>
-                          <a:srgbClr val="C00000"/>
-                        </a:solidFill>
-                        <a:effectLst/>
-                        <a:latin typeface="맑은 고딕" pitchFamily="50" charset="-127"/>
-                        <a:ea typeface="맑은 고딕" pitchFamily="50" charset="-127"/>
-                      </a:endParaRPr>
-                    </a:p>
-                  </a:txBody>
-                  <a:tcPr anchor="ctr" horzOverflow="overflow">
-                    <a:lnL w="12700" cap="flat" cmpd="sng" algn="ctr">
-                      <a:solidFill>
-                        <a:sysClr val="windowText" lastClr="000000"/>
-                      </a:solidFill>
-                      <a:prstDash val="solid"/>
-                      <a:round/>
-                      <a:headEnd type="none" w="med" len="med"/>
-                      <a:tailEnd type="none" w="med" len="med"/>
-                    </a:lnL>
-                    <a:lnR w="12700" cap="flat" cmpd="sng" algn="ctr">
-                      <a:solidFill>
-                        <a:sysClr val="windowText" lastClr="000000"/>
-                      </a:solidFill>
-                      <a:prstDash val="solid"/>
-                      <a:round/>
-                      <a:headEnd type="none" w="med" len="med"/>
-                      <a:tailEnd type="none" w="med" len="med"/>
-                    </a:lnR>
-                    <a:lnT w="12700" cap="flat" cmpd="sng" algn="ctr">
-                      <a:solidFill>
-                        <a:sysClr val="windowText" lastClr="000000"/>
-                      </a:solidFill>
-                      <a:prstDash val="solid"/>
-                      <a:round/>
-                      <a:headEnd type="none" w="med" len="med"/>
-                      <a:tailEnd type="none" w="med" len="med"/>
-                    </a:lnT>
-                    <a:lnB w="12700" cap="flat" cmpd="sng" algn="ctr">
-                      <a:solidFill>
-                        <a:sysClr val="windowText" lastClr="000000"/>
-                      </a:solidFill>
-                      <a:prstDash val="solid"/>
-                      <a:round/>
-                      <a:headEnd type="none" w="med" len="med"/>
-                      <a:tailEnd type="none" w="med" len="med"/>
-                    </a:lnB>
-                    <a:lnTlToBr>
-                      <a:noFill/>
-                    </a:lnTlToBr>
-                    <a:lnBlToTr>
-                      <a:noFill/>
-                    </a:lnBlToTr>
-                    <a:noFill/>
-                  </a:tcPr>
-                </a:tc>
-                <a:tc>
-                  <a:txBody>
-                    <a:bodyPr/>
-                    <a:lstStyle/>
-                    <a:p>
-                      <a:pPr marL="0" marR="0" lvl="0" indent="0" algn="ctr" defTabSz="914400" rtl="0" eaLnBrk="1" fontAlgn="base" latinLnBrk="1" hangingPunct="1">
-                        <a:lnSpc>
-                          <a:spcPct val="100000"/>
-                        </a:lnSpc>
-                        <a:spcBef>
-                          <a:spcPct val="20000"/>
-                        </a:spcBef>
-                        <a:spcAft>
-                          <a:spcPct val="0"/>
-                        </a:spcAft>
-                        <a:buClrTx/>
-                        <a:buSzTx/>
-                        <a:buFontTx/>
-                        <a:buNone/>
-                        <a:tabLst/>
-                        <a:defRPr/>
-                      </a:pPr>
-                      <a:r>
-                        <a:rPr kumimoji="1" lang="en-US" altLang="ko-KR" sz="1600" b="0" i="0" u="none" strike="noStrike" cap="none" normalizeH="0" baseline="0" dirty="0">
-                          <a:ln>
-                            <a:noFill/>
-                          </a:ln>
-                          <a:solidFill>
-                            <a:srgbClr val="C00000"/>
-                          </a:solidFill>
-                          <a:effectLst/>
-                          <a:latin typeface="맑은 고딕" pitchFamily="50" charset="-127"/>
-                          <a:ea typeface="맑은 고딕" pitchFamily="50" charset="-127"/>
-                        </a:rPr>
-                        <a:t>-</a:t>
-                      </a:r>
-                    </a:p>
-                    <a:p>
-                      <a:pPr marL="0" marR="0" lvl="0" indent="0" algn="ctr" defTabSz="914400" rtl="0" eaLnBrk="1" fontAlgn="base" latinLnBrk="1" hangingPunct="1">
-                        <a:lnSpc>
-                          <a:spcPct val="100000"/>
-                        </a:lnSpc>
-                        <a:spcBef>
-                          <a:spcPct val="20000"/>
-                        </a:spcBef>
-                        <a:spcAft>
-                          <a:spcPct val="0"/>
-                        </a:spcAft>
-                        <a:buClrTx/>
-                        <a:buSzTx/>
-                        <a:buFontTx/>
-                        <a:buNone/>
-                        <a:tabLst/>
-                      </a:pPr>
-                      <a:endParaRPr kumimoji="1" lang="en-US" altLang="ko-KR" sz="1600" b="0" i="0" u="none" strike="noStrike" cap="none" normalizeH="0" baseline="0" dirty="0">
-                        <a:ln>
-                          <a:noFill/>
-                        </a:ln>
-                        <a:solidFill>
-                          <a:srgbClr val="C00000"/>
-                        </a:solidFill>
-                        <a:effectLst/>
-                        <a:latin typeface="맑은 고딕" pitchFamily="50" charset="-127"/>
-                        <a:ea typeface="맑은 고딕" pitchFamily="50" charset="-127"/>
-                      </a:endParaRPr>
-                    </a:p>
                   </a:txBody>
                   <a:tcPr anchor="ctr" horzOverflow="overflow">
                     <a:lnL w="12700" cap="flat" cmpd="sng" algn="ctr">
@@ -27161,7 +25876,7 @@
                   </a:ext>
                 </a:extLst>
               </a:tr>
-              <a:tr h="701675">
+              <a:tr h="673157">
                 <a:tc>
                   <a:txBody>
                     <a:bodyPr/>
@@ -27260,7 +25975,7 @@
                         <a:tabLst/>
                       </a:pPr>
                       <a:r>
-                        <a:rPr kumimoji="1" lang="en-US" altLang="ko-KR" sz="1600" b="1" i="0" u="none" strike="noStrike" cap="none" normalizeH="0" baseline="0">
+                        <a:rPr kumimoji="1" lang="en-US" altLang="ko-KR" sz="1600" b="1" i="0" u="none" strike="noStrike" cap="none" normalizeH="0" baseline="0" dirty="0" err="1">
                           <a:ln>
                             <a:noFill/>
                           </a:ln>
@@ -27271,7 +25986,21 @@
                           <a:latin typeface="맑은 고딕" pitchFamily="50" charset="-127"/>
                           <a:ea typeface="맑은 고딕" pitchFamily="50" charset="-127"/>
                         </a:rPr>
-                        <a:t>NaSSA:</a:t>
+                        <a:t>NaSSA</a:t>
+                      </a:r>
+                      <a:r>
+                        <a:rPr kumimoji="1" lang="en-US" altLang="ko-KR" sz="1600" b="1" i="0" u="none" strike="noStrike" cap="none" normalizeH="0" baseline="0" dirty="0">
+                          <a:ln>
+                            <a:noFill/>
+                          </a:ln>
+                          <a:solidFill>
+                            <a:srgbClr val="0070C0"/>
+                          </a:solidFill>
+                          <a:effectLst/>
+                          <a:latin typeface="맑은 고딕" pitchFamily="50" charset="-127"/>
+                          <a:ea typeface="맑은 고딕" pitchFamily="50" charset="-127"/>
+                        </a:rPr>
+                        <a:t>:</a:t>
                       </a:r>
                     </a:p>
                     <a:p>
@@ -27292,7 +26021,7 @@
                         <a:tabLst/>
                       </a:pPr>
                       <a:r>
-                        <a:rPr kumimoji="1" lang="en-US" altLang="ko-KR" sz="1600" b="1" i="0" u="none" strike="noStrike" cap="none" normalizeH="0" baseline="0">
+                        <a:rPr kumimoji="1" lang="en-US" altLang="ko-KR" sz="1600" b="1" i="0" u="none" strike="noStrike" cap="none" normalizeH="0" baseline="0" dirty="0">
                           <a:ln>
                             <a:noFill/>
                           </a:ln>
@@ -27769,7 +26498,7 @@
                         <a:tabLst/>
                       </a:pPr>
                       <a:r>
-                        <a:rPr kumimoji="1" lang="en-US" altLang="ko-KR" sz="1600" b="0" i="0" u="none" strike="noStrike" cap="none" normalizeH="0" baseline="0">
+                        <a:rPr kumimoji="1" lang="en-US" altLang="ko-KR" sz="1600" b="0" i="0" u="none" strike="noStrike" cap="none" normalizeH="0" baseline="0" dirty="0">
                           <a:ln>
                             <a:noFill/>
                           </a:ln>
@@ -28592,8 +27321,8 @@
         </p:nvSpPr>
         <p:spPr>
           <a:xfrm>
-            <a:off x="1518050" y="184773"/>
-            <a:ext cx="9151200" cy="612000"/>
+            <a:off x="549728" y="300311"/>
+            <a:ext cx="11092543" cy="612000"/>
           </a:xfrm>
           <a:prstGeom prst="rect">
             <a:avLst/>
@@ -28611,20 +27340,14 @@
           <a:lstStyle/>
           <a:p>
             <a:r>
-              <a:rPr lang="en-US" sz="2800" b="1" dirty="0">
-                <a:solidFill>
-                  <a:srgbClr val="C00000"/>
-                </a:solidFill>
+              <a:rPr lang="en-US" sz="4400" dirty="0">
                 <a:latin typeface="맑은 고딕" panose="020B0503020000020004" pitchFamily="50" charset="-127"/>
                 <a:ea typeface="맑은 고딕" panose="020B0503020000020004" pitchFamily="50" charset="-127"/>
               </a:rPr>
               <a:t>  </a:t>
             </a:r>
             <a:r>
-              <a:rPr lang="en-US" altLang="ko-KR" sz="2800" b="1" dirty="0">
-                <a:solidFill>
-                  <a:srgbClr val="C00000"/>
-                </a:solidFill>
+              <a:rPr lang="en-US" altLang="ko-KR" sz="4400" dirty="0">
                 <a:latin typeface="맑은 고딕"/>
                 <a:ea typeface="맑은 고딕"/>
               </a:rPr>
@@ -29346,112 +28069,14 @@
       </p:grpSpPr>
       <p:sp>
         <p:nvSpPr>
-          <p:cNvPr id="2" name="Shape 30"/>
-          <p:cNvSpPr/>
-          <p:nvPr/>
-        </p:nvSpPr>
-        <p:spPr>
-          <a:xfrm>
-            <a:off x="1553312" y="316816"/>
-            <a:ext cx="9151200" cy="612000"/>
-          </a:xfrm>
-          <a:prstGeom prst="rect">
-            <a:avLst/>
-          </a:prstGeom>
-          <a:noFill/>
-          <a:ln>
-            <a:noFill/>
-          </a:ln>
-          <a:effectLst/>
-        </p:spPr>
-        <p:txBody>
-          <a:bodyPr lIns="91425" tIns="91425" rIns="91425" bIns="91425" anchor="ctr" anchorCtr="0">
-            <a:noAutofit/>
-          </a:bodyPr>
-          <a:lstStyle/>
-          <a:p>
-            <a:r>
-              <a:rPr lang="en-US" sz="2800" b="1" dirty="0">
-                <a:solidFill>
-                  <a:srgbClr val="C00000"/>
-                </a:solidFill>
-                <a:latin typeface="맑은 고딕" panose="020B0503020000020004" pitchFamily="50" charset="-127"/>
-                <a:ea typeface="맑은 고딕" panose="020B0503020000020004" pitchFamily="50" charset="-127"/>
-              </a:rPr>
-              <a:t>  </a:t>
-            </a:r>
-            <a:r>
-              <a:rPr lang="en-US" altLang="ko-KR" sz="2800" b="1" dirty="0">
-                <a:solidFill>
-                  <a:srgbClr val="C00000"/>
-                </a:solidFill>
-                <a:latin typeface="맑은 고딕"/>
-                <a:ea typeface="맑은 고딕"/>
-              </a:rPr>
-              <a:t>Adding </a:t>
-            </a:r>
-            <a:r>
-              <a:rPr lang="en-US" altLang="ko-KR" sz="2800" b="1" dirty="0" err="1">
-                <a:solidFill>
-                  <a:srgbClr val="C00000"/>
-                </a:solidFill>
-                <a:latin typeface="맑은 고딕"/>
-                <a:ea typeface="맑은 고딕"/>
-              </a:rPr>
-              <a:t>milnacipran</a:t>
-            </a:r>
-            <a:r>
-              <a:rPr lang="en-US" altLang="ko-KR" sz="2800" b="1" dirty="0">
-                <a:solidFill>
-                  <a:srgbClr val="C00000"/>
-                </a:solidFill>
-                <a:latin typeface="맑은 고딕"/>
-                <a:ea typeface="맑은 고딕"/>
-              </a:rPr>
-              <a:t> in patients with  </a:t>
-            </a:r>
-          </a:p>
-          <a:p>
-            <a:r>
-              <a:rPr lang="en-US" altLang="ko-KR" sz="2800" b="1" dirty="0">
-                <a:solidFill>
-                  <a:srgbClr val="C00000"/>
-                </a:solidFill>
-                <a:latin typeface="맑은 고딕"/>
-                <a:ea typeface="맑은 고딕"/>
-              </a:rPr>
-              <a:t>  incomplete response to </a:t>
-            </a:r>
-            <a:r>
-              <a:rPr lang="en-US" altLang="ko-KR" sz="2800" b="1" dirty="0" err="1">
-                <a:solidFill>
-                  <a:srgbClr val="C00000"/>
-                </a:solidFill>
-                <a:latin typeface="맑은 고딕"/>
-                <a:ea typeface="맑은 고딕"/>
-              </a:rPr>
-              <a:t>pregabalin</a:t>
-            </a:r>
-            <a:endParaRPr lang="en-US" altLang="ko-KR" sz="2800" b="1" dirty="0">
-              <a:solidFill>
-                <a:srgbClr val="C00000"/>
-              </a:solidFill>
-              <a:latin typeface="맑은 고딕"/>
-              <a:ea typeface="맑은 고딕"/>
-            </a:endParaRPr>
-          </a:p>
-        </p:txBody>
-      </p:sp>
-      <p:sp>
-        <p:nvSpPr>
           <p:cNvPr id="3" name="Shape 321"/>
           <p:cNvSpPr/>
           <p:nvPr/>
         </p:nvSpPr>
         <p:spPr>
           <a:xfrm>
-            <a:off x="3359697" y="4705420"/>
-            <a:ext cx="6407287" cy="1295400"/>
+            <a:off x="6096000" y="2445229"/>
+            <a:ext cx="5606143" cy="3024336"/>
           </a:xfrm>
           <a:prstGeom prst="rect">
             <a:avLst/>
@@ -29471,7 +28096,7 @@
               <a:buSzPct val="25000"/>
             </a:pPr>
             <a:r>
-              <a:rPr lang="en-US" altLang="ko" sz="1400" kern="0" dirty="0">
+              <a:rPr lang="en-US" altLang="ko" sz="2000" kern="0" dirty="0">
                 <a:solidFill>
                   <a:srgbClr val="000000"/>
                 </a:solidFill>
@@ -29480,14 +28105,38 @@
                 <a:cs typeface="Arial" panose="020B0604020202020204" pitchFamily="34" charset="0"/>
                 <a:sym typeface="Arial"/>
               </a:rPr>
-              <a:t>Multicenter, randomized, open-label, controlled study</a:t>
+              <a:t>Multicenter, randomized, open-label</a:t>
+            </a:r>
+            <a:r>
+              <a:rPr lang="ko-KR" altLang="en-US" sz="2000" kern="0" dirty="0">
+                <a:solidFill>
+                  <a:srgbClr val="000000"/>
+                </a:solidFill>
+                <a:latin typeface="Arial" panose="020B0604020202020204" pitchFamily="34" charset="0"/>
+                <a:ea typeface="맑은 고딕"/>
+                <a:cs typeface="Arial" panose="020B0604020202020204" pitchFamily="34" charset="0"/>
+                <a:sym typeface="Arial"/>
+              </a:rPr>
+              <a:t> </a:t>
+            </a:r>
+            <a:r>
+              <a:rPr lang="en-US" altLang="ko" sz="2000" kern="0" dirty="0">
+                <a:solidFill>
+                  <a:srgbClr val="000000"/>
+                </a:solidFill>
+                <a:latin typeface="Arial" panose="020B0604020202020204" pitchFamily="34" charset="0"/>
+                <a:ea typeface="맑은 고딕"/>
+                <a:cs typeface="Arial" panose="020B0604020202020204" pitchFamily="34" charset="0"/>
+                <a:sym typeface="Arial"/>
+              </a:rPr>
+              <a:t>study</a:t>
             </a:r>
           </a:p>
           <a:p>
             <a:pPr latinLnBrk="0">
               <a:buSzPct val="25000"/>
             </a:pPr>
-            <a:endParaRPr lang="en-US" altLang="ko" sz="1400" kern="0" dirty="0">
+            <a:endParaRPr lang="en-US" altLang="ko" sz="2000" kern="0" dirty="0">
               <a:solidFill>
                 <a:srgbClr val="000000"/>
               </a:solidFill>
@@ -29502,7 +28151,7 @@
               <a:buSzPct val="25000"/>
             </a:pPr>
             <a:r>
-              <a:rPr lang="en-US" altLang="ko" sz="1400" kern="0" dirty="0">
+              <a:rPr lang="en-US" altLang="ko" sz="2000" kern="0" dirty="0">
                 <a:solidFill>
                   <a:srgbClr val="000000"/>
                 </a:solidFill>
@@ -29511,7 +28160,7 @@
                 <a:cs typeface="Arial" panose="020B0604020202020204" pitchFamily="34" charset="0"/>
                 <a:sym typeface="Arial"/>
               </a:rPr>
-              <a:t>- 3 periods : 4-to 12- week PGN run-in treatment period, </a:t>
+              <a:t>3 periods : </a:t>
             </a:r>
           </a:p>
           <a:p>
@@ -29519,7 +28168,7 @@
               <a:buSzPct val="25000"/>
             </a:pPr>
             <a:r>
-              <a:rPr lang="en-US" altLang="ko" sz="1400" kern="0" dirty="0">
+              <a:rPr lang="ko-KR" altLang="en-US" sz="2000" kern="0" dirty="0">
                 <a:solidFill>
                   <a:srgbClr val="000000"/>
                 </a:solidFill>
@@ -29528,15 +28177,10 @@
                 <a:cs typeface="Arial" panose="020B0604020202020204" pitchFamily="34" charset="0"/>
                 <a:sym typeface="Arial"/>
               </a:rPr>
-              <a:t>                 11-week randomized treatment period</a:t>
-            </a:r>
-          </a:p>
-          <a:p>
-            <a:pPr latinLnBrk="0">
-              <a:buSzPct val="25000"/>
-            </a:pPr>
-            <a:r>
-              <a:rPr lang="en-US" altLang="ko" sz="1400" kern="0" dirty="0">
+              <a:t>   </a:t>
+            </a:r>
+            <a:r>
+              <a:rPr lang="en-US" altLang="ko" sz="2000" kern="0" dirty="0">
                 <a:solidFill>
                   <a:srgbClr val="000000"/>
                 </a:solidFill>
@@ -29545,7 +28189,7 @@
                 <a:cs typeface="Arial" panose="020B0604020202020204" pitchFamily="34" charset="0"/>
                 <a:sym typeface="Arial"/>
               </a:rPr>
-              <a:t>                 (1 week of dose escalation and 10 weeks of stable-dose treatment), </a:t>
+              <a:t>4-to 12- week PGN run-in treatment period, </a:t>
             </a:r>
           </a:p>
           <a:p>
@@ -29553,7 +28197,7 @@
               <a:buSzPct val="25000"/>
             </a:pPr>
             <a:r>
-              <a:rPr lang="en-US" altLang="ko" sz="1400" kern="0" dirty="0">
+              <a:rPr lang="en-US" altLang="ko" sz="2000" kern="0" dirty="0">
                 <a:solidFill>
                   <a:srgbClr val="000000"/>
                 </a:solidFill>
@@ -29562,7 +28206,106 @@
                 <a:cs typeface="Arial" panose="020B0604020202020204" pitchFamily="34" charset="0"/>
                 <a:sym typeface="Arial"/>
               </a:rPr>
-              <a:t>                  and a 1-week minimum PGN discontinuation period</a:t>
+              <a:t>  </a:t>
+            </a:r>
+            <a:r>
+              <a:rPr lang="ko-KR" altLang="en-US" sz="2000" kern="0" dirty="0">
+                <a:solidFill>
+                  <a:srgbClr val="000000"/>
+                </a:solidFill>
+                <a:latin typeface="Arial" panose="020B0604020202020204" pitchFamily="34" charset="0"/>
+                <a:ea typeface="맑은 고딕"/>
+                <a:cs typeface="Arial" panose="020B0604020202020204" pitchFamily="34" charset="0"/>
+                <a:sym typeface="Arial"/>
+              </a:rPr>
+              <a:t> </a:t>
+            </a:r>
+            <a:r>
+              <a:rPr lang="en-US" altLang="ko" sz="2000" kern="0" dirty="0">
+                <a:solidFill>
+                  <a:srgbClr val="000000"/>
+                </a:solidFill>
+                <a:latin typeface="Arial" panose="020B0604020202020204" pitchFamily="34" charset="0"/>
+                <a:ea typeface="맑은 고딕"/>
+                <a:cs typeface="Arial" panose="020B0604020202020204" pitchFamily="34" charset="0"/>
+                <a:sym typeface="Arial"/>
+              </a:rPr>
+              <a:t>11-week randomized treatment period</a:t>
+            </a:r>
+          </a:p>
+          <a:p>
+            <a:pPr latinLnBrk="0">
+              <a:buSzPct val="25000"/>
+            </a:pPr>
+            <a:r>
+              <a:rPr lang="en-US" altLang="ko" sz="2000" kern="0" dirty="0">
+                <a:solidFill>
+                  <a:srgbClr val="000000"/>
+                </a:solidFill>
+                <a:latin typeface="Arial" panose="020B0604020202020204" pitchFamily="34" charset="0"/>
+                <a:ea typeface="맑은 고딕"/>
+                <a:cs typeface="Arial" panose="020B0604020202020204" pitchFamily="34" charset="0"/>
+                <a:sym typeface="Arial"/>
+              </a:rPr>
+              <a:t>        (1 week of dose escalation and </a:t>
+            </a:r>
+          </a:p>
+          <a:p>
+            <a:pPr latinLnBrk="0">
+              <a:buSzPct val="25000"/>
+            </a:pPr>
+            <a:r>
+              <a:rPr lang="ko-KR" altLang="en-US" sz="2000" kern="0" dirty="0">
+                <a:solidFill>
+                  <a:srgbClr val="000000"/>
+                </a:solidFill>
+                <a:latin typeface="Arial" panose="020B0604020202020204" pitchFamily="34" charset="0"/>
+                <a:ea typeface="맑은 고딕"/>
+                <a:cs typeface="Arial" panose="020B0604020202020204" pitchFamily="34" charset="0"/>
+                <a:sym typeface="Arial"/>
+              </a:rPr>
+              <a:t>                 </a:t>
+            </a:r>
+            <a:r>
+              <a:rPr lang="en-US" altLang="ko" sz="2000" kern="0" dirty="0">
+                <a:solidFill>
+                  <a:srgbClr val="000000"/>
+                </a:solidFill>
+                <a:latin typeface="Arial" panose="020B0604020202020204" pitchFamily="34" charset="0"/>
+                <a:ea typeface="맑은 고딕"/>
+                <a:cs typeface="Arial" panose="020B0604020202020204" pitchFamily="34" charset="0"/>
+                <a:sym typeface="Arial"/>
+              </a:rPr>
+              <a:t>10 weeks of stable-dose treatment), </a:t>
+            </a:r>
+          </a:p>
+          <a:p>
+            <a:pPr latinLnBrk="0">
+              <a:buSzPct val="25000"/>
+            </a:pPr>
+            <a:r>
+              <a:rPr lang="ko-KR" altLang="en-US" sz="2000" kern="0" dirty="0">
+                <a:solidFill>
+                  <a:srgbClr val="000000"/>
+                </a:solidFill>
+                <a:latin typeface="Arial" panose="020B0604020202020204" pitchFamily="34" charset="0"/>
+                <a:ea typeface="맑은 고딕"/>
+                <a:cs typeface="Arial" panose="020B0604020202020204" pitchFamily="34" charset="0"/>
+                <a:sym typeface="Arial"/>
+              </a:rPr>
+              <a:t>    </a:t>
+            </a:r>
+            <a:r>
+              <a:rPr lang="en-US" altLang="ko" sz="2000" kern="0" dirty="0">
+                <a:solidFill>
+                  <a:srgbClr val="000000"/>
+                </a:solidFill>
+                <a:latin typeface="Arial" panose="020B0604020202020204" pitchFamily="34" charset="0"/>
+                <a:ea typeface="맑은 고딕"/>
+                <a:cs typeface="Arial" panose="020B0604020202020204" pitchFamily="34" charset="0"/>
+                <a:sym typeface="Arial"/>
+              </a:rPr>
+              <a:t>1-week minimum PGN discontinuation period</a:t>
             </a:r>
           </a:p>
           <a:p>
@@ -29609,7 +28352,7 @@
         </p:nvSpPr>
         <p:spPr>
           <a:xfrm>
-            <a:off x="2021361" y="6646875"/>
+            <a:off x="2021361" y="6492875"/>
             <a:ext cx="8638200" cy="230832"/>
           </a:xfrm>
           <a:prstGeom prst="rect">
@@ -29703,8 +28446,8 @@
         </p:blipFill>
         <p:spPr>
           <a:xfrm>
-            <a:off x="3675931" y="1628800"/>
-            <a:ext cx="4850515" cy="3024336"/>
+            <a:off x="838201" y="2445228"/>
+            <a:ext cx="5097446" cy="3280657"/>
           </a:xfrm>
           <a:prstGeom prst="rect">
             <a:avLst/>
@@ -29715,6 +28458,55 @@
           </a:ln>
         </p:spPr>
       </p:pic>
+      <p:sp>
+        <p:nvSpPr>
+          <p:cNvPr id="5" name="제목 4">
+            <a:extLst>
+              <a:ext uri="{FF2B5EF4-FFF2-40B4-BE49-F238E27FC236}">
+                <a16:creationId xmlns:a16="http://schemas.microsoft.com/office/drawing/2014/main" id="{6A2DA18D-B5A9-F94C-9808-1D32E1DDBE2B}"/>
+              </a:ext>
+            </a:extLst>
+          </p:cNvPr>
+          <p:cNvSpPr>
+            <a:spLocks noGrp="1"/>
+          </p:cNvSpPr>
+          <p:nvPr>
+            <p:ph type="title"/>
+          </p:nvPr>
+        </p:nvSpPr>
+        <p:spPr/>
+        <p:txBody>
+          <a:bodyPr/>
+          <a:lstStyle/>
+          <a:p>
+            <a:r>
+              <a:rPr lang="en-US" altLang="ko-KR" dirty="0">
+                <a:latin typeface="맑은 고딕" panose="020B0503020000020004" pitchFamily="50" charset="-127"/>
+                <a:ea typeface="맑은 고딕" panose="020B0503020000020004" pitchFamily="50" charset="-127"/>
+              </a:rPr>
+              <a:t> </a:t>
+            </a:r>
+            <a:r>
+              <a:rPr lang="en-US" altLang="ko-KR" dirty="0">
+                <a:ea typeface="맑은 고딕"/>
+              </a:rPr>
+              <a:t>Adding milnacipran in patients with  </a:t>
+            </a:r>
+            <a:br>
+              <a:rPr lang="en-US" altLang="ko-KR" dirty="0">
+                <a:ea typeface="맑은 고딕"/>
+              </a:rPr>
+            </a:br>
+            <a:r>
+              <a:rPr lang="en-US" altLang="ko-KR" dirty="0">
+                <a:ea typeface="맑은 고딕"/>
+              </a:rPr>
+              <a:t>  incomplete response to pregabalin</a:t>
+            </a:r>
+            <a:endParaRPr kumimoji="1" lang="ko-KR" altLang="en-US" dirty="0"/>
+          </a:p>
+        </p:txBody>
+      </p:sp>
     </p:spTree>
     <p:extLst>
       <p:ext uri="{BB962C8B-B14F-4D97-AF65-F5344CB8AC3E}">
@@ -29894,14 +28686,14 @@
               <a:t>■ </a:t>
             </a:r>
             <a:r>
-              <a:rPr kumimoji="1" lang="en-US" altLang="ko-KR" b="1" dirty="0" err="1">
+              <a:rPr kumimoji="1" lang="en-US" altLang="ko-KR" b="1" dirty="0">
                 <a:solidFill>
                   <a:srgbClr val="000000"/>
                 </a:solidFill>
                 <a:latin typeface="맑은 고딕"/>
                 <a:ea typeface="맑은 고딕"/>
               </a:rPr>
-              <a:t>Milnaciplan</a:t>
+              <a:t>Milnacipran</a:t>
             </a:r>
             <a:r>
               <a:rPr kumimoji="1" lang="ko-KR" altLang="en-US" b="1" dirty="0">
@@ -30229,11 +29021,11 @@
               <a:t> 치료에도 </a:t>
             </a:r>
             <a:r>
-              <a:rPr lang="en-US" altLang="ko-KR" sz="2000" dirty="0" err="1">
+              <a:rPr lang="en-US" altLang="ko-KR" sz="2000" dirty="0">
                 <a:latin typeface="맑은 고딕" panose="020B0503020000020004" pitchFamily="50" charset="-127"/>
                 <a:ea typeface="맑은 고딕" panose="020B0503020000020004" pitchFamily="50" charset="-127"/>
               </a:rPr>
-              <a:t>milnaciplan</a:t>
+              <a:t>milnacipran</a:t>
             </a:r>
             <a:r>
               <a:rPr lang="ko-KR" altLang="en-US" sz="2000" dirty="0">
@@ -30435,8 +29227,8 @@
               </a:lnSpc>
             </a:pPr>
             <a:r>
-              <a:rPr lang="en-US" altLang="ko-KR" sz="2000" dirty="0" err="1"/>
-              <a:t>Milacipran</a:t>
+              <a:rPr lang="en-US" altLang="ko-KR" sz="2000" dirty="0"/>
+              <a:t>Milnacipran</a:t>
             </a:r>
             <a:r>
               <a:rPr lang="ko-KR" altLang="en-US" sz="2000" dirty="0"/>
@@ -30555,7 +29347,7 @@
             </a:pPr>
             <a:r>
               <a:rPr lang="en-US" altLang="ko-KR" sz="2000" dirty="0"/>
-              <a:t>Five of more of the following symptoms (clearly not due to another medical condition)</a:t>
+              <a:t>Five or more of the following symptoms (clearly not due to another medical condition)</a:t>
             </a:r>
           </a:p>
           <a:p>
@@ -32436,14 +31228,14 @@
           <p:nvPr>
             <p:extLst>
               <p:ext uri="{D42A27DB-BD31-4B8C-83A1-F6EECF244321}">
-                <p14:modId xmlns:p14="http://schemas.microsoft.com/office/powerpoint/2010/main" val="3694812913"/>
+                <p14:modId xmlns:p14="http://schemas.microsoft.com/office/powerpoint/2010/main" val="530885304"/>
               </p:ext>
             </p:extLst>
           </p:nvPr>
         </p:nvGraphicFramePr>
         <p:xfrm>
           <a:off x="838200" y="1690688"/>
-          <a:ext cx="10515601" cy="4032448"/>
+          <a:ext cx="10515601" cy="3612832"/>
         </p:xfrm>
         <a:graphic>
           <a:graphicData uri="http://schemas.openxmlformats.org/drawingml/2006/table">
@@ -32474,7 +31266,7 @@
                   </a:extLst>
                 </a:gridCol>
               </a:tblGrid>
-              <a:tr h="432048">
+              <a:tr h="387089">
                 <a:tc>
                   <a:txBody>
                     <a:bodyPr/>
@@ -32505,7 +31297,7 @@
                           <a:latin typeface="맑은 고딕" pitchFamily="50" charset="-127"/>
                           <a:ea typeface="맑은 고딕" pitchFamily="50" charset="-127"/>
                         </a:rPr>
-                        <a:t>적용</a:t>
+                        <a:t>장점</a:t>
                       </a:r>
                     </a:p>
                   </a:txBody>
@@ -32537,7 +31329,7 @@
                   </a:ext>
                 </a:extLst>
               </a:tr>
-              <a:tr h="3600400">
+              <a:tr h="3225743">
                 <a:tc>
                   <a:txBody>
                     <a:bodyPr/>
@@ -32566,30 +31358,7 @@
                     <a:p>
                       <a:pPr marL="0" marR="0" indent="0" algn="l" defTabSz="914400" rtl="0" eaLnBrk="1" fontAlgn="auto" latinLnBrk="1" hangingPunct="1">
                         <a:lnSpc>
-                          <a:spcPct val="100000"/>
-                        </a:lnSpc>
-                        <a:spcBef>
-                          <a:spcPts val="0"/>
-                        </a:spcBef>
-                        <a:spcAft>
-                          <a:spcPts val="0"/>
-                        </a:spcAft>
-                        <a:buClrTx/>
-                        <a:buSzTx/>
-                        <a:buFontTx/>
-                        <a:buNone/>
-                        <a:tabLst/>
-                        <a:defRPr/>
-                      </a:pPr>
-                      <a:endParaRPr lang="en-US" altLang="ko-KR" sz="1600">
-                        <a:latin typeface="맑은 고딕"/>
-                        <a:ea typeface="맑은 고딕"/>
-                      </a:endParaRPr>
-                    </a:p>
-                    <a:p>
-                      <a:pPr marL="0" marR="0" indent="0" algn="l" defTabSz="914400" rtl="0" eaLnBrk="1" fontAlgn="auto" latinLnBrk="1" hangingPunct="1">
-                        <a:lnSpc>
-                          <a:spcPct val="100000"/>
+                          <a:spcPct val="150000"/>
                         </a:lnSpc>
                         <a:spcBef>
                           <a:spcPts val="0"/>
@@ -32605,20 +31374,20 @@
                         <a:defRPr/>
                       </a:pPr>
                       <a:r>
-                        <a:rPr lang="ko-KR" altLang="en-US" sz="1600">
+                        <a:rPr lang="ko-KR" altLang="en-US" sz="1600" dirty="0" err="1">
                           <a:latin typeface="맑은 고딕"/>
                           <a:ea typeface="맑은 고딕"/>
                         </a:rPr>
                         <a:t>ㆍ</a:t>
                       </a:r>
                       <a:r>
-                        <a:rPr lang="ko-KR" altLang="en-US" sz="1600">
+                        <a:rPr lang="ko-KR" altLang="en-US" sz="1600" dirty="0" err="1">
                           <a:latin typeface="맑은 고딕" pitchFamily="50" charset="-127"/>
                           <a:ea typeface="맑은 고딕" pitchFamily="50" charset="-127"/>
                         </a:rPr>
                         <a:t>진정효과</a:t>
                       </a:r>
-                      <a:endParaRPr lang="en-US" altLang="ko-KR" sz="1600">
+                      <a:endParaRPr lang="en-US" altLang="ko-KR" sz="1600" dirty="0">
                         <a:latin typeface="맑은 고딕" pitchFamily="50" charset="-127"/>
                         <a:ea typeface="맑은 고딕" pitchFamily="50" charset="-127"/>
                       </a:endParaRPr>
@@ -32626,7 +31395,7 @@
                     <a:p>
                       <a:pPr marL="0" marR="0" indent="0" algn="l" defTabSz="914400" rtl="0" eaLnBrk="1" fontAlgn="auto" latinLnBrk="1" hangingPunct="1">
                         <a:lnSpc>
-                          <a:spcPct val="100000"/>
+                          <a:spcPct val="150000"/>
                         </a:lnSpc>
                         <a:spcBef>
                           <a:spcPts val="0"/>
@@ -32642,48 +31411,62 @@
                         <a:defRPr/>
                       </a:pPr>
                       <a:r>
-                        <a:rPr lang="en-US" altLang="ko-KR" sz="1600">
+                        <a:rPr lang="en-US" altLang="ko-KR" sz="1600" dirty="0">
                           <a:latin typeface="맑은 고딕" pitchFamily="50" charset="-127"/>
                           <a:ea typeface="맑은 고딕" pitchFamily="50" charset="-127"/>
                         </a:rPr>
                         <a:t>  </a:t>
                       </a:r>
                       <a:r>
-                        <a:rPr lang="ko-KR" altLang="en-US" sz="1600">
+                        <a:rPr lang="ko-KR" altLang="en-US" sz="1600" dirty="0">
                           <a:latin typeface="맑은 고딕" pitchFamily="50" charset="-127"/>
                           <a:ea typeface="맑은 고딕" pitchFamily="50" charset="-127"/>
                         </a:rPr>
                         <a:t> </a:t>
                       </a:r>
                       <a:r>
-                        <a:rPr lang="en-US" altLang="ko-KR" sz="1600">
+                        <a:rPr lang="en-US" altLang="ko-KR" sz="1600" dirty="0">
                           <a:latin typeface="맑은 고딕" pitchFamily="50" charset="-127"/>
                           <a:ea typeface="맑은 고딕" pitchFamily="50" charset="-127"/>
                         </a:rPr>
                         <a:t>: </a:t>
                       </a:r>
                       <a:r>
-                        <a:rPr lang="ko-KR" altLang="en-US" sz="1600">
+                        <a:rPr lang="ko-KR" altLang="en-US" sz="1600" dirty="0">
                           <a:latin typeface="맑은 고딕" pitchFamily="50" charset="-127"/>
                           <a:ea typeface="맑은 고딕" pitchFamily="50" charset="-127"/>
                         </a:rPr>
-                        <a:t>심한 초조성 행동</a:t>
+                        <a:t>심한 </a:t>
                       </a:r>
                       <a:r>
-                        <a:rPr lang="en-US" altLang="ko-KR" sz="1600">
+                        <a:rPr lang="ko-KR" altLang="en-US" sz="1600" dirty="0" err="1">
+                          <a:latin typeface="맑은 고딕" pitchFamily="50" charset="-127"/>
+                          <a:ea typeface="맑은 고딕" pitchFamily="50" charset="-127"/>
+                        </a:rPr>
+                        <a:t>초조성</a:t>
+                      </a:r>
+                      <a:r>
+                        <a:rPr lang="ko-KR" altLang="en-US" sz="1600" dirty="0">
+                          <a:latin typeface="맑은 고딕" pitchFamily="50" charset="-127"/>
+                          <a:ea typeface="맑은 고딕" pitchFamily="50" charset="-127"/>
+                        </a:rPr>
+                        <a:t> 행동</a:t>
+                      </a:r>
+                      <a:r>
+                        <a:rPr lang="en-US" altLang="ko-KR" sz="1600" dirty="0">
                           <a:latin typeface="맑은 고딕" pitchFamily="50" charset="-127"/>
                           <a:ea typeface="맑은 고딕" pitchFamily="50" charset="-127"/>
                         </a:rPr>
                         <a:t>,</a:t>
                       </a:r>
                       <a:r>
-                        <a:rPr lang="ko-KR" altLang="en-US" sz="1600">
+                        <a:rPr lang="ko-KR" altLang="en-US" sz="1600" dirty="0">
                           <a:latin typeface="맑은 고딕" pitchFamily="50" charset="-127"/>
                           <a:ea typeface="맑은 고딕" pitchFamily="50" charset="-127"/>
                         </a:rPr>
                         <a:t> 수면장애가 있는</a:t>
                       </a:r>
-                      <a:endParaRPr lang="en-US" altLang="ko-KR" sz="1600">
+                      <a:endParaRPr lang="en-US" altLang="ko-KR" sz="1600" dirty="0">
                         <a:latin typeface="맑은 고딕" pitchFamily="50" charset="-127"/>
                         <a:ea typeface="맑은 고딕" pitchFamily="50" charset="-127"/>
                       </a:endParaRPr>
@@ -32691,7 +31474,7 @@
                     <a:p>
                       <a:pPr marL="0" marR="0" indent="0" algn="l" defTabSz="914400" rtl="0" eaLnBrk="1" fontAlgn="auto" latinLnBrk="1" hangingPunct="1">
                         <a:lnSpc>
-                          <a:spcPct val="100000"/>
+                          <a:spcPct val="150000"/>
                         </a:lnSpc>
                         <a:spcBef>
                           <a:spcPts val="0"/>
@@ -32707,35 +31490,35 @@
                         <a:defRPr/>
                       </a:pPr>
                       <a:r>
-                        <a:rPr lang="en-US" altLang="ko-KR" sz="1600">
+                        <a:rPr lang="en-US" altLang="ko-KR" sz="1600" dirty="0">
                           <a:latin typeface="맑은 고딕" pitchFamily="50" charset="-127"/>
                           <a:ea typeface="맑은 고딕" pitchFamily="50" charset="-127"/>
                         </a:rPr>
                         <a:t>    </a:t>
                       </a:r>
                       <a:r>
-                        <a:rPr lang="ko-KR" altLang="en-US" sz="1600">
+                        <a:rPr lang="ko-KR" altLang="en-US" sz="1600" dirty="0">
                           <a:latin typeface="맑은 고딕" pitchFamily="50" charset="-127"/>
                           <a:ea typeface="맑은 고딕" pitchFamily="50" charset="-127"/>
                         </a:rPr>
-                        <a:t> 치매 환자에 적용</a:t>
+                        <a:t> 치매 환자</a:t>
                       </a:r>
                       <a:r>
-                        <a:rPr lang="en-US" altLang="ko-KR" sz="1600">
+                        <a:rPr lang="en-US" altLang="ko-KR" sz="1600" dirty="0">
                           <a:latin typeface="맑은 고딕" pitchFamily="50" charset="-127"/>
                           <a:ea typeface="맑은 고딕" pitchFamily="50" charset="-127"/>
                         </a:rPr>
                         <a:t>(</a:t>
                       </a:r>
                       <a:r>
-                        <a:rPr lang="ko-KR" altLang="en-US" sz="1600">
+                        <a:rPr lang="ko-KR" altLang="en-US" sz="1600" dirty="0" err="1">
                           <a:latin typeface="맑은 고딕" pitchFamily="50" charset="-127"/>
                           <a:ea typeface="맑은 고딕" pitchFamily="50" charset="-127"/>
                         </a:rPr>
                         <a:t>저용량시</a:t>
                       </a:r>
                       <a:r>
-                        <a:rPr lang="en-US" altLang="ko-KR" sz="1600">
+                        <a:rPr lang="en-US" altLang="ko-KR" sz="1600" dirty="0">
                           <a:latin typeface="맑은 고딕" pitchFamily="50" charset="-127"/>
                           <a:ea typeface="맑은 고딕" pitchFamily="50" charset="-127"/>
                         </a:rPr>
@@ -32745,30 +31528,7 @@
                     <a:p>
                       <a:pPr marL="0" marR="0" indent="0" algn="l" defTabSz="914400" rtl="0" eaLnBrk="1" fontAlgn="auto" latinLnBrk="1" hangingPunct="1">
                         <a:lnSpc>
-                          <a:spcPct val="100000"/>
-                        </a:lnSpc>
-                        <a:spcBef>
-                          <a:spcPts val="0"/>
-                        </a:spcBef>
-                        <a:spcAft>
-                          <a:spcPts val="0"/>
-                        </a:spcAft>
-                        <a:buClrTx/>
-                        <a:buSzTx/>
-                        <a:buFontTx/>
-                        <a:buNone/>
-                        <a:tabLst/>
-                        <a:defRPr/>
-                      </a:pPr>
-                      <a:endParaRPr lang="en-US" altLang="ko-KR" sz="1600">
-                        <a:latin typeface="맑은 고딕" pitchFamily="50" charset="-127"/>
-                        <a:ea typeface="맑은 고딕" pitchFamily="50" charset="-127"/>
-                      </a:endParaRPr>
-                    </a:p>
-                    <a:p>
-                      <a:pPr marL="0" marR="0" indent="0" algn="l" defTabSz="914400" rtl="0" eaLnBrk="1" fontAlgn="auto" latinLnBrk="1" hangingPunct="1">
-                        <a:lnSpc>
-                          <a:spcPct val="100000"/>
+                          <a:spcPct val="150000"/>
                         </a:lnSpc>
                         <a:spcBef>
                           <a:spcPts val="0"/>
@@ -32784,48 +31544,55 @@
                         <a:defRPr/>
                       </a:pPr>
                       <a:r>
-                        <a:rPr lang="ko-KR" altLang="en-US" sz="1600">
-                          <a:latin typeface="맑은 고딕"/>
-                          <a:ea typeface="맑은 고딕"/>
-                        </a:rPr>
-                        <a:t>ㆍ</a:t>
-                      </a:r>
-                      <a:r>
-                        <a:rPr lang="ko-KR" altLang="en-US" sz="1600">
+                        <a:rPr lang="ko-KR" altLang="en-US" sz="1600" dirty="0">
                           <a:latin typeface="맑은 고딕" pitchFamily="50" charset="-127"/>
                           <a:ea typeface="맑은 고딕" pitchFamily="50" charset="-127"/>
                         </a:rPr>
-                        <a:t>반복적 행동</a:t>
+                        <a:t>   </a:t>
                       </a:r>
                       <a:r>
-                        <a:rPr lang="en-US" altLang="ko-KR" sz="1600">
+                        <a:rPr lang="en-US" altLang="ko-KR" sz="1600" dirty="0">
+                          <a:latin typeface="맑은 고딕" pitchFamily="50" charset="-127"/>
+                          <a:ea typeface="맑은 고딕" pitchFamily="50" charset="-127"/>
+                        </a:rPr>
+                        <a:t>:</a:t>
+                      </a:r>
+                      <a:r>
+                        <a:rPr lang="ko-KR" altLang="en-US" sz="1600" dirty="0">
+                          <a:latin typeface="맑은 고딕" pitchFamily="50" charset="-127"/>
+                          <a:ea typeface="맑은 고딕" pitchFamily="50" charset="-127"/>
+                        </a:rPr>
+                        <a:t> 반복적 행동</a:t>
+                      </a:r>
+                      <a:r>
+                        <a:rPr lang="en-US" altLang="ko-KR" sz="1600" dirty="0">
                           <a:latin typeface="맑은 고딕" pitchFamily="50" charset="-127"/>
                           <a:ea typeface="맑은 고딕" pitchFamily="50" charset="-127"/>
                         </a:rPr>
                         <a:t>, </a:t>
                       </a:r>
                       <a:r>
-                        <a:rPr lang="ko-KR" altLang="en-US" sz="1600">
+                        <a:rPr lang="ko-KR" altLang="en-US" sz="1600" dirty="0">
                           <a:latin typeface="맑은 고딕" pitchFamily="50" charset="-127"/>
                           <a:ea typeface="맑은 고딕" pitchFamily="50" charset="-127"/>
                         </a:rPr>
                         <a:t>욕설</a:t>
                       </a:r>
                       <a:r>
-                        <a:rPr lang="en-US" altLang="ko-KR" sz="1600">
+                        <a:rPr lang="en-US" altLang="ko-KR" sz="1600" dirty="0">
                           <a:latin typeface="맑은 고딕" pitchFamily="50" charset="-127"/>
                           <a:ea typeface="맑은 고딕" pitchFamily="50" charset="-127"/>
                         </a:rPr>
                         <a:t>, </a:t>
                       </a:r>
                       <a:r>
-                        <a:rPr lang="ko-KR" altLang="en-US" sz="1600">
+                        <a:rPr lang="ko-KR" altLang="en-US" sz="1600" dirty="0">
                           <a:latin typeface="맑은 고딕" pitchFamily="50" charset="-127"/>
                           <a:ea typeface="맑은 고딕" pitchFamily="50" charset="-127"/>
                         </a:rPr>
-                        <a:t>반항 등 이상행동에</a:t>
+                        <a:t>반항 등</a:t>
                       </a:r>
-                      <a:endParaRPr lang="en-US" altLang="ko-KR" sz="1600">
+                      <a:endParaRPr lang="en-US" altLang="ko-KR" sz="1600" dirty="0">
                         <a:latin typeface="맑은 고딕" pitchFamily="50" charset="-127"/>
                         <a:ea typeface="맑은 고딕" pitchFamily="50" charset="-127"/>
                       </a:endParaRPr>
@@ -32833,7 +31600,30 @@
                     <a:p>
                       <a:pPr marL="0" marR="0" indent="0" algn="l" defTabSz="914400" rtl="0" eaLnBrk="1" fontAlgn="auto" latinLnBrk="1" hangingPunct="1">
                         <a:lnSpc>
-                          <a:spcPct val="100000"/>
+                          <a:spcPct val="150000"/>
+                        </a:lnSpc>
+                        <a:spcBef>
+                          <a:spcPts val="0"/>
+                        </a:spcBef>
+                        <a:spcAft>
+                          <a:spcPts val="0"/>
+                        </a:spcAft>
+                        <a:buClrTx/>
+                        <a:buSzTx/>
+                        <a:buFontTx/>
+                        <a:buNone/>
+                        <a:tabLst/>
+                        <a:defRPr/>
+                      </a:pPr>
+                      <a:endParaRPr lang="en-US" altLang="ko-KR" sz="1600" dirty="0">
+                        <a:latin typeface="맑은 고딕" pitchFamily="50" charset="-127"/>
+                        <a:ea typeface="맑은 고딕" pitchFamily="50" charset="-127"/>
+                      </a:endParaRPr>
+                    </a:p>
+                    <a:p>
+                      <a:pPr marL="0" marR="0" indent="0" algn="l" defTabSz="914400" rtl="0" eaLnBrk="1" fontAlgn="auto" latinLnBrk="1" hangingPunct="1">
+                        <a:lnSpc>
+                          <a:spcPct val="150000"/>
                         </a:lnSpc>
                         <a:spcBef>
                           <a:spcPts val="0"/>
@@ -32849,162 +31639,26 @@
                         <a:defRPr/>
                       </a:pPr>
                       <a:r>
-                        <a:rPr lang="en-US" altLang="ko-KR" sz="1600">
-                          <a:latin typeface="맑은 고딕" pitchFamily="50" charset="-127"/>
-                          <a:ea typeface="맑은 고딕" pitchFamily="50" charset="-127"/>
-                        </a:rPr>
-                        <a:t>  </a:t>
-                      </a:r>
-                      <a:r>
-                        <a:rPr lang="ko-KR" altLang="en-US" sz="1600">
-                          <a:latin typeface="맑은 고딕" pitchFamily="50" charset="-127"/>
-                          <a:ea typeface="맑은 고딕" pitchFamily="50" charset="-127"/>
-                        </a:rPr>
-                        <a:t> 적용</a:t>
-                      </a:r>
-                      <a:endParaRPr lang="en-US" altLang="ko-KR" sz="1600">
-                        <a:latin typeface="맑은 고딕" pitchFamily="50" charset="-127"/>
-                        <a:ea typeface="맑은 고딕" pitchFamily="50" charset="-127"/>
-                      </a:endParaRPr>
-                    </a:p>
-                    <a:p>
-                      <a:pPr marL="0" marR="0" indent="0" algn="l" defTabSz="914400" rtl="0" eaLnBrk="1" fontAlgn="auto" latinLnBrk="1" hangingPunct="1">
-                        <a:lnSpc>
-                          <a:spcPct val="100000"/>
-                        </a:lnSpc>
-                        <a:spcBef>
-                          <a:spcPts val="0"/>
-                        </a:spcBef>
-                        <a:spcAft>
-                          <a:spcPts val="0"/>
-                        </a:spcAft>
-                        <a:buClrTx/>
-                        <a:buSzTx/>
-                        <a:buFontTx/>
-                        <a:buNone/>
-                        <a:tabLst/>
-                        <a:defRPr/>
-                      </a:pPr>
-                      <a:r>
-                        <a:rPr lang="ko-KR" altLang="en-US" sz="1600">
+                        <a:rPr lang="ko-KR" altLang="en-US" sz="1600" dirty="0" err="1">
                           <a:latin typeface="맑은 고딕"/>
                           <a:ea typeface="맑은 고딕"/>
                         </a:rPr>
                         <a:t>ㆍ</a:t>
                       </a:r>
                       <a:r>
-                        <a:rPr lang="ko-KR" altLang="en-US" sz="1600">
+                        <a:rPr lang="ko-KR" altLang="en-US" sz="1600" dirty="0" err="1">
                           <a:latin typeface="맑은 고딕" pitchFamily="50" charset="-127"/>
                           <a:ea typeface="맑은 고딕" pitchFamily="50" charset="-127"/>
                         </a:rPr>
-                        <a:t>낮은 약가</a:t>
+                        <a:t>낮은</a:t>
                       </a:r>
-                      <a:endParaRPr lang="en-US" altLang="ko-KR" sz="1600">
-                        <a:latin typeface="맑은 고딕" pitchFamily="50" charset="-127"/>
-                        <a:ea typeface="맑은 고딕" pitchFamily="50" charset="-127"/>
-                      </a:endParaRPr>
-                    </a:p>
-                    <a:p>
-                      <a:pPr marL="0" marR="0" indent="0" algn="l" defTabSz="914400" rtl="0" eaLnBrk="1" fontAlgn="auto" latinLnBrk="1" hangingPunct="1">
-                        <a:lnSpc>
-                          <a:spcPct val="100000"/>
-                        </a:lnSpc>
-                        <a:spcBef>
-                          <a:spcPts val="0"/>
-                        </a:spcBef>
-                        <a:spcAft>
-                          <a:spcPts val="0"/>
-                        </a:spcAft>
-                        <a:buClrTx/>
-                        <a:buSzTx/>
-                        <a:buFontTx/>
-                        <a:buNone/>
-                        <a:tabLst/>
-                        <a:defRPr/>
-                      </a:pPr>
                       <a:r>
-                        <a:rPr lang="en-US" altLang="ko-KR" sz="1600">
+                        <a:rPr lang="ko-KR" altLang="en-US" sz="1600" dirty="0">
                           <a:latin typeface="맑은 고딕" pitchFamily="50" charset="-127"/>
                           <a:ea typeface="맑은 고딕" pitchFamily="50" charset="-127"/>
                         </a:rPr>
-                        <a:t>  </a:t>
+                        <a:t> 약가</a:t>
                       </a:r>
-                      <a:r>
-                        <a:rPr lang="ko-KR" altLang="en-US" sz="1600">
-                          <a:latin typeface="맑은 고딕" pitchFamily="50" charset="-127"/>
-                          <a:ea typeface="맑은 고딕" pitchFamily="50" charset="-127"/>
-                        </a:rPr>
-                        <a:t> </a:t>
-                      </a:r>
-                      <a:r>
-                        <a:rPr lang="en-US" altLang="ko-KR" sz="1600">
-                          <a:latin typeface="맑은 고딕" pitchFamily="50" charset="-127"/>
-                          <a:ea typeface="맑은 고딕" pitchFamily="50" charset="-127"/>
-                        </a:rPr>
-                        <a:t>: </a:t>
-                      </a:r>
-                      <a:r>
-                        <a:rPr lang="ko-KR" altLang="en-US" sz="1600">
-                          <a:latin typeface="맑은 고딕" pitchFamily="50" charset="-127"/>
-                          <a:ea typeface="맑은 고딕" pitchFamily="50" charset="-127"/>
-                        </a:rPr>
-                        <a:t>약물 순응도가 좋</a:t>
-                      </a:r>
-                      <a:r>
-                        <a:rPr lang="ko-KR" altLang="en-US" sz="1600" baseline="0">
-                          <a:latin typeface="맑은 고딕" pitchFamily="50" charset="-127"/>
-                          <a:ea typeface="맑은 고딕" pitchFamily="50" charset="-127"/>
-                        </a:rPr>
-                        <a:t>은 젊은 층 또는</a:t>
-                      </a:r>
-                      <a:endParaRPr lang="en-US" altLang="ko-KR" sz="1600" baseline="0">
-                        <a:latin typeface="맑은 고딕" pitchFamily="50" charset="-127"/>
-                        <a:ea typeface="맑은 고딕" pitchFamily="50" charset="-127"/>
-                      </a:endParaRPr>
-                    </a:p>
-                    <a:p>
-                      <a:pPr marL="0" marR="0" indent="0" algn="l" defTabSz="914400" rtl="0" eaLnBrk="1" fontAlgn="auto" latinLnBrk="1" hangingPunct="1">
-                        <a:lnSpc>
-                          <a:spcPct val="100000"/>
-                        </a:lnSpc>
-                        <a:spcBef>
-                          <a:spcPts val="0"/>
-                        </a:spcBef>
-                        <a:spcAft>
-                          <a:spcPts val="0"/>
-                        </a:spcAft>
-                        <a:buClrTx/>
-                        <a:buSzTx/>
-                        <a:buFontTx/>
-                        <a:buNone/>
-                        <a:tabLst/>
-                        <a:defRPr/>
-                      </a:pPr>
-                      <a:r>
-                        <a:rPr lang="en-US" altLang="ko-KR" sz="1600" baseline="0">
-                          <a:latin typeface="맑은 고딕" pitchFamily="50" charset="-127"/>
-                          <a:ea typeface="맑은 고딕" pitchFamily="50" charset="-127"/>
-                        </a:rPr>
-                        <a:t>    </a:t>
-                      </a:r>
-                      <a:r>
-                        <a:rPr lang="ko-KR" altLang="en-US" sz="1600" baseline="0">
-                          <a:latin typeface="맑은 고딕" pitchFamily="50" charset="-127"/>
-                          <a:ea typeface="맑은 고딕" pitchFamily="50" charset="-127"/>
-                        </a:rPr>
-                        <a:t>경제적 취역 계층에 적합</a:t>
-                      </a:r>
-                      <a:endParaRPr lang="ko-KR" altLang="en-US" sz="1600">
-                        <a:latin typeface="맑은 고딕" pitchFamily="50" charset="-127"/>
-                        <a:ea typeface="맑은 고딕" pitchFamily="50" charset="-127"/>
-                      </a:endParaRPr>
-                    </a:p>
-                    <a:p>
-                      <a:pPr latinLnBrk="1"/>
-                      <a:endParaRPr lang="ko-KR" altLang="en-US" sz="1600">
-                        <a:latin typeface="맑은 고딕" pitchFamily="50" charset="-127"/>
-                        <a:ea typeface="맑은 고딕" pitchFamily="50" charset="-127"/>
-                      </a:endParaRPr>
                     </a:p>
                   </a:txBody>
                   <a:tcPr/>
@@ -33014,41 +31668,52 @@
                     <a:bodyPr/>
                     <a:lstStyle/>
                     <a:p>
-                      <a:pPr latinLnBrk="1"/>
-                      <a:endParaRPr lang="en-US" altLang="ko-KR" sz="1600" dirty="0">
-                        <a:latin typeface="맑은 고딕"/>
-                        <a:ea typeface="맑은 고딕"/>
-                      </a:endParaRPr>
-                    </a:p>
-                    <a:p>
-                      <a:pPr latinLnBrk="1"/>
+                      <a:pPr latinLnBrk="1">
+                        <a:lnSpc>
+                          <a:spcPct val="150000"/>
+                        </a:lnSpc>
+                      </a:pPr>
                       <a:r>
-                        <a:rPr lang="ko-KR" altLang="en-US" sz="1600" dirty="0" err="1">
+                        <a:rPr lang="ko-KR" altLang="en-US" sz="1600" b="1" dirty="0" err="1">
                           <a:latin typeface="맑은 고딕"/>
                           <a:ea typeface="맑은 고딕"/>
                         </a:rPr>
                         <a:t>ㆍ</a:t>
                       </a:r>
                       <a:r>
-                        <a:rPr lang="ko-KR" altLang="en-US" sz="1600" dirty="0" err="1">
+                        <a:rPr lang="ko-KR" altLang="en-US" sz="1600" b="1" dirty="0" err="1">
                           <a:latin typeface="맑은 고딕" pitchFamily="50" charset="-127"/>
                           <a:ea typeface="맑은 고딕" pitchFamily="50" charset="-127"/>
                         </a:rPr>
                         <a:t>심혈관계질환</a:t>
                       </a:r>
                       <a:r>
-                        <a:rPr lang="en-US" altLang="ko-KR" sz="1600" dirty="0">
+                        <a:rPr lang="en-US" altLang="ko-KR" sz="1600" b="1" dirty="0">
                           <a:latin typeface="맑은 고딕" pitchFamily="50" charset="-127"/>
                           <a:ea typeface="맑은 고딕" pitchFamily="50" charset="-127"/>
                         </a:rPr>
                         <a:t>, </a:t>
                       </a:r>
                       <a:r>
+                        <a:rPr lang="ko-KR" altLang="en-US" sz="1600" b="1" dirty="0" err="1">
+                          <a:latin typeface="맑은 고딕" pitchFamily="50" charset="-127"/>
+                          <a:ea typeface="맑은 고딕" pitchFamily="50" charset="-127"/>
+                        </a:rPr>
+                        <a:t>뇌전증</a:t>
+                      </a:r>
+                      <a:r>
+                        <a:rPr lang="en-US" altLang="ko-KR" sz="1600" b="1" dirty="0">
+                          <a:latin typeface="맑은 고딕" pitchFamily="50" charset="-127"/>
+                          <a:ea typeface="맑은 고딕" pitchFamily="50" charset="-127"/>
+                        </a:rPr>
+                        <a:t>,</a:t>
+                      </a:r>
+                      <a:r>
                         <a:rPr lang="ko-KR" altLang="en-US" sz="1600" b="1" dirty="0">
                           <a:latin typeface="맑은 고딕" pitchFamily="50" charset="-127"/>
                           <a:ea typeface="맑은 고딕" pitchFamily="50" charset="-127"/>
                         </a:rPr>
-                        <a:t>당뇨</a:t>
+                        <a:t> 당뇨</a:t>
                       </a:r>
                       <a:r>
                         <a:rPr lang="en-US" altLang="ko-KR" sz="1600" dirty="0">
@@ -33073,133 +31738,22 @@
                       </a:r>
                     </a:p>
                     <a:p>
-                      <a:pPr latinLnBrk="1"/>
-                      <a:r>
-                        <a:rPr lang="en-US" altLang="ko-KR" sz="1600" dirty="0">
-                          <a:latin typeface="맑은 고딕" pitchFamily="50" charset="-127"/>
-                          <a:ea typeface="맑은 고딕" pitchFamily="50" charset="-127"/>
-                        </a:rPr>
-                        <a:t>   </a:t>
-                      </a:r>
-                      <a:r>
-                        <a:rPr lang="ko-KR" altLang="en-US" sz="1600" dirty="0">
-                          <a:latin typeface="맑은 고딕" pitchFamily="50" charset="-127"/>
-                          <a:ea typeface="맑은 고딕" pitchFamily="50" charset="-127"/>
-                        </a:rPr>
-                        <a:t>간질 증상이 있는 환자의 증상악화</a:t>
-                      </a:r>
+                      <a:pPr latinLnBrk="1">
+                        <a:lnSpc>
+                          <a:spcPct val="150000"/>
+                        </a:lnSpc>
+                      </a:pPr>
                       <a:endParaRPr lang="en-US" altLang="ko-KR" sz="1600" dirty="0">
                         <a:latin typeface="맑은 고딕" pitchFamily="50" charset="-127"/>
                         <a:ea typeface="맑은 고딕" pitchFamily="50" charset="-127"/>
                       </a:endParaRPr>
                     </a:p>
                     <a:p>
-                      <a:pPr latinLnBrk="1"/>
-                      <a:endParaRPr lang="en-US" altLang="ko-KR" sz="1600" dirty="0">
-                        <a:latin typeface="맑은 고딕" pitchFamily="50" charset="-127"/>
-                        <a:ea typeface="맑은 고딕" pitchFamily="50" charset="-127"/>
-                      </a:endParaRPr>
-                    </a:p>
-                    <a:p>
-                      <a:pPr latinLnBrk="1"/>
-                      <a:r>
-                        <a:rPr lang="ko-KR" altLang="en-US" sz="1600" dirty="0" err="1">
-                          <a:latin typeface="맑은 고딕"/>
-                          <a:ea typeface="맑은 고딕"/>
-                        </a:rPr>
-                        <a:t>ㆍ</a:t>
-                      </a:r>
-                      <a:r>
-                        <a:rPr lang="ko-KR" altLang="en-US" sz="1600" dirty="0" err="1">
-                          <a:latin typeface="맑은 고딕" pitchFamily="50" charset="-127"/>
-                          <a:ea typeface="맑은 고딕" pitchFamily="50" charset="-127"/>
-                        </a:rPr>
-                        <a:t>노인</a:t>
-                      </a:r>
-                      <a:r>
-                        <a:rPr lang="ko-KR" altLang="en-US" sz="1600" dirty="0">
-                          <a:latin typeface="맑은 고딕" pitchFamily="50" charset="-127"/>
-                          <a:ea typeface="맑은 고딕" pitchFamily="50" charset="-127"/>
-                        </a:rPr>
-                        <a:t> 부적합 </a:t>
-                      </a:r>
-                      <a:r>
-                        <a:rPr lang="en-US" altLang="ko-KR" sz="1600" dirty="0">
-                          <a:latin typeface="맑은 고딕" pitchFamily="50" charset="-127"/>
-                          <a:ea typeface="맑은 고딕" pitchFamily="50" charset="-127"/>
-                        </a:rPr>
-                        <a:t>: </a:t>
-                      </a:r>
-                      <a:r>
-                        <a:rPr lang="ko-KR" altLang="en-US" sz="1600" dirty="0">
-                          <a:latin typeface="맑은 고딕" pitchFamily="50" charset="-127"/>
-                          <a:ea typeface="맑은 고딕" pitchFamily="50" charset="-127"/>
-                        </a:rPr>
-                        <a:t>과다 진정</a:t>
-                      </a:r>
-                      <a:r>
-                        <a:rPr lang="en-US" altLang="ko-KR" sz="1600" dirty="0">
-                          <a:latin typeface="맑은 고딕" pitchFamily="50" charset="-127"/>
-                          <a:ea typeface="맑은 고딕" pitchFamily="50" charset="-127"/>
-                        </a:rPr>
-                        <a:t>. </a:t>
-                      </a:r>
-                      <a:r>
-                        <a:rPr lang="ko-KR" altLang="en-US" sz="1600" dirty="0">
-                          <a:latin typeface="맑은 고딕" pitchFamily="50" charset="-127"/>
-                          <a:ea typeface="맑은 고딕" pitchFamily="50" charset="-127"/>
-                        </a:rPr>
-                        <a:t>착란</a:t>
-                      </a:r>
-                      <a:r>
-                        <a:rPr lang="en-US" altLang="ko-KR" sz="1600" dirty="0">
-                          <a:latin typeface="맑은 고딕" pitchFamily="50" charset="-127"/>
-                          <a:ea typeface="맑은 고딕" pitchFamily="50" charset="-127"/>
-                        </a:rPr>
-                        <a:t>, </a:t>
-                      </a:r>
-                      <a:r>
-                        <a:rPr lang="ko-KR" altLang="en-US" sz="1600" dirty="0" err="1">
-                          <a:latin typeface="맑은 고딕" pitchFamily="50" charset="-127"/>
-                          <a:ea typeface="맑은 고딕" pitchFamily="50" charset="-127"/>
-                        </a:rPr>
-                        <a:t>입마름</a:t>
-                      </a:r>
-                      <a:endParaRPr lang="en-US" altLang="ko-KR" sz="1600" dirty="0">
-                        <a:latin typeface="맑은 고딕" pitchFamily="50" charset="-127"/>
-                        <a:ea typeface="맑은 고딕" pitchFamily="50" charset="-127"/>
-                      </a:endParaRPr>
-                    </a:p>
-                    <a:p>
-                      <a:pPr latinLnBrk="1"/>
-                      <a:r>
-                        <a:rPr lang="en-US" altLang="ko-KR" sz="1600" dirty="0">
-                          <a:latin typeface="맑은 고딕" pitchFamily="50" charset="-127"/>
-                          <a:ea typeface="맑은 고딕" pitchFamily="50" charset="-127"/>
-                        </a:rPr>
-                        <a:t>   </a:t>
-                      </a:r>
-                      <a:r>
-                        <a:rPr lang="ko-KR" altLang="en-US" sz="1600" dirty="0">
-                          <a:latin typeface="맑은 고딕" pitchFamily="50" charset="-127"/>
-                          <a:ea typeface="맑은 고딕" pitchFamily="50" charset="-127"/>
-                        </a:rPr>
-                        <a:t>주의</a:t>
-                      </a:r>
-                      <a:endParaRPr lang="en-US" altLang="ko-KR" sz="1600" dirty="0">
-                        <a:latin typeface="맑은 고딕" pitchFamily="50" charset="-127"/>
-                        <a:ea typeface="맑은 고딕" pitchFamily="50" charset="-127"/>
-                      </a:endParaRPr>
-                    </a:p>
-                    <a:p>
-                      <a:pPr latinLnBrk="1"/>
-                      <a:endParaRPr lang="en-US" altLang="ko-KR" sz="1600" dirty="0">
-                        <a:latin typeface="맑은 고딕" pitchFamily="50" charset="-127"/>
-                        <a:ea typeface="맑은 고딕" pitchFamily="50" charset="-127"/>
-                      </a:endParaRPr>
-                    </a:p>
-                    <a:p>
-                      <a:pPr latinLnBrk="1"/>
+                      <a:pPr latinLnBrk="1">
+                        <a:lnSpc>
+                          <a:spcPct val="150000"/>
+                        </a:lnSpc>
+                      </a:pPr>
                       <a:r>
                         <a:rPr lang="ko-KR" altLang="en-US" sz="1600" dirty="0" err="1">
                           <a:latin typeface="맑은 고딕"/>
@@ -33227,63 +31781,22 @@
                       </a:endParaRPr>
                     </a:p>
                     <a:p>
-                      <a:pPr latinLnBrk="1"/>
+                      <a:pPr latinLnBrk="1">
+                        <a:lnSpc>
+                          <a:spcPct val="150000"/>
+                        </a:lnSpc>
+                      </a:pPr>
                       <a:endParaRPr lang="en-US" altLang="ko-KR" sz="1600" dirty="0">
                         <a:latin typeface="맑은 고딕"/>
                         <a:ea typeface="맑은 고딕"/>
                       </a:endParaRPr>
                     </a:p>
                     <a:p>
-                      <a:pPr latinLnBrk="1"/>
-                      <a:r>
-                        <a:rPr lang="ko-KR" altLang="en-US" sz="1600" b="1" dirty="0" err="1">
-                          <a:latin typeface="맑은 고딕"/>
-                          <a:ea typeface="맑은 고딕"/>
-                        </a:rPr>
-                        <a:t>ㆍ</a:t>
-                      </a:r>
-                      <a:r>
-                        <a:rPr lang="ko-KR" altLang="en-US" sz="1600" b="1" dirty="0" err="1">
-                          <a:latin typeface="맑은 고딕" pitchFamily="50" charset="-127"/>
-                          <a:ea typeface="맑은 고딕" pitchFamily="50" charset="-127"/>
-                        </a:rPr>
-                        <a:t>발작빈도</a:t>
-                      </a:r>
-                      <a:r>
-                        <a:rPr lang="ko-KR" altLang="en-US" sz="1600" b="1" dirty="0">
-                          <a:latin typeface="맑은 고딕" pitchFamily="50" charset="-127"/>
-                          <a:ea typeface="맑은 고딕" pitchFamily="50" charset="-127"/>
-                        </a:rPr>
-                        <a:t> 증가 가능성</a:t>
-                      </a:r>
-                      <a:r>
-                        <a:rPr lang="en-US" altLang="ko-KR" sz="1600" dirty="0">
-                          <a:latin typeface="맑은 고딕" pitchFamily="50" charset="-127"/>
-                          <a:ea typeface="맑은 고딕" pitchFamily="50" charset="-127"/>
-                        </a:rPr>
-                        <a:t>, </a:t>
-                      </a:r>
-                      <a:r>
-                        <a:rPr lang="ko-KR" altLang="en-US" sz="1600" b="1" dirty="0">
-                          <a:latin typeface="맑은 고딕" pitchFamily="50" charset="-127"/>
-                          <a:ea typeface="맑은 고딕" pitchFamily="50" charset="-127"/>
-                        </a:rPr>
-                        <a:t>심장독성</a:t>
-                      </a:r>
-                      <a:endParaRPr lang="en-US" altLang="ko-KR" sz="1600" b="1" dirty="0">
-                        <a:latin typeface="맑은 고딕" pitchFamily="50" charset="-127"/>
-                        <a:ea typeface="맑은 고딕" pitchFamily="50" charset="-127"/>
-                      </a:endParaRPr>
-                    </a:p>
-                    <a:p>
-                      <a:pPr latinLnBrk="1"/>
-                      <a:endParaRPr lang="en-US" altLang="ko-KR" sz="1600" dirty="0">
-                        <a:latin typeface="맑은 고딕"/>
-                        <a:ea typeface="맑은 고딕"/>
-                      </a:endParaRPr>
-                    </a:p>
-                    <a:p>
-                      <a:pPr latinLnBrk="1"/>
+                      <a:pPr latinLnBrk="1">
+                        <a:lnSpc>
+                          <a:spcPct val="150000"/>
+                        </a:lnSpc>
+                      </a:pPr>
                       <a:r>
                         <a:rPr lang="ko-KR" altLang="en-US" sz="1600" b="1" dirty="0" err="1">
                           <a:latin typeface="맑은 고딕"/>
@@ -33303,22 +31816,33 @@
                           <a:latin typeface="맑은 고딕" pitchFamily="50" charset="-127"/>
                           <a:ea typeface="맑은 고딕" pitchFamily="50" charset="-127"/>
                         </a:rPr>
-                        <a:t> 사용시 심각한 합병증 초래</a:t>
+                        <a:t> 사용시 사망할 수 있음</a:t>
                       </a:r>
-                      <a:endParaRPr lang="en-US" altLang="ko-KR" sz="1600" b="1" dirty="0">
-                        <a:latin typeface="맑은 고딕" pitchFamily="50" charset="-127"/>
-                        <a:ea typeface="맑은 고딕" pitchFamily="50" charset="-127"/>
-                      </a:endParaRPr>
+                      <a:r>
+                        <a:rPr lang="en-US" altLang="ko-KR" sz="1600" b="1" dirty="0">
+                          <a:latin typeface="맑은 고딕" pitchFamily="50" charset="-127"/>
+                          <a:ea typeface="맑은 고딕" pitchFamily="50" charset="-127"/>
+                        </a:rPr>
+                        <a:t>.</a:t>
+                      </a:r>
                     </a:p>
                     <a:p>
-                      <a:pPr latinLnBrk="1"/>
+                      <a:pPr latinLnBrk="1">
+                        <a:lnSpc>
+                          <a:spcPct val="150000"/>
+                        </a:lnSpc>
+                      </a:pPr>
                       <a:endParaRPr lang="en-US" altLang="ko-KR" sz="1600" dirty="0">
                         <a:latin typeface="맑은 고딕"/>
                         <a:ea typeface="맑은 고딕"/>
                       </a:endParaRPr>
                     </a:p>
                     <a:p>
-                      <a:pPr latinLnBrk="1"/>
+                      <a:pPr latinLnBrk="1">
+                        <a:lnSpc>
+                          <a:spcPct val="150000"/>
+                        </a:lnSpc>
+                      </a:pPr>
                       <a:r>
                         <a:rPr lang="ko-KR" altLang="en-US" sz="1600" dirty="0" err="1">
                           <a:latin typeface="맑은 고딕"/>
@@ -33368,6 +31892,20 @@
                         </a:rPr>
                         <a:t>인지장애 유발</a:t>
                       </a:r>
+                      <a:r>
+                        <a:rPr lang="en-US" altLang="ko-KR" sz="1600" dirty="0">
+                          <a:latin typeface="맑은 고딕" pitchFamily="50" charset="-127"/>
+                          <a:ea typeface="맑은 고딕" pitchFamily="50" charset="-127"/>
+                        </a:rPr>
+                        <a:t>.</a:t>
+                      </a:r>
+                      <a:r>
+                        <a:rPr lang="ko-KR" altLang="en-US" sz="1600" dirty="0">
+                          <a:latin typeface="맑은 고딕" pitchFamily="50" charset="-127"/>
+                          <a:ea typeface="맑은 고딕" pitchFamily="50" charset="-127"/>
+                        </a:rPr>
+                        <a:t> 노령층 주의</a:t>
+                      </a:r>
                     </a:p>
                   </a:txBody>
                   <a:tcPr/>
@@ -33396,7 +31934,7 @@
         </p:nvSpPr>
         <p:spPr>
           <a:xfrm>
-            <a:off x="838200" y="6165304"/>
+            <a:off x="838200" y="6138932"/>
             <a:ext cx="10515600" cy="707886"/>
           </a:xfrm>
           <a:prstGeom prst="rect">
